--- a/e113_meps/2023.10.10_aemeps.pptx
+++ b/e113_meps/2023.10.10_aemeps.pptx
@@ -32,16 +32,22 @@
     <p:sldId id="296" r:id="rId26"/>
     <p:sldId id="301" r:id="rId27"/>
     <p:sldId id="302" r:id="rId28"/>
-    <p:sldId id="278" r:id="rId29"/>
-    <p:sldId id="282" r:id="rId30"/>
-    <p:sldId id="277" r:id="rId31"/>
-    <p:sldId id="265" r:id="rId32"/>
-    <p:sldId id="273" r:id="rId33"/>
-    <p:sldId id="274" r:id="rId34"/>
-    <p:sldId id="268" r:id="rId35"/>
-    <p:sldId id="271" r:id="rId36"/>
-    <p:sldId id="267" r:id="rId37"/>
-    <p:sldId id="272" r:id="rId38"/>
+    <p:sldId id="304" r:id="rId29"/>
+    <p:sldId id="305" r:id="rId30"/>
+    <p:sldId id="306" r:id="rId31"/>
+    <p:sldId id="308" r:id="rId32"/>
+    <p:sldId id="309" r:id="rId33"/>
+    <p:sldId id="310" r:id="rId34"/>
+    <p:sldId id="307" r:id="rId35"/>
+    <p:sldId id="277" r:id="rId36"/>
+    <p:sldId id="265" r:id="rId37"/>
+    <p:sldId id="273" r:id="rId38"/>
+    <p:sldId id="274" r:id="rId39"/>
+    <p:sldId id="268" r:id="rId40"/>
+    <p:sldId id="271" r:id="rId41"/>
+    <p:sldId id="267" r:id="rId42"/>
+    <p:sldId id="272" r:id="rId43"/>
+    <p:sldId id="311" r:id="rId44"/>
   </p:sldIdLst>
   <p:sldSz cx="12192000" cy="6858000"/>
   <p:notesSz cx="6858000" cy="9144000"/>
@@ -297,7 +303,7 @@
           <a:p>
             <a:fld id="{70C657AA-C5B8-47DD-BA5E-84B85563C266}" type="datetimeFigureOut">
               <a:rPr lang="en-GB" smtClean="0"/>
-              <a:t>11/10/2023</a:t>
+              <a:t>26/10/2023</a:t>
             </a:fld>
             <a:endParaRPr lang="en-GB"/>
           </a:p>
@@ -497,7 +503,7 @@
           <a:p>
             <a:fld id="{70C657AA-C5B8-47DD-BA5E-84B85563C266}" type="datetimeFigureOut">
               <a:rPr lang="en-GB" smtClean="0"/>
-              <a:t>11/10/2023</a:t>
+              <a:t>26/10/2023</a:t>
             </a:fld>
             <a:endParaRPr lang="en-GB"/>
           </a:p>
@@ -707,7 +713,7 @@
           <a:p>
             <a:fld id="{70C657AA-C5B8-47DD-BA5E-84B85563C266}" type="datetimeFigureOut">
               <a:rPr lang="en-GB" smtClean="0"/>
-              <a:t>11/10/2023</a:t>
+              <a:t>26/10/2023</a:t>
             </a:fld>
             <a:endParaRPr lang="en-GB"/>
           </a:p>
@@ -907,7 +913,7 @@
           <a:p>
             <a:fld id="{70C657AA-C5B8-47DD-BA5E-84B85563C266}" type="datetimeFigureOut">
               <a:rPr lang="en-GB" smtClean="0"/>
-              <a:t>11/10/2023</a:t>
+              <a:t>26/10/2023</a:t>
             </a:fld>
             <a:endParaRPr lang="en-GB"/>
           </a:p>
@@ -1183,7 +1189,7 @@
           <a:p>
             <a:fld id="{70C657AA-C5B8-47DD-BA5E-84B85563C266}" type="datetimeFigureOut">
               <a:rPr lang="en-GB" smtClean="0"/>
-              <a:t>11/10/2023</a:t>
+              <a:t>26/10/2023</a:t>
             </a:fld>
             <a:endParaRPr lang="en-GB"/>
           </a:p>
@@ -1451,7 +1457,7 @@
           <a:p>
             <a:fld id="{70C657AA-C5B8-47DD-BA5E-84B85563C266}" type="datetimeFigureOut">
               <a:rPr lang="en-GB" smtClean="0"/>
-              <a:t>11/10/2023</a:t>
+              <a:t>26/10/2023</a:t>
             </a:fld>
             <a:endParaRPr lang="en-GB"/>
           </a:p>
@@ -1866,7 +1872,7 @@
           <a:p>
             <a:fld id="{70C657AA-C5B8-47DD-BA5E-84B85563C266}" type="datetimeFigureOut">
               <a:rPr lang="en-GB" smtClean="0"/>
-              <a:t>11/10/2023</a:t>
+              <a:t>26/10/2023</a:t>
             </a:fld>
             <a:endParaRPr lang="en-GB"/>
           </a:p>
@@ -2008,7 +2014,7 @@
           <a:p>
             <a:fld id="{70C657AA-C5B8-47DD-BA5E-84B85563C266}" type="datetimeFigureOut">
               <a:rPr lang="en-GB" smtClean="0"/>
-              <a:t>11/10/2023</a:t>
+              <a:t>26/10/2023</a:t>
             </a:fld>
             <a:endParaRPr lang="en-GB"/>
           </a:p>
@@ -2121,7 +2127,7 @@
           <a:p>
             <a:fld id="{70C657AA-C5B8-47DD-BA5E-84B85563C266}" type="datetimeFigureOut">
               <a:rPr lang="en-GB" smtClean="0"/>
-              <a:t>11/10/2023</a:t>
+              <a:t>26/10/2023</a:t>
             </a:fld>
             <a:endParaRPr lang="en-GB"/>
           </a:p>
@@ -2434,7 +2440,7 @@
           <a:p>
             <a:fld id="{70C657AA-C5B8-47DD-BA5E-84B85563C266}" type="datetimeFigureOut">
               <a:rPr lang="en-GB" smtClean="0"/>
-              <a:t>11/10/2023</a:t>
+              <a:t>26/10/2023</a:t>
             </a:fld>
             <a:endParaRPr lang="en-GB"/>
           </a:p>
@@ -2723,7 +2729,7 @@
           <a:p>
             <a:fld id="{70C657AA-C5B8-47DD-BA5E-84B85563C266}" type="datetimeFigureOut">
               <a:rPr lang="en-GB" smtClean="0"/>
-              <a:t>11/10/2023</a:t>
+              <a:t>26/10/2023</a:t>
             </a:fld>
             <a:endParaRPr lang="en-GB"/>
           </a:p>
@@ -2966,7 +2972,7 @@
           <a:p>
             <a:fld id="{70C657AA-C5B8-47DD-BA5E-84B85563C266}" type="datetimeFigureOut">
               <a:rPr lang="en-GB" smtClean="0"/>
-              <a:t>11/10/2023</a:t>
+              <a:t>26/10/2023</a:t>
             </a:fld>
             <a:endParaRPr lang="en-GB"/>
           </a:p>
@@ -6555,8 +6561,8 @@
           </a:prstGeom>
         </p:spPr>
       </p:pic>
-      <mc:AlternateContent xmlns:mc="http://schemas.openxmlformats.org/markup-compatibility/2006">
-        <mc:Choice xmlns:a14="http://schemas.microsoft.com/office/drawing/2010/main" Requires="a14">
+      <mc:AlternateContent xmlns:mc="http://schemas.openxmlformats.org/markup-compatibility/2006" xmlns:a14="http://schemas.microsoft.com/office/drawing/2010/main">
+        <mc:Choice Requires="a14">
           <p:sp>
             <p:nvSpPr>
               <p:cNvPr id="10" name="TextBox 9">
@@ -6617,7 +6623,7 @@
             </p:txBody>
           </p:sp>
         </mc:Choice>
-        <mc:Fallback>
+        <mc:Fallback xmlns="">
           <p:sp>
             <p:nvSpPr>
               <p:cNvPr id="10" name="TextBox 9">
@@ -6662,8 +6668,8 @@
           </p:sp>
         </mc:Fallback>
       </mc:AlternateContent>
-      <mc:AlternateContent xmlns:mc="http://schemas.openxmlformats.org/markup-compatibility/2006">
-        <mc:Choice xmlns:a14="http://schemas.microsoft.com/office/drawing/2010/main" Requires="a14">
+      <mc:AlternateContent xmlns:mc="http://schemas.openxmlformats.org/markup-compatibility/2006" xmlns:a14="http://schemas.microsoft.com/office/drawing/2010/main">
+        <mc:Choice Requires="a14">
           <p:sp>
             <p:nvSpPr>
               <p:cNvPr id="11" name="TextBox 10">
@@ -6724,7 +6730,7 @@
             </p:txBody>
           </p:sp>
         </mc:Choice>
-        <mc:Fallback>
+        <mc:Fallback xmlns="">
           <p:sp>
             <p:nvSpPr>
               <p:cNvPr id="11" name="TextBox 10">
@@ -6769,8 +6775,8 @@
           </p:sp>
         </mc:Fallback>
       </mc:AlternateContent>
-      <mc:AlternateContent xmlns:mc="http://schemas.openxmlformats.org/markup-compatibility/2006">
-        <mc:Choice xmlns:a14="http://schemas.microsoft.com/office/drawing/2010/main" Requires="a14">
+      <mc:AlternateContent xmlns:mc="http://schemas.openxmlformats.org/markup-compatibility/2006" xmlns:a14="http://schemas.microsoft.com/office/drawing/2010/main">
+        <mc:Choice Requires="a14">
           <p:sp>
             <p:nvSpPr>
               <p:cNvPr id="12" name="TextBox 11">
@@ -6828,7 +6834,7 @@
             </p:txBody>
           </p:sp>
         </mc:Choice>
-        <mc:Fallback>
+        <mc:Fallback xmlns="">
           <p:sp>
             <p:nvSpPr>
               <p:cNvPr id="12" name="TextBox 11">
@@ -6975,7 +6981,7 @@
           <a:p>
             <a:r>
               <a:rPr lang="en-US" dirty="0"/>
-              <a:t>32  </a:t>
+              <a:t>40 </a:t>
             </a:r>
             <a:endParaRPr lang="en-GB" dirty="0"/>
           </a:p>
@@ -7038,6 +7044,150 @@
               <a:rPr lang="en-US" dirty="0"/>
               <a:t>? (I have confirmed with hydrophone I still get pressure out, and the RF amplifier is behaving properly. I think maybe the live US wire is touching GND somewhere where it didn’t before or something like that.)</a:t>
             </a:r>
+          </a:p>
+        </p:txBody>
+      </p:sp>
+      <p:sp>
+        <p:nvSpPr>
+          <p:cNvPr id="3" name="TextBox 2">
+            <a:extLst>
+              <a:ext uri="{FF2B5EF4-FFF2-40B4-BE49-F238E27FC236}">
+                <a16:creationId xmlns:a16="http://schemas.microsoft.com/office/drawing/2014/main" id="{FDD05112-379A-C81C-44EA-FC976E77828B}"/>
+              </a:ext>
+            </a:extLst>
+          </p:cNvPr>
+          <p:cNvSpPr txBox="1"/>
+          <p:nvPr/>
+        </p:nvSpPr>
+        <p:spPr>
+          <a:xfrm>
+            <a:off x="7726358" y="6034831"/>
+            <a:ext cx="466499" cy="369332"/>
+          </a:xfrm>
+          <a:prstGeom prst="rect">
+            <a:avLst/>
+          </a:prstGeom>
+          <a:noFill/>
+        </p:spPr>
+        <p:txBody>
+          <a:bodyPr wrap="square" rtlCol="0">
+            <a:spAutoFit/>
+          </a:bodyPr>
+          <a:lstStyle/>
+          <a:p>
+            <a:r>
+              <a:rPr lang="en-US" dirty="0"/>
+              <a:t>0  </a:t>
+            </a:r>
+            <a:endParaRPr lang="en-GB" dirty="0"/>
+          </a:p>
+        </p:txBody>
+      </p:sp>
+      <p:sp>
+        <p:nvSpPr>
+          <p:cNvPr id="4" name="TextBox 3">
+            <a:extLst>
+              <a:ext uri="{FF2B5EF4-FFF2-40B4-BE49-F238E27FC236}">
+                <a16:creationId xmlns:a16="http://schemas.microsoft.com/office/drawing/2014/main" id="{4A14BF24-346B-2F1B-F23C-CC6712BBCFFF}"/>
+              </a:ext>
+            </a:extLst>
+          </p:cNvPr>
+          <p:cNvSpPr txBox="1"/>
+          <p:nvPr/>
+        </p:nvSpPr>
+        <p:spPr>
+          <a:xfrm>
+            <a:off x="7631382" y="3841358"/>
+            <a:ext cx="776495" cy="369332"/>
+          </a:xfrm>
+          <a:prstGeom prst="rect">
+            <a:avLst/>
+          </a:prstGeom>
+          <a:noFill/>
+        </p:spPr>
+        <p:txBody>
+          <a:bodyPr wrap="square" rtlCol="0">
+            <a:spAutoFit/>
+          </a:bodyPr>
+          <a:lstStyle/>
+          <a:p>
+            <a:r>
+              <a:rPr lang="en-US" dirty="0"/>
+              <a:t>9300 </a:t>
+            </a:r>
+            <a:endParaRPr lang="en-GB" dirty="0"/>
+          </a:p>
+        </p:txBody>
+      </p:sp>
+      <p:sp>
+        <p:nvSpPr>
+          <p:cNvPr id="6" name="TextBox 5">
+            <a:extLst>
+              <a:ext uri="{FF2B5EF4-FFF2-40B4-BE49-F238E27FC236}">
+                <a16:creationId xmlns:a16="http://schemas.microsoft.com/office/drawing/2014/main" id="{2F4832DF-15A5-F7AF-3524-39FFA6C01006}"/>
+              </a:ext>
+            </a:extLst>
+          </p:cNvPr>
+          <p:cNvSpPr txBox="1"/>
+          <p:nvPr/>
+        </p:nvSpPr>
+        <p:spPr>
+          <a:xfrm>
+            <a:off x="11650363" y="6195487"/>
+            <a:ext cx="466499" cy="369332"/>
+          </a:xfrm>
+          <a:prstGeom prst="rect">
+            <a:avLst/>
+          </a:prstGeom>
+          <a:noFill/>
+        </p:spPr>
+        <p:txBody>
+          <a:bodyPr wrap="square" rtlCol="0">
+            <a:spAutoFit/>
+          </a:bodyPr>
+          <a:lstStyle/>
+          <a:p>
+            <a:r>
+              <a:rPr lang="en-US" dirty="0"/>
+              <a:t>0  </a:t>
+            </a:r>
+            <a:endParaRPr lang="en-GB" dirty="0"/>
+          </a:p>
+        </p:txBody>
+      </p:sp>
+      <p:sp>
+        <p:nvSpPr>
+          <p:cNvPr id="8" name="TextBox 7">
+            <a:extLst>
+              <a:ext uri="{FF2B5EF4-FFF2-40B4-BE49-F238E27FC236}">
+                <a16:creationId xmlns:a16="http://schemas.microsoft.com/office/drawing/2014/main" id="{94BD9ABD-7B56-D7D6-F7AD-C43E41CDF2AE}"/>
+              </a:ext>
+            </a:extLst>
+          </p:cNvPr>
+          <p:cNvSpPr txBox="1"/>
+          <p:nvPr/>
+        </p:nvSpPr>
+        <p:spPr>
+          <a:xfrm>
+            <a:off x="11591846" y="3907676"/>
+            <a:ext cx="466499" cy="369332"/>
+          </a:xfrm>
+          <a:prstGeom prst="rect">
+            <a:avLst/>
+          </a:prstGeom>
+          <a:noFill/>
+        </p:spPr>
+        <p:txBody>
+          <a:bodyPr wrap="square" rtlCol="0">
+            <a:spAutoFit/>
+          </a:bodyPr>
+          <a:lstStyle/>
+          <a:p>
+            <a:r>
+              <a:rPr lang="en-US" dirty="0"/>
+              <a:t>60 </a:t>
+            </a:r>
+            <a:endParaRPr lang="en-GB" dirty="0"/>
           </a:p>
         </p:txBody>
       </p:sp>
@@ -8807,8 +8957,8 @@
           </a:p>
         </p:txBody>
       </p:sp>
-      <mc:AlternateContent xmlns:mc="http://schemas.openxmlformats.org/markup-compatibility/2006">
-        <mc:Choice xmlns:a14="http://schemas.microsoft.com/office/drawing/2010/main" Requires="a14">
+      <mc:AlternateContent xmlns:mc="http://schemas.openxmlformats.org/markup-compatibility/2006" xmlns:a14="http://schemas.microsoft.com/office/drawing/2010/main">
+        <mc:Choice Requires="a14">
           <p:sp>
             <p:nvSpPr>
               <p:cNvPr id="6" name="TextBox 5">
@@ -8866,7 +9016,7 @@
             </p:txBody>
           </p:sp>
         </mc:Choice>
-        <mc:Fallback>
+        <mc:Fallback xmlns="">
           <p:sp>
             <p:nvSpPr>
               <p:cNvPr id="6" name="TextBox 5">
@@ -9459,8 +9609,8 @@
           </a:p>
         </p:txBody>
       </p:sp>
-      <mc:AlternateContent xmlns:mc="http://schemas.openxmlformats.org/markup-compatibility/2006">
-        <mc:Choice xmlns:a14="http://schemas.microsoft.com/office/drawing/2010/main" Requires="a14">
+      <mc:AlternateContent xmlns:mc="http://schemas.openxmlformats.org/markup-compatibility/2006" xmlns:a14="http://schemas.microsoft.com/office/drawing/2010/main">
+        <mc:Choice Requires="a14">
           <p:sp>
             <p:nvSpPr>
               <p:cNvPr id="10" name="TextBox 9">
@@ -9518,7 +9668,7 @@
             </p:txBody>
           </p:sp>
         </mc:Choice>
-        <mc:Fallback>
+        <mc:Fallback xmlns="">
           <p:sp>
             <p:nvSpPr>
               <p:cNvPr id="10" name="TextBox 9">
@@ -9563,8 +9713,8 @@
           </p:sp>
         </mc:Fallback>
       </mc:AlternateContent>
-      <mc:AlternateContent xmlns:mc="http://schemas.openxmlformats.org/markup-compatibility/2006">
-        <mc:Choice xmlns:a14="http://schemas.microsoft.com/office/drawing/2010/main" Requires="a14">
+      <mc:AlternateContent xmlns:mc="http://schemas.openxmlformats.org/markup-compatibility/2006" xmlns:a14="http://schemas.microsoft.com/office/drawing/2010/main">
+        <mc:Choice Requires="a14">
           <p:sp>
             <p:nvSpPr>
               <p:cNvPr id="11" name="TextBox 10">
@@ -9622,7 +9772,7 @@
             </p:txBody>
           </p:sp>
         </mc:Choice>
-        <mc:Fallback>
+        <mc:Fallback xmlns="">
           <p:sp>
             <p:nvSpPr>
               <p:cNvPr id="11" name="TextBox 10">
@@ -12477,8 +12627,8 @@
           </a:p>
         </p:txBody>
       </p:sp>
-      <mc:AlternateContent xmlns:mc="http://schemas.openxmlformats.org/markup-compatibility/2006">
-        <mc:Choice xmlns:a14="http://schemas.microsoft.com/office/drawing/2010/main" Requires="a14">
+      <mc:AlternateContent xmlns:mc="http://schemas.openxmlformats.org/markup-compatibility/2006" xmlns:a14="http://schemas.microsoft.com/office/drawing/2010/main">
+        <mc:Choice Requires="a14">
           <p:sp>
             <p:nvSpPr>
               <p:cNvPr id="8" name="TextBox 7">
@@ -12536,7 +12686,7 @@
             </p:txBody>
           </p:sp>
         </mc:Choice>
-        <mc:Fallback>
+        <mc:Fallback xmlns="">
           <p:sp>
             <p:nvSpPr>
               <p:cNvPr id="8" name="TextBox 7">
@@ -12581,8 +12731,8 @@
           </p:sp>
         </mc:Fallback>
       </mc:AlternateContent>
-      <mc:AlternateContent xmlns:mc="http://schemas.openxmlformats.org/markup-compatibility/2006">
-        <mc:Choice xmlns:a14="http://schemas.microsoft.com/office/drawing/2010/main" Requires="a14">
+      <mc:AlternateContent xmlns:mc="http://schemas.openxmlformats.org/markup-compatibility/2006" xmlns:a14="http://schemas.microsoft.com/office/drawing/2010/main">
+        <mc:Choice Requires="a14">
           <p:sp>
             <p:nvSpPr>
               <p:cNvPr id="9" name="TextBox 8">
@@ -12640,7 +12790,7 @@
             </p:txBody>
           </p:sp>
         </mc:Choice>
-        <mc:Fallback>
+        <mc:Fallback xmlns="">
           <p:sp>
             <p:nvSpPr>
               <p:cNvPr id="9" name="TextBox 8">
@@ -12685,8 +12835,8 @@
           </p:sp>
         </mc:Fallback>
       </mc:AlternateContent>
-      <mc:AlternateContent xmlns:mc="http://schemas.openxmlformats.org/markup-compatibility/2006">
-        <mc:Choice xmlns:a14="http://schemas.microsoft.com/office/drawing/2010/main" Requires="a14">
+      <mc:AlternateContent xmlns:mc="http://schemas.openxmlformats.org/markup-compatibility/2006" xmlns:a14="http://schemas.microsoft.com/office/drawing/2010/main">
+        <mc:Choice Requires="a14">
           <p:sp>
             <p:nvSpPr>
               <p:cNvPr id="10" name="TextBox 9">
@@ -12744,7 +12894,7 @@
             </p:txBody>
           </p:sp>
         </mc:Choice>
-        <mc:Fallback>
+        <mc:Fallback xmlns="">
           <p:sp>
             <p:nvSpPr>
               <p:cNvPr id="10" name="TextBox 9">
@@ -13110,8 +13260,8 @@
           </a:prstGeom>
         </p:spPr>
       </p:pic>
-      <mc:AlternateContent xmlns:mc="http://schemas.openxmlformats.org/markup-compatibility/2006">
-        <mc:Choice xmlns:a14="http://schemas.microsoft.com/office/drawing/2010/main" Requires="a14">
+      <mc:AlternateContent xmlns:mc="http://schemas.openxmlformats.org/markup-compatibility/2006" xmlns:a14="http://schemas.microsoft.com/office/drawing/2010/main">
+        <mc:Choice Requires="a14">
           <p:sp>
             <p:nvSpPr>
               <p:cNvPr id="20" name="TextBox 19">
@@ -13169,7 +13319,7 @@
             </p:txBody>
           </p:sp>
         </mc:Choice>
-        <mc:Fallback>
+        <mc:Fallback xmlns="">
           <p:sp>
             <p:nvSpPr>
               <p:cNvPr id="20" name="TextBox 19">
@@ -13252,8 +13402,8 @@
           </a:p>
         </p:txBody>
       </p:sp>
-      <mc:AlternateContent xmlns:mc="http://schemas.openxmlformats.org/markup-compatibility/2006">
-        <mc:Choice xmlns:a14="http://schemas.microsoft.com/office/drawing/2010/main" Requires="a14">
+      <mc:AlternateContent xmlns:mc="http://schemas.openxmlformats.org/markup-compatibility/2006" xmlns:a14="http://schemas.microsoft.com/office/drawing/2010/main">
+        <mc:Choice Requires="a14">
           <p:sp>
             <p:nvSpPr>
               <p:cNvPr id="22" name="TextBox 21">
@@ -13311,7 +13461,7 @@
             </p:txBody>
           </p:sp>
         </mc:Choice>
-        <mc:Fallback>
+        <mc:Fallback xmlns="">
           <p:sp>
             <p:nvSpPr>
               <p:cNvPr id="22" name="TextBox 21">
@@ -13415,8 +13565,8 @@
           </a:p>
         </p:txBody>
       </p:sp>
-      <mc:AlternateContent xmlns:mc="http://schemas.openxmlformats.org/markup-compatibility/2006">
-        <mc:Choice xmlns:a14="http://schemas.microsoft.com/office/drawing/2010/main" Requires="a14">
+      <mc:AlternateContent xmlns:mc="http://schemas.openxmlformats.org/markup-compatibility/2006" xmlns:a14="http://schemas.microsoft.com/office/drawing/2010/main">
+        <mc:Choice Requires="a14">
           <p:sp>
             <p:nvSpPr>
               <p:cNvPr id="24" name="TextBox 23">
@@ -13474,7 +13624,7 @@
             </p:txBody>
           </p:sp>
         </mc:Choice>
-        <mc:Fallback>
+        <mc:Fallback xmlns="">
           <p:sp>
             <p:nvSpPr>
               <p:cNvPr id="24" name="TextBox 23">
@@ -14219,8 +14369,8 @@
           </a:p>
         </p:txBody>
       </p:sp>
-      <mc:AlternateContent xmlns:mc="http://schemas.openxmlformats.org/markup-compatibility/2006">
-        <mc:Choice xmlns:a14="http://schemas.microsoft.com/office/drawing/2010/main" Requires="a14">
+      <mc:AlternateContent xmlns:mc="http://schemas.openxmlformats.org/markup-compatibility/2006" xmlns:a14="http://schemas.microsoft.com/office/drawing/2010/main">
+        <mc:Choice Requires="a14">
           <p:sp>
             <p:nvSpPr>
               <p:cNvPr id="11" name="TextBox 10">
@@ -14278,7 +14428,7 @@
             </p:txBody>
           </p:sp>
         </mc:Choice>
-        <mc:Fallback>
+        <mc:Fallback xmlns="">
           <p:sp>
             <p:nvSpPr>
               <p:cNvPr id="11" name="TextBox 10">
@@ -14555,8 +14705,8 @@
           </a:p>
         </p:txBody>
       </p:sp>
-      <mc:AlternateContent xmlns:mc="http://schemas.openxmlformats.org/markup-compatibility/2006">
-        <mc:Choice xmlns:a14="http://schemas.microsoft.com/office/drawing/2010/main" Requires="a14">
+      <mc:AlternateContent xmlns:mc="http://schemas.openxmlformats.org/markup-compatibility/2006" xmlns:a14="http://schemas.microsoft.com/office/drawing/2010/main">
+        <mc:Choice Requires="a14">
           <p:sp>
             <p:nvSpPr>
               <p:cNvPr id="10" name="TextBox 9">
@@ -14614,7 +14764,7 @@
             </p:txBody>
           </p:sp>
         </mc:Choice>
-        <mc:Fallback>
+        <mc:Fallback xmlns="">
           <p:sp>
             <p:nvSpPr>
               <p:cNvPr id="10" name="TextBox 9">
@@ -14794,8 +14944,8 @@
           </a:p>
         </p:txBody>
       </p:sp>
-      <mc:AlternateContent xmlns:mc="http://schemas.openxmlformats.org/markup-compatibility/2006">
-        <mc:Choice xmlns:a14="http://schemas.microsoft.com/office/drawing/2010/main" Requires="a14">
+      <mc:AlternateContent xmlns:mc="http://schemas.openxmlformats.org/markup-compatibility/2006" xmlns:a14="http://schemas.microsoft.com/office/drawing/2010/main">
+        <mc:Choice Requires="a14">
           <p:sp>
             <p:nvSpPr>
               <p:cNvPr id="15" name="TextBox 14">
@@ -14853,7 +15003,7 @@
             </p:txBody>
           </p:sp>
         </mc:Choice>
-        <mc:Fallback>
+        <mc:Fallback xmlns="">
           <p:sp>
             <p:nvSpPr>
               <p:cNvPr id="15" name="TextBox 14">
@@ -15162,12 +15312,17 @@
             <p:ph type="title"/>
           </p:nvPr>
         </p:nvSpPr>
-        <p:spPr/>
+        <p:spPr>
+          <a:xfrm>
+            <a:off x="838200" y="365126"/>
+            <a:ext cx="10515600" cy="1090188"/>
+          </a:xfrm>
+        </p:spPr>
         <p:txBody>
           <a:bodyPr/>
           <a:lstStyle/>
           <a:p>
-            <a:endParaRPr lang="en-GB"/>
+            <a:endParaRPr lang="en-GB" dirty="0"/>
           </a:p>
         </p:txBody>
       </p:sp>
@@ -15187,8 +15342,8 @@
         </p:nvSpPr>
         <p:spPr>
           <a:xfrm>
-            <a:off x="449180" y="1989222"/>
-            <a:ext cx="11470104" cy="4437456"/>
+            <a:off x="449180" y="1764406"/>
+            <a:ext cx="11470104" cy="4662272"/>
           </a:xfrm>
           <a:prstGeom prst="rect">
             <a:avLst/>
@@ -15261,7 +15416,7 @@
           <a:p>
             <a:r>
               <a:rPr lang="en-US" sz="2400" dirty="0"/>
-              <a:t>Do similar non-linearity test at the spiking frequency range. 300-1000hz. Prove it is not artefactually leaking from either stim alone. </a:t>
+              <a:t>Do similar non-linearity test at the spiking frequency range. 300-1000hz compared with phantom. Prove it is not artefactually leaking from either stim alone. </a:t>
             </a:r>
           </a:p>
           <a:p>
@@ -15313,7 +15468,7 @@
           <p:cNvPr id="2" name="Title 1">
             <a:extLst>
               <a:ext uri="{FF2B5EF4-FFF2-40B4-BE49-F238E27FC236}">
-                <a16:creationId xmlns:a16="http://schemas.microsoft.com/office/drawing/2014/main" id="{B1DA0817-A7F2-9B90-E111-63272F1B5B50}"/>
+                <a16:creationId xmlns:a16="http://schemas.microsoft.com/office/drawing/2014/main" id="{6DDF18FC-30CF-5B5D-59DC-B91095F67F3D}"/>
               </a:ext>
             </a:extLst>
           </p:cNvPr>
@@ -15326,8 +15481,8 @@
         </p:nvSpPr>
         <p:spPr>
           <a:xfrm>
-            <a:off x="838200" y="145207"/>
-            <a:ext cx="10515600" cy="1000688"/>
+            <a:off x="838200" y="95249"/>
+            <a:ext cx="6059905" cy="771025"/>
           </a:xfrm>
         </p:spPr>
         <p:txBody>
@@ -15335,9 +15490,10 @@
           <a:lstStyle/>
           <a:p>
             <a:r>
-              <a:rPr lang="en-GB" dirty="0"/>
-              <a:t>10Hz focality plot, with mineral oil cone. </a:t>
-            </a:r>
+              <a:rPr lang="en-US" dirty="0"/>
+              <a:t>Common Mode Analysis. </a:t>
+            </a:r>
+            <a:endParaRPr lang="en-GB" dirty="0"/>
           </a:p>
         </p:txBody>
       </p:sp>
@@ -15346,7 +15502,7 @@
           <p:cNvPr id="3" name="Content Placeholder 2">
             <a:extLst>
               <a:ext uri="{FF2B5EF4-FFF2-40B4-BE49-F238E27FC236}">
-                <a16:creationId xmlns:a16="http://schemas.microsoft.com/office/drawing/2014/main" id="{8FF3B607-3AB2-12EE-C5A7-ED33C06AB7A1}"/>
+                <a16:creationId xmlns:a16="http://schemas.microsoft.com/office/drawing/2014/main" id="{56F306B0-EF7D-CE2F-726B-B15792B65C5F}"/>
               </a:ext>
             </a:extLst>
           </p:cNvPr>
@@ -15359,31 +15515,846 @@
         </p:nvSpPr>
         <p:spPr>
           <a:xfrm>
-            <a:off x="956930" y="1354239"/>
-            <a:ext cx="10941845" cy="5274138"/>
-          </a:xfrm>
-        </p:spPr>
-        <p:txBody>
-          <a:bodyPr/>
-          <a:lstStyle/>
-          <a:p>
-            <a:r>
-              <a:rPr lang="en-GB" dirty="0"/>
-              <a:t>Theory, at a current of 500khz, the signal goes everywhere… do I get focality when I use a lower frequency e field? </a:t>
-            </a:r>
-          </a:p>
-          <a:p>
-            <a:r>
-              <a:rPr lang="en-GB" dirty="0"/>
-              <a:t>The pressure signal e amplitude looks really high. Do a measure when connected, and not connected. It is surprisingly high both times. I think this is why I am not seeing focality. </a:t>
-            </a:r>
-          </a:p>
-        </p:txBody>
-      </p:sp>
+            <a:off x="497303" y="935663"/>
+            <a:ext cx="7179511" cy="2545850"/>
+          </a:xfrm>
+        </p:spPr>
+        <p:txBody>
+          <a:bodyPr>
+            <a:normAutofit/>
+          </a:bodyPr>
+          <a:lstStyle/>
+          <a:p>
+            <a:pPr marL="0" indent="0">
+              <a:buNone/>
+            </a:pPr>
+            <a:r>
+              <a:rPr lang="en-US" sz="1600" dirty="0"/>
+              <a:t>Giveaway: I have a non-focal frequency mixing effect when I apply the PRF signal via ultrasound alone. This suggests there is an electrical mixing happening. </a:t>
+            </a:r>
+          </a:p>
+          <a:p>
+            <a:pPr marL="0" indent="0">
+              <a:buNone/>
+            </a:pPr>
+            <a:r>
+              <a:rPr lang="en-US" sz="1600" dirty="0"/>
+              <a:t>Using different methods of measuring gives very different results. </a:t>
+            </a:r>
+          </a:p>
+          <a:p>
+            <a:pPr marL="0" indent="0">
+              <a:buNone/>
+            </a:pPr>
+            <a:r>
+              <a:rPr lang="en-US" sz="1600" dirty="0"/>
+              <a:t>1. true differential(SR560) (v1-v2)</a:t>
+            </a:r>
+          </a:p>
+          <a:p>
+            <a:pPr marL="0" indent="0">
+              <a:buNone/>
+            </a:pPr>
+            <a:r>
+              <a:rPr lang="en-US" sz="1600" dirty="0"/>
+              <a:t>2. 3. single-ended (V1-GND)</a:t>
+            </a:r>
+            <a:endParaRPr lang="en-GB" sz="1600" dirty="0"/>
+          </a:p>
+        </p:txBody>
+      </p:sp>
+      <p:sp>
+        <p:nvSpPr>
+          <p:cNvPr id="4" name="Oval 3">
+            <a:extLst>
+              <a:ext uri="{FF2B5EF4-FFF2-40B4-BE49-F238E27FC236}">
+                <a16:creationId xmlns:a16="http://schemas.microsoft.com/office/drawing/2014/main" id="{B00F4937-EE9B-4C84-F33C-4085D0D814B1}"/>
+              </a:ext>
+            </a:extLst>
+          </p:cNvPr>
+          <p:cNvSpPr/>
+          <p:nvPr/>
+        </p:nvSpPr>
+        <p:spPr>
+          <a:xfrm>
+            <a:off x="8727574" y="301313"/>
+            <a:ext cx="2311400" cy="584200"/>
+          </a:xfrm>
+          <a:prstGeom prst="ellipse">
+            <a:avLst/>
+          </a:prstGeom>
+        </p:spPr>
+        <p:style>
+          <a:lnRef idx="2">
+            <a:schemeClr val="accent1">
+              <a:shade val="15000"/>
+            </a:schemeClr>
+          </a:lnRef>
+          <a:fillRef idx="1">
+            <a:schemeClr val="accent1"/>
+          </a:fillRef>
+          <a:effectRef idx="0">
+            <a:schemeClr val="accent1"/>
+          </a:effectRef>
+          <a:fontRef idx="minor">
+            <a:schemeClr val="lt1"/>
+          </a:fontRef>
+        </p:style>
+        <p:txBody>
+          <a:bodyPr rtlCol="0" anchor="ctr"/>
+          <a:lstStyle/>
+          <a:p>
+            <a:pPr algn="ctr"/>
+            <a:r>
+              <a:rPr lang="en-US" dirty="0"/>
+              <a:t>Mouse head</a:t>
+            </a:r>
+            <a:endParaRPr lang="en-GB" dirty="0"/>
+          </a:p>
+        </p:txBody>
+      </p:sp>
+      <p:cxnSp>
+        <p:nvCxnSpPr>
+          <p:cNvPr id="6" name="Straight Connector 5">
+            <a:extLst>
+              <a:ext uri="{FF2B5EF4-FFF2-40B4-BE49-F238E27FC236}">
+                <a16:creationId xmlns:a16="http://schemas.microsoft.com/office/drawing/2014/main" id="{9B962402-D226-C00B-4049-5CA2ADA48AE4}"/>
+              </a:ext>
+            </a:extLst>
+          </p:cNvPr>
+          <p:cNvCxnSpPr/>
+          <p:nvPr/>
+        </p:nvCxnSpPr>
+        <p:spPr>
+          <a:xfrm>
+            <a:off x="9375274" y="743305"/>
+            <a:ext cx="0" cy="587376"/>
+          </a:xfrm>
+          <a:prstGeom prst="line">
+            <a:avLst/>
+          </a:prstGeom>
+          <a:ln w="25400">
+            <a:solidFill>
+              <a:schemeClr val="tx1"/>
+            </a:solidFill>
+          </a:ln>
+        </p:spPr>
+        <p:style>
+          <a:lnRef idx="1">
+            <a:schemeClr val="accent1"/>
+          </a:lnRef>
+          <a:fillRef idx="0">
+            <a:schemeClr val="accent1"/>
+          </a:fillRef>
+          <a:effectRef idx="0">
+            <a:schemeClr val="accent1"/>
+          </a:effectRef>
+          <a:fontRef idx="minor">
+            <a:schemeClr val="tx1"/>
+          </a:fontRef>
+        </p:style>
+      </p:cxnSp>
+      <p:cxnSp>
+        <p:nvCxnSpPr>
+          <p:cNvPr id="7" name="Straight Connector 6">
+            <a:extLst>
+              <a:ext uri="{FF2B5EF4-FFF2-40B4-BE49-F238E27FC236}">
+                <a16:creationId xmlns:a16="http://schemas.microsoft.com/office/drawing/2014/main" id="{3588AA22-D882-88A2-66E0-C168ABBECE85}"/>
+              </a:ext>
+            </a:extLst>
+          </p:cNvPr>
+          <p:cNvCxnSpPr/>
+          <p:nvPr/>
+        </p:nvCxnSpPr>
+        <p:spPr>
+          <a:xfrm>
+            <a:off x="10474158" y="743305"/>
+            <a:ext cx="0" cy="587376"/>
+          </a:xfrm>
+          <a:prstGeom prst="line">
+            <a:avLst/>
+          </a:prstGeom>
+          <a:ln w="25400">
+            <a:solidFill>
+              <a:schemeClr val="tx1"/>
+            </a:solidFill>
+          </a:ln>
+        </p:spPr>
+        <p:style>
+          <a:lnRef idx="1">
+            <a:schemeClr val="accent1"/>
+          </a:lnRef>
+          <a:fillRef idx="0">
+            <a:schemeClr val="accent1"/>
+          </a:fillRef>
+          <a:effectRef idx="0">
+            <a:schemeClr val="accent1"/>
+          </a:effectRef>
+          <a:fontRef idx="minor">
+            <a:schemeClr val="tx1"/>
+          </a:fontRef>
+        </p:style>
+      </p:cxnSp>
+      <mc:AlternateContent xmlns:mc="http://schemas.openxmlformats.org/markup-compatibility/2006" xmlns:a14="http://schemas.microsoft.com/office/drawing/2010/main">
+        <mc:Choice Requires="a14">
+          <p:sp>
+            <p:nvSpPr>
+              <p:cNvPr id="8" name="TextBox 7">
+                <a:extLst>
+                  <a:ext uri="{FF2B5EF4-FFF2-40B4-BE49-F238E27FC236}">
+                    <a16:creationId xmlns:a16="http://schemas.microsoft.com/office/drawing/2014/main" id="{33C7759B-4F5E-DFBD-06E9-E2F570C0CA6D}"/>
+                  </a:ext>
+                </a:extLst>
+              </p:cNvPr>
+              <p:cNvSpPr txBox="1"/>
+              <p:nvPr/>
+            </p:nvSpPr>
+            <p:spPr>
+              <a:xfrm>
+                <a:off x="9118601" y="1400116"/>
+                <a:ext cx="513346" cy="369332"/>
+              </a:xfrm>
+              <a:prstGeom prst="rect">
+                <a:avLst/>
+              </a:prstGeom>
+              <a:noFill/>
+            </p:spPr>
+            <p:txBody>
+              <a:bodyPr wrap="square" rtlCol="0">
+                <a:spAutoFit/>
+              </a:bodyPr>
+              <a:lstStyle/>
+              <a:p>
+                <a:pPr/>
+                <a14:m>
+                  <m:oMathPara xmlns:m="http://schemas.openxmlformats.org/officeDocument/2006/math">
+                    <m:oMathParaPr>
+                      <m:jc m:val="centerGroup"/>
+                    </m:oMathParaPr>
+                    <m:oMath xmlns:m="http://schemas.openxmlformats.org/officeDocument/2006/math">
+                      <m:sSub>
+                        <m:sSubPr>
+                          <m:ctrlPr>
+                            <a:rPr lang="en-GB" i="1" smtClean="0">
+                              <a:latin typeface="Cambria Math" panose="02040503050406030204" pitchFamily="18" charset="0"/>
+                            </a:rPr>
+                          </m:ctrlPr>
+                        </m:sSubPr>
+                        <m:e>
+                          <m:r>
+                            <a:rPr lang="en-US" b="0" i="1" smtClean="0">
+                              <a:latin typeface="Cambria Math" panose="02040503050406030204" pitchFamily="18" charset="0"/>
+                            </a:rPr>
+                            <m:t>𝑉</m:t>
+                          </m:r>
+                        </m:e>
+                        <m:sub>
+                          <m:r>
+                            <a:rPr lang="en-US" b="0" i="1" smtClean="0">
+                              <a:latin typeface="Cambria Math" panose="02040503050406030204" pitchFamily="18" charset="0"/>
+                            </a:rPr>
+                            <m:t>1</m:t>
+                          </m:r>
+                        </m:sub>
+                      </m:sSub>
+                    </m:oMath>
+                  </m:oMathPara>
+                </a14:m>
+                <a:endParaRPr lang="en-GB" dirty="0"/>
+              </a:p>
+            </p:txBody>
+          </p:sp>
+        </mc:Choice>
+        <mc:Fallback xmlns="">
+          <p:sp>
+            <p:nvSpPr>
+              <p:cNvPr id="8" name="TextBox 7">
+                <a:extLst>
+                  <a:ext uri="{FF2B5EF4-FFF2-40B4-BE49-F238E27FC236}">
+                    <a16:creationId xmlns:a16="http://schemas.microsoft.com/office/drawing/2014/main" id="{33C7759B-4F5E-DFBD-06E9-E2F570C0CA6D}"/>
+                  </a:ext>
+                </a:extLst>
+              </p:cNvPr>
+              <p:cNvSpPr txBox="1">
+                <a:spLocks noRot="1" noChangeAspect="1" noMove="1" noResize="1" noEditPoints="1" noAdjustHandles="1" noChangeArrowheads="1" noChangeShapeType="1" noTextEdit="1"/>
+              </p:cNvSpPr>
+              <p:nvPr/>
+            </p:nvSpPr>
+            <p:spPr>
+              <a:xfrm>
+                <a:off x="9118601" y="1400116"/>
+                <a:ext cx="513346" cy="369332"/>
+              </a:xfrm>
+              <a:prstGeom prst="rect">
+                <a:avLst/>
+              </a:prstGeom>
+              <a:blipFill>
+                <a:blip r:embed="rId2"/>
+                <a:stretch>
+                  <a:fillRect/>
+                </a:stretch>
+              </a:blipFill>
+            </p:spPr>
+            <p:txBody>
+              <a:bodyPr/>
+              <a:lstStyle/>
+              <a:p>
+                <a:r>
+                  <a:rPr lang="en-GB">
+                    <a:noFill/>
+                  </a:rPr>
+                  <a:t> </a:t>
+                </a:r>
+              </a:p>
+            </p:txBody>
+          </p:sp>
+        </mc:Fallback>
+      </mc:AlternateContent>
+      <mc:AlternateContent xmlns:mc="http://schemas.openxmlformats.org/markup-compatibility/2006" xmlns:a14="http://schemas.microsoft.com/office/drawing/2010/main">
+        <mc:Choice Requires="a14">
+          <p:sp>
+            <p:nvSpPr>
+              <p:cNvPr id="9" name="TextBox 8">
+                <a:extLst>
+                  <a:ext uri="{FF2B5EF4-FFF2-40B4-BE49-F238E27FC236}">
+                    <a16:creationId xmlns:a16="http://schemas.microsoft.com/office/drawing/2014/main" id="{E1B2C3DE-A02D-B2D3-D7E8-D6C2D4B026B2}"/>
+                  </a:ext>
+                </a:extLst>
+              </p:cNvPr>
+              <p:cNvSpPr txBox="1"/>
+              <p:nvPr/>
+            </p:nvSpPr>
+            <p:spPr>
+              <a:xfrm>
+                <a:off x="10217485" y="1412780"/>
+                <a:ext cx="513346" cy="369332"/>
+              </a:xfrm>
+              <a:prstGeom prst="rect">
+                <a:avLst/>
+              </a:prstGeom>
+              <a:noFill/>
+            </p:spPr>
+            <p:txBody>
+              <a:bodyPr wrap="square" rtlCol="0">
+                <a:spAutoFit/>
+              </a:bodyPr>
+              <a:lstStyle/>
+              <a:p>
+                <a:pPr/>
+                <a14:m>
+                  <m:oMathPara xmlns:m="http://schemas.openxmlformats.org/officeDocument/2006/math">
+                    <m:oMathParaPr>
+                      <m:jc m:val="centerGroup"/>
+                    </m:oMathParaPr>
+                    <m:oMath xmlns:m="http://schemas.openxmlformats.org/officeDocument/2006/math">
+                      <m:sSub>
+                        <m:sSubPr>
+                          <m:ctrlPr>
+                            <a:rPr lang="en-GB" i="1" smtClean="0">
+                              <a:latin typeface="Cambria Math" panose="02040503050406030204" pitchFamily="18" charset="0"/>
+                            </a:rPr>
+                          </m:ctrlPr>
+                        </m:sSubPr>
+                        <m:e>
+                          <m:r>
+                            <a:rPr lang="en-US" b="0" i="1" smtClean="0">
+                              <a:latin typeface="Cambria Math" panose="02040503050406030204" pitchFamily="18" charset="0"/>
+                            </a:rPr>
+                            <m:t>𝑉</m:t>
+                          </m:r>
+                        </m:e>
+                        <m:sub>
+                          <m:r>
+                            <a:rPr lang="en-US" b="0" i="1" smtClean="0">
+                              <a:latin typeface="Cambria Math" panose="02040503050406030204" pitchFamily="18" charset="0"/>
+                            </a:rPr>
+                            <m:t>2</m:t>
+                          </m:r>
+                        </m:sub>
+                      </m:sSub>
+                    </m:oMath>
+                  </m:oMathPara>
+                </a14:m>
+                <a:endParaRPr lang="en-GB" dirty="0"/>
+              </a:p>
+            </p:txBody>
+          </p:sp>
+        </mc:Choice>
+        <mc:Fallback xmlns="">
+          <p:sp>
+            <p:nvSpPr>
+              <p:cNvPr id="9" name="TextBox 8">
+                <a:extLst>
+                  <a:ext uri="{FF2B5EF4-FFF2-40B4-BE49-F238E27FC236}">
+                    <a16:creationId xmlns:a16="http://schemas.microsoft.com/office/drawing/2014/main" id="{E1B2C3DE-A02D-B2D3-D7E8-D6C2D4B026B2}"/>
+                  </a:ext>
+                </a:extLst>
+              </p:cNvPr>
+              <p:cNvSpPr txBox="1">
+                <a:spLocks noRot="1" noChangeAspect="1" noMove="1" noResize="1" noEditPoints="1" noAdjustHandles="1" noChangeArrowheads="1" noChangeShapeType="1" noTextEdit="1"/>
+              </p:cNvSpPr>
+              <p:nvPr/>
+            </p:nvSpPr>
+            <p:spPr>
+              <a:xfrm>
+                <a:off x="10217485" y="1412780"/>
+                <a:ext cx="513346" cy="369332"/>
+              </a:xfrm>
+              <a:prstGeom prst="rect">
+                <a:avLst/>
+              </a:prstGeom>
+              <a:blipFill>
+                <a:blip r:embed="rId3"/>
+                <a:stretch>
+                  <a:fillRect/>
+                </a:stretch>
+              </a:blipFill>
+            </p:spPr>
+            <p:txBody>
+              <a:bodyPr/>
+              <a:lstStyle/>
+              <a:p>
+                <a:r>
+                  <a:rPr lang="en-GB">
+                    <a:noFill/>
+                  </a:rPr>
+                  <a:t> </a:t>
+                </a:r>
+              </a:p>
+            </p:txBody>
+          </p:sp>
+        </mc:Fallback>
+      </mc:AlternateContent>
+      <p:pic>
+        <p:nvPicPr>
+          <p:cNvPr id="11" name="Picture 10" descr="A black and white image of a sound wave&#10;&#10;Description automatically generated">
+            <a:extLst>
+              <a:ext uri="{FF2B5EF4-FFF2-40B4-BE49-F238E27FC236}">
+                <a16:creationId xmlns:a16="http://schemas.microsoft.com/office/drawing/2014/main" id="{902A411E-8A12-3924-AE76-AE6E83E61F01}"/>
+              </a:ext>
+            </a:extLst>
+          </p:cNvPr>
+          <p:cNvPicPr>
+            <a:picLocks noChangeAspect="1"/>
+          </p:cNvPicPr>
+          <p:nvPr/>
+        </p:nvPicPr>
+        <p:blipFill>
+          <a:blip r:embed="rId4">
+            <a:extLst>
+              <a:ext uri="{28A0092B-C50C-407E-A947-70E740481C1C}">
+                <a14:useLocalDpi xmlns:a14="http://schemas.microsoft.com/office/drawing/2010/main" val="0"/>
+              </a:ext>
+            </a:extLst>
+          </a:blip>
+          <a:stretch>
+            <a:fillRect/>
+          </a:stretch>
+        </p:blipFill>
+        <p:spPr>
+          <a:xfrm>
+            <a:off x="497303" y="3429000"/>
+            <a:ext cx="4656309" cy="2794890"/>
+          </a:xfrm>
+          <a:prstGeom prst="rect">
+            <a:avLst/>
+          </a:prstGeom>
+        </p:spPr>
+      </p:pic>
+      <p:sp>
+        <p:nvSpPr>
+          <p:cNvPr id="12" name="TextBox 11">
+            <a:extLst>
+              <a:ext uri="{FF2B5EF4-FFF2-40B4-BE49-F238E27FC236}">
+                <a16:creationId xmlns:a16="http://schemas.microsoft.com/office/drawing/2014/main" id="{4764B13C-EB91-FCDE-C5D9-9A1F676DFF24}"/>
+              </a:ext>
+            </a:extLst>
+          </p:cNvPr>
+          <p:cNvSpPr txBox="1"/>
+          <p:nvPr/>
+        </p:nvSpPr>
+        <p:spPr>
+          <a:xfrm>
+            <a:off x="1354540" y="2879498"/>
+            <a:ext cx="3117453" cy="646331"/>
+          </a:xfrm>
+          <a:prstGeom prst="rect">
+            <a:avLst/>
+          </a:prstGeom>
+          <a:noFill/>
+        </p:spPr>
+        <p:txBody>
+          <a:bodyPr wrap="square" rtlCol="0">
+            <a:spAutoFit/>
+          </a:bodyPr>
+          <a:lstStyle/>
+          <a:p>
+            <a:r>
+              <a:rPr lang="en-US" dirty="0"/>
+              <a:t>Single –ended (</a:t>
+            </a:r>
+            <a:r>
+              <a:rPr lang="en-US" dirty="0" err="1"/>
+              <a:t>vout</a:t>
+            </a:r>
+            <a:r>
+              <a:rPr lang="en-US" dirty="0"/>
+              <a:t> = 2) </a:t>
+            </a:r>
+            <a:r>
+              <a:rPr lang="en-US" dirty="0" err="1"/>
+              <a:t>df</a:t>
+            </a:r>
+            <a:r>
+              <a:rPr lang="en-US" dirty="0"/>
+              <a:t> = 1 (e113 t2,34)</a:t>
+            </a:r>
+            <a:endParaRPr lang="en-GB" dirty="0"/>
+          </a:p>
+        </p:txBody>
+      </p:sp>
+      <p:sp>
+        <p:nvSpPr>
+          <p:cNvPr id="13" name="TextBox 12">
+            <a:extLst>
+              <a:ext uri="{FF2B5EF4-FFF2-40B4-BE49-F238E27FC236}">
+                <a16:creationId xmlns:a16="http://schemas.microsoft.com/office/drawing/2014/main" id="{6430F473-980E-9407-B8D6-30F595056D19}"/>
+              </a:ext>
+            </a:extLst>
+          </p:cNvPr>
+          <p:cNvSpPr txBox="1"/>
+          <p:nvPr/>
+        </p:nvSpPr>
+        <p:spPr>
+          <a:xfrm>
+            <a:off x="1036381" y="6270588"/>
+            <a:ext cx="3815317" cy="523220"/>
+          </a:xfrm>
+          <a:prstGeom prst="rect">
+            <a:avLst/>
+          </a:prstGeom>
+          <a:noFill/>
+        </p:spPr>
+        <p:txBody>
+          <a:bodyPr wrap="square" rtlCol="0">
+            <a:spAutoFit/>
+          </a:bodyPr>
+          <a:lstStyle/>
+          <a:p>
+            <a:r>
+              <a:rPr lang="en-US" sz="1400" dirty="0"/>
+              <a:t>The amplitude of the raw signal is 2v p-p </a:t>
+            </a:r>
+          </a:p>
+          <a:p>
+            <a:r>
+              <a:rPr lang="en-US" sz="1400" dirty="0"/>
+              <a:t>as measured by measurement electrodes. </a:t>
+            </a:r>
+            <a:endParaRPr lang="en-GB" sz="1400" dirty="0"/>
+          </a:p>
+        </p:txBody>
+      </p:sp>
+      <p:sp>
+        <p:nvSpPr>
+          <p:cNvPr id="14" name="TextBox 13">
+            <a:extLst>
+              <a:ext uri="{FF2B5EF4-FFF2-40B4-BE49-F238E27FC236}">
+                <a16:creationId xmlns:a16="http://schemas.microsoft.com/office/drawing/2014/main" id="{36D1B63E-3652-EBF8-D083-97788FC0BC0C}"/>
+              </a:ext>
+            </a:extLst>
+          </p:cNvPr>
+          <p:cNvSpPr txBox="1"/>
+          <p:nvPr/>
+        </p:nvSpPr>
+        <p:spPr>
+          <a:xfrm>
+            <a:off x="6945005" y="2854760"/>
+            <a:ext cx="3348398" cy="646331"/>
+          </a:xfrm>
+          <a:prstGeom prst="rect">
+            <a:avLst/>
+          </a:prstGeom>
+          <a:noFill/>
+        </p:spPr>
+        <p:txBody>
+          <a:bodyPr wrap="square" rtlCol="0">
+            <a:spAutoFit/>
+          </a:bodyPr>
+          <a:lstStyle/>
+          <a:p>
+            <a:r>
+              <a:rPr lang="en-US" dirty="0"/>
+              <a:t>True differential (</a:t>
+            </a:r>
+            <a:r>
+              <a:rPr lang="en-US" dirty="0" err="1"/>
+              <a:t>vout</a:t>
+            </a:r>
+            <a:r>
+              <a:rPr lang="en-US" dirty="0"/>
+              <a:t> =2) </a:t>
+            </a:r>
+            <a:r>
+              <a:rPr lang="en-US" dirty="0" err="1"/>
+              <a:t>df</a:t>
+            </a:r>
+            <a:r>
+              <a:rPr lang="en-US" dirty="0"/>
+              <a:t> =2 (e113 t2, f29) </a:t>
+            </a:r>
+            <a:endParaRPr lang="en-GB" dirty="0"/>
+          </a:p>
+        </p:txBody>
+      </p:sp>
+      <p:pic>
+        <p:nvPicPr>
+          <p:cNvPr id="16" name="Picture 15" descr="A screenshot of a graph&#10;&#10;Description automatically generated">
+            <a:extLst>
+              <a:ext uri="{FF2B5EF4-FFF2-40B4-BE49-F238E27FC236}">
+                <a16:creationId xmlns:a16="http://schemas.microsoft.com/office/drawing/2014/main" id="{554672CA-0108-FD4D-22B8-10527FC5959E}"/>
+              </a:ext>
+            </a:extLst>
+          </p:cNvPr>
+          <p:cNvPicPr>
+            <a:picLocks noChangeAspect="1"/>
+          </p:cNvPicPr>
+          <p:nvPr/>
+        </p:nvPicPr>
+        <p:blipFill>
+          <a:blip r:embed="rId5">
+            <a:extLst>
+              <a:ext uri="{28A0092B-C50C-407E-A947-70E740481C1C}">
+                <a14:useLocalDpi xmlns:a14="http://schemas.microsoft.com/office/drawing/2010/main" val="0"/>
+              </a:ext>
+            </a:extLst>
+          </a:blip>
+          <a:stretch>
+            <a:fillRect/>
+          </a:stretch>
+        </p:blipFill>
+        <p:spPr>
+          <a:xfrm>
+            <a:off x="6096000" y="3481221"/>
+            <a:ext cx="4656309" cy="2789367"/>
+          </a:xfrm>
+          <a:prstGeom prst="rect">
+            <a:avLst/>
+          </a:prstGeom>
+        </p:spPr>
+      </p:pic>
+      <mc:AlternateContent xmlns:mc="http://schemas.openxmlformats.org/markup-compatibility/2006" xmlns:a14="http://schemas.microsoft.com/office/drawing/2010/main">
+        <mc:Choice Requires="a14">
+          <p:sp>
+            <p:nvSpPr>
+              <p:cNvPr id="17" name="TextBox 16">
+                <a:extLst>
+                  <a:ext uri="{FF2B5EF4-FFF2-40B4-BE49-F238E27FC236}">
+                    <a16:creationId xmlns:a16="http://schemas.microsoft.com/office/drawing/2014/main" id="{FE773AD5-99D7-9A6C-B265-0EA3F0F808EB}"/>
+                  </a:ext>
+                </a:extLst>
+              </p:cNvPr>
+              <p:cNvSpPr txBox="1"/>
+              <p:nvPr/>
+            </p:nvSpPr>
+            <p:spPr>
+              <a:xfrm rot="16200000">
+                <a:off x="5449317" y="5654679"/>
+                <a:ext cx="924036" cy="307777"/>
+              </a:xfrm>
+              <a:prstGeom prst="rect">
+                <a:avLst/>
+              </a:prstGeom>
+              <a:noFill/>
+            </p:spPr>
+            <p:txBody>
+              <a:bodyPr wrap="square" rtlCol="0">
+                <a:spAutoFit/>
+              </a:bodyPr>
+              <a:lstStyle/>
+              <a:p>
+                <a:r>
+                  <a:rPr lang="en-GB" sz="1400" i="1" dirty="0">
+                    <a:latin typeface="Cambria Math" panose="02040503050406030204" pitchFamily="18" charset="0"/>
+                    <a:ea typeface="Cambria Math" panose="02040503050406030204" pitchFamily="18" charset="0"/>
+                  </a:rPr>
+                  <a:t>Volts(</a:t>
+                </a:r>
+                <a14:m>
+                  <m:oMath xmlns:m="http://schemas.openxmlformats.org/officeDocument/2006/math">
+                    <m:r>
+                      <a:rPr lang="en-GB" sz="1400" i="1" smtClean="0">
+                        <a:latin typeface="Cambria Math" panose="02040503050406030204" pitchFamily="18" charset="0"/>
+                        <a:ea typeface="Cambria Math" panose="02040503050406030204" pitchFamily="18" charset="0"/>
+                      </a:rPr>
+                      <m:t>𝜇</m:t>
+                    </m:r>
+                  </m:oMath>
+                </a14:m>
+                <a:r>
+                  <a:rPr lang="en-GB" sz="1400" i="1" dirty="0">
+                    <a:latin typeface="Cambria Math" panose="02040503050406030204" pitchFamily="18" charset="0"/>
+                    <a:ea typeface="Cambria Math" panose="02040503050406030204" pitchFamily="18" charset="0"/>
+                  </a:rPr>
+                  <a:t>V)</a:t>
+                </a:r>
+              </a:p>
+            </p:txBody>
+          </p:sp>
+        </mc:Choice>
+        <mc:Fallback xmlns="">
+          <p:sp>
+            <p:nvSpPr>
+              <p:cNvPr id="17" name="TextBox 16">
+                <a:extLst>
+                  <a:ext uri="{FF2B5EF4-FFF2-40B4-BE49-F238E27FC236}">
+                    <a16:creationId xmlns:a16="http://schemas.microsoft.com/office/drawing/2014/main" id="{FE773AD5-99D7-9A6C-B265-0EA3F0F808EB}"/>
+                  </a:ext>
+                </a:extLst>
+              </p:cNvPr>
+              <p:cNvSpPr txBox="1">
+                <a:spLocks noRot="1" noChangeAspect="1" noMove="1" noResize="1" noEditPoints="1" noAdjustHandles="1" noChangeArrowheads="1" noChangeShapeType="1" noTextEdit="1"/>
+              </p:cNvSpPr>
+              <p:nvPr/>
+            </p:nvSpPr>
+            <p:spPr>
+              <a:xfrm rot="16200000">
+                <a:off x="5449317" y="5654679"/>
+                <a:ext cx="924036" cy="307777"/>
+              </a:xfrm>
+              <a:prstGeom prst="rect">
+                <a:avLst/>
+              </a:prstGeom>
+              <a:blipFill>
+                <a:blip r:embed="rId6"/>
+                <a:stretch>
+                  <a:fillRect l="-3922" t="-658" r="-17647" b="-1974"/>
+                </a:stretch>
+              </a:blipFill>
+            </p:spPr>
+            <p:txBody>
+              <a:bodyPr/>
+              <a:lstStyle/>
+              <a:p>
+                <a:r>
+                  <a:rPr lang="en-GB">
+                    <a:noFill/>
+                  </a:rPr>
+                  <a:t> </a:t>
+                </a:r>
+              </a:p>
+            </p:txBody>
+          </p:sp>
+        </mc:Fallback>
+      </mc:AlternateContent>
+      <mc:AlternateContent xmlns:mc="http://schemas.openxmlformats.org/markup-compatibility/2006" xmlns:a14="http://schemas.microsoft.com/office/drawing/2010/main">
+        <mc:Choice Requires="a14">
+          <p:sp>
+            <p:nvSpPr>
+              <p:cNvPr id="18" name="TextBox 17">
+                <a:extLst>
+                  <a:ext uri="{FF2B5EF4-FFF2-40B4-BE49-F238E27FC236}">
+                    <a16:creationId xmlns:a16="http://schemas.microsoft.com/office/drawing/2014/main" id="{A07039B7-17B7-B5A5-FA3D-41A6158D5EEE}"/>
+                  </a:ext>
+                </a:extLst>
+              </p:cNvPr>
+              <p:cNvSpPr txBox="1"/>
+              <p:nvPr/>
+            </p:nvSpPr>
+            <p:spPr>
+              <a:xfrm rot="16200000">
+                <a:off x="5449315" y="3917606"/>
+                <a:ext cx="924039" cy="307777"/>
+              </a:xfrm>
+              <a:prstGeom prst="rect">
+                <a:avLst/>
+              </a:prstGeom>
+              <a:noFill/>
+            </p:spPr>
+            <p:txBody>
+              <a:bodyPr wrap="square" rtlCol="0">
+                <a:spAutoFit/>
+              </a:bodyPr>
+              <a:lstStyle/>
+              <a:p>
+                <a:r>
+                  <a:rPr lang="en-GB" sz="1400" i="1" dirty="0">
+                    <a:latin typeface="Cambria Math" panose="02040503050406030204" pitchFamily="18" charset="0"/>
+                    <a:ea typeface="Cambria Math" panose="02040503050406030204" pitchFamily="18" charset="0"/>
+                  </a:rPr>
+                  <a:t>Volts(</a:t>
+                </a:r>
+                <a14:m>
+                  <m:oMath xmlns:m="http://schemas.openxmlformats.org/officeDocument/2006/math">
+                    <m:r>
+                      <a:rPr lang="en-GB" sz="1400" i="1" smtClean="0">
+                        <a:latin typeface="Cambria Math" panose="02040503050406030204" pitchFamily="18" charset="0"/>
+                        <a:ea typeface="Cambria Math" panose="02040503050406030204" pitchFamily="18" charset="0"/>
+                      </a:rPr>
+                      <m:t>𝜇</m:t>
+                    </m:r>
+                  </m:oMath>
+                </a14:m>
+                <a:r>
+                  <a:rPr lang="en-GB" sz="1400" i="1" dirty="0">
+                    <a:latin typeface="Cambria Math" panose="02040503050406030204" pitchFamily="18" charset="0"/>
+                    <a:ea typeface="Cambria Math" panose="02040503050406030204" pitchFamily="18" charset="0"/>
+                  </a:rPr>
+                  <a:t>V)</a:t>
+                </a:r>
+              </a:p>
+            </p:txBody>
+          </p:sp>
+        </mc:Choice>
+        <mc:Fallback xmlns="">
+          <p:sp>
+            <p:nvSpPr>
+              <p:cNvPr id="18" name="TextBox 17">
+                <a:extLst>
+                  <a:ext uri="{FF2B5EF4-FFF2-40B4-BE49-F238E27FC236}">
+                    <a16:creationId xmlns:a16="http://schemas.microsoft.com/office/drawing/2014/main" id="{A07039B7-17B7-B5A5-FA3D-41A6158D5EEE}"/>
+                  </a:ext>
+                </a:extLst>
+              </p:cNvPr>
+              <p:cNvSpPr txBox="1">
+                <a:spLocks noRot="1" noChangeAspect="1" noMove="1" noResize="1" noEditPoints="1" noAdjustHandles="1" noChangeArrowheads="1" noChangeShapeType="1" noTextEdit="1"/>
+              </p:cNvSpPr>
+              <p:nvPr/>
+            </p:nvSpPr>
+            <p:spPr>
+              <a:xfrm rot="16200000">
+                <a:off x="5449315" y="3917606"/>
+                <a:ext cx="924039" cy="307777"/>
+              </a:xfrm>
+              <a:prstGeom prst="rect">
+                <a:avLst/>
+              </a:prstGeom>
+              <a:blipFill>
+                <a:blip r:embed="rId6"/>
+                <a:stretch>
+                  <a:fillRect l="-3922" t="-658" r="-17647" b="-1974"/>
+                </a:stretch>
+              </a:blipFill>
+            </p:spPr>
+            <p:txBody>
+              <a:bodyPr/>
+              <a:lstStyle/>
+              <a:p>
+                <a:r>
+                  <a:rPr lang="en-GB">
+                    <a:noFill/>
+                  </a:rPr>
+                  <a:t> </a:t>
+                </a:r>
+              </a:p>
+            </p:txBody>
+          </p:sp>
+        </mc:Fallback>
+      </mc:AlternateContent>
     </p:spTree>
     <p:extLst>
       <p:ext uri="{BB962C8B-B14F-4D97-AF65-F5344CB8AC3E}">
-        <p14:creationId xmlns:p14="http://schemas.microsoft.com/office/powerpoint/2010/main" val="3297658015"/>
+        <p14:creationId xmlns:p14="http://schemas.microsoft.com/office/powerpoint/2010/main" val="3500919117"/>
       </p:ext>
     </p:extLst>
   </p:cSld>
@@ -15415,7 +16386,7 @@
           <p:cNvPr id="2" name="Title 1">
             <a:extLst>
               <a:ext uri="{FF2B5EF4-FFF2-40B4-BE49-F238E27FC236}">
-                <a16:creationId xmlns:a16="http://schemas.microsoft.com/office/drawing/2014/main" id="{CF4F3996-A524-7BC7-844D-D10F75B7DB87}"/>
+                <a16:creationId xmlns:a16="http://schemas.microsoft.com/office/drawing/2014/main" id="{31F0E480-77BF-3C2C-8B22-B8EA2628AE40}"/>
               </a:ext>
             </a:extLst>
           </p:cNvPr>
@@ -15428,26 +16399,21 @@
         </p:nvSpPr>
         <p:spPr>
           <a:xfrm>
-            <a:off x="838200" y="365126"/>
-            <a:ext cx="10515600" cy="793824"/>
-          </a:xfrm>
-        </p:spPr>
-        <p:txBody>
-          <a:bodyPr/>
-          <a:lstStyle/>
-          <a:p>
-            <a:r>
-              <a:rPr lang="en-GB" dirty="0"/>
-              <a:t>Water filled cone, focality plot, 10hz </a:t>
-            </a:r>
-            <a:r>
-              <a:rPr lang="en-GB" dirty="0" err="1"/>
-              <a:t>df</a:t>
-            </a:r>
-            <a:r>
-              <a:rPr lang="en-GB" dirty="0"/>
-              <a:t>. </a:t>
-            </a:r>
+            <a:off x="838200" y="365125"/>
+            <a:ext cx="4854262" cy="566317"/>
+          </a:xfrm>
+        </p:spPr>
+        <p:txBody>
+          <a:bodyPr>
+            <a:normAutofit/>
+          </a:bodyPr>
+          <a:lstStyle/>
+          <a:p>
+            <a:r>
+              <a:rPr lang="en-US" sz="3200" dirty="0"/>
+              <a:t>Carrier (500kHz amplitude) </a:t>
+            </a:r>
+            <a:endParaRPr lang="en-GB" sz="3200" dirty="0"/>
           </a:p>
         </p:txBody>
       </p:sp>
@@ -15456,7 +16422,7 @@
           <p:cNvPr id="3" name="Content Placeholder 2">
             <a:extLst>
               <a:ext uri="{FF2B5EF4-FFF2-40B4-BE49-F238E27FC236}">
-                <a16:creationId xmlns:a16="http://schemas.microsoft.com/office/drawing/2014/main" id="{1F001E9C-0E08-A501-834F-B024FD126A0D}"/>
+                <a16:creationId xmlns:a16="http://schemas.microsoft.com/office/drawing/2014/main" id="{9C0FF00A-DDC9-F3FD-A4B8-52B8523C8F3B}"/>
               </a:ext>
             </a:extLst>
           </p:cNvPr>
@@ -15469,59 +16435,625 @@
         </p:nvSpPr>
         <p:spPr>
           <a:xfrm>
-            <a:off x="563525" y="1616149"/>
-            <a:ext cx="11047227" cy="4560814"/>
-          </a:xfrm>
-        </p:spPr>
-        <p:txBody>
-          <a:bodyPr>
-            <a:normAutofit/>
-          </a:bodyPr>
-          <a:lstStyle/>
-          <a:p>
-            <a:r>
-              <a:rPr lang="en-GB" sz="2400" dirty="0"/>
-              <a:t>The core problem is that I do not know if my preamp, or ultrasound is broken. Maybe both are fine.  </a:t>
-            </a:r>
-          </a:p>
-          <a:p>
-            <a:r>
-              <a:rPr lang="en-GB" sz="2400" dirty="0"/>
-              <a:t>A lot of the variance has to do with how I am measuring the </a:t>
-            </a:r>
-            <a:r>
-              <a:rPr lang="en-GB" sz="2400" dirty="0" err="1"/>
-              <a:t>df</a:t>
-            </a:r>
-            <a:r>
-              <a:rPr lang="en-GB" sz="2400" dirty="0"/>
-              <a:t>, and what is the distance between my measurement and reference probes is. It seems likely, that the US is delivering a large voltage and the mineral oil blocks it to some degree. </a:t>
-            </a:r>
-          </a:p>
-          <a:p>
-            <a:r>
-              <a:rPr lang="en-GB" sz="2400" dirty="0"/>
-              <a:t>The core issue is that I cannot measure focality. I have past focality maps, but not one from today or when I measured the mouse, so I cannot be sure it is the ae effect. Basically – having a focal spot makes it the ae effect.  </a:t>
-            </a:r>
-          </a:p>
-          <a:p>
-            <a:r>
-              <a:rPr lang="en-GB" sz="2400" dirty="0"/>
-              <a:t>I can rule out acoustic/acoustic mixing with the hydrophone. </a:t>
-            </a:r>
-          </a:p>
+            <a:off x="1415306" y="1834482"/>
+            <a:ext cx="3445042" cy="581518"/>
+          </a:xfrm>
+        </p:spPr>
+        <p:txBody>
+          <a:bodyPr/>
+          <a:lstStyle/>
           <a:p>
             <a:pPr marL="0" indent="0">
               <a:buNone/>
             </a:pPr>
-            <a:endParaRPr lang="en-GB" sz="2400" dirty="0"/>
+            <a:r>
+              <a:rPr lang="en-US" dirty="0"/>
+              <a:t>Single-ended</a:t>
+            </a:r>
+            <a:endParaRPr lang="en-GB" dirty="0"/>
+          </a:p>
+        </p:txBody>
+      </p:sp>
+      <p:pic>
+        <p:nvPicPr>
+          <p:cNvPr id="5" name="Picture 4" descr="A graph with numbers and lines&#10;&#10;Description automatically generated">
+            <a:extLst>
+              <a:ext uri="{FF2B5EF4-FFF2-40B4-BE49-F238E27FC236}">
+                <a16:creationId xmlns:a16="http://schemas.microsoft.com/office/drawing/2014/main" id="{D09173B2-AFC9-015A-2CEB-4D18394ADC73}"/>
+              </a:ext>
+            </a:extLst>
+          </p:cNvPr>
+          <p:cNvPicPr>
+            <a:picLocks noChangeAspect="1"/>
+          </p:cNvPicPr>
+          <p:nvPr/>
+        </p:nvPicPr>
+        <p:blipFill>
+          <a:blip r:embed="rId2">
+            <a:extLst>
+              <a:ext uri="{28A0092B-C50C-407E-A947-70E740481C1C}">
+                <a14:useLocalDpi xmlns:a14="http://schemas.microsoft.com/office/drawing/2010/main" val="0"/>
+              </a:ext>
+            </a:extLst>
+          </a:blip>
+          <a:stretch>
+            <a:fillRect/>
+          </a:stretch>
+        </p:blipFill>
+        <p:spPr>
+          <a:xfrm>
+            <a:off x="378841" y="2407143"/>
+            <a:ext cx="5517972" cy="3188302"/>
+          </a:xfrm>
+          <a:prstGeom prst="rect">
+            <a:avLst/>
+          </a:prstGeom>
+        </p:spPr>
+      </p:pic>
+      <mc:AlternateContent xmlns:mc="http://schemas.openxmlformats.org/markup-compatibility/2006" xmlns:a14="http://schemas.microsoft.com/office/drawing/2010/main">
+        <mc:Choice Requires="a14">
+          <p:sp>
+            <p:nvSpPr>
+              <p:cNvPr id="6" name="TextBox 5">
+                <a:extLst>
+                  <a:ext uri="{FF2B5EF4-FFF2-40B4-BE49-F238E27FC236}">
+                    <a16:creationId xmlns:a16="http://schemas.microsoft.com/office/drawing/2014/main" id="{65D215F6-3AB4-6F2E-462E-AFDCE1ADAB41}"/>
+                  </a:ext>
+                </a:extLst>
+              </p:cNvPr>
+              <p:cNvSpPr txBox="1"/>
+              <p:nvPr/>
+            </p:nvSpPr>
+            <p:spPr>
+              <a:xfrm rot="16200000">
+                <a:off x="-324173" y="3580722"/>
+                <a:ext cx="924039" cy="307777"/>
+              </a:xfrm>
+              <a:prstGeom prst="rect">
+                <a:avLst/>
+              </a:prstGeom>
+              <a:noFill/>
+            </p:spPr>
+            <p:txBody>
+              <a:bodyPr wrap="square" rtlCol="0">
+                <a:spAutoFit/>
+              </a:bodyPr>
+              <a:lstStyle/>
+              <a:p>
+                <a:r>
+                  <a:rPr lang="en-GB" sz="1400" i="1" dirty="0">
+                    <a:latin typeface="Cambria Math" panose="02040503050406030204" pitchFamily="18" charset="0"/>
+                    <a:ea typeface="Cambria Math" panose="02040503050406030204" pitchFamily="18" charset="0"/>
+                  </a:rPr>
+                  <a:t>Volts(</a:t>
+                </a:r>
+                <a14:m>
+                  <m:oMath xmlns:m="http://schemas.openxmlformats.org/officeDocument/2006/math">
+                    <m:r>
+                      <a:rPr lang="en-GB" sz="1400" i="1" smtClean="0">
+                        <a:latin typeface="Cambria Math" panose="02040503050406030204" pitchFamily="18" charset="0"/>
+                        <a:ea typeface="Cambria Math" panose="02040503050406030204" pitchFamily="18" charset="0"/>
+                      </a:rPr>
+                      <m:t>𝜇</m:t>
+                    </m:r>
+                  </m:oMath>
+                </a14:m>
+                <a:r>
+                  <a:rPr lang="en-GB" sz="1400" i="1" dirty="0">
+                    <a:latin typeface="Cambria Math" panose="02040503050406030204" pitchFamily="18" charset="0"/>
+                    <a:ea typeface="Cambria Math" panose="02040503050406030204" pitchFamily="18" charset="0"/>
+                  </a:rPr>
+                  <a:t>V)</a:t>
+                </a:r>
+              </a:p>
+            </p:txBody>
+          </p:sp>
+        </mc:Choice>
+        <mc:Fallback xmlns="">
+          <p:sp>
+            <p:nvSpPr>
+              <p:cNvPr id="6" name="TextBox 5">
+                <a:extLst>
+                  <a:ext uri="{FF2B5EF4-FFF2-40B4-BE49-F238E27FC236}">
+                    <a16:creationId xmlns:a16="http://schemas.microsoft.com/office/drawing/2014/main" id="{65D215F6-3AB4-6F2E-462E-AFDCE1ADAB41}"/>
+                  </a:ext>
+                </a:extLst>
+              </p:cNvPr>
+              <p:cNvSpPr txBox="1">
+                <a:spLocks noRot="1" noChangeAspect="1" noMove="1" noResize="1" noEditPoints="1" noAdjustHandles="1" noChangeArrowheads="1" noChangeShapeType="1" noTextEdit="1"/>
+              </p:cNvSpPr>
+              <p:nvPr/>
+            </p:nvSpPr>
+            <p:spPr>
+              <a:xfrm rot="16200000">
+                <a:off x="-324173" y="3580722"/>
+                <a:ext cx="924039" cy="307777"/>
+              </a:xfrm>
+              <a:prstGeom prst="rect">
+                <a:avLst/>
+              </a:prstGeom>
+              <a:blipFill>
+                <a:blip r:embed="rId3"/>
+                <a:stretch>
+                  <a:fillRect l="-3922" t="-1325" r="-17647" b="-1987"/>
+                </a:stretch>
+              </a:blipFill>
+            </p:spPr>
+            <p:txBody>
+              <a:bodyPr/>
+              <a:lstStyle/>
+              <a:p>
+                <a:r>
+                  <a:rPr lang="en-GB">
+                    <a:noFill/>
+                  </a:rPr>
+                  <a:t> </a:t>
+                </a:r>
+              </a:p>
+            </p:txBody>
+          </p:sp>
+        </mc:Fallback>
+      </mc:AlternateContent>
+      <p:sp>
+        <p:nvSpPr>
+          <p:cNvPr id="7" name="Content Placeholder 2">
+            <a:extLst>
+              <a:ext uri="{FF2B5EF4-FFF2-40B4-BE49-F238E27FC236}">
+                <a16:creationId xmlns:a16="http://schemas.microsoft.com/office/drawing/2014/main" id="{CCC56BAA-9297-FD2C-4D63-F0E1D64927E8}"/>
+              </a:ext>
+            </a:extLst>
+          </p:cNvPr>
+          <p:cNvSpPr txBox="1">
+            <a:spLocks/>
+          </p:cNvSpPr>
+          <p:nvPr/>
+        </p:nvSpPr>
+        <p:spPr>
+          <a:xfrm>
+            <a:off x="7644063" y="1825625"/>
+            <a:ext cx="3445042" cy="581518"/>
+          </a:xfrm>
+          <a:prstGeom prst="rect">
+            <a:avLst/>
+          </a:prstGeom>
+        </p:spPr>
+        <p:txBody>
+          <a:bodyPr vert="horz" lIns="91440" tIns="45720" rIns="91440" bIns="45720" rtlCol="0">
+            <a:normAutofit/>
+          </a:bodyPr>
+          <a:lstStyle>
+            <a:lvl1pPr marL="228600" indent="-228600" algn="l" defTabSz="914400" rtl="0" eaLnBrk="1" latinLnBrk="0" hangingPunct="1">
+              <a:lnSpc>
+                <a:spcPct val="90000"/>
+              </a:lnSpc>
+              <a:spcBef>
+                <a:spcPts val="1000"/>
+              </a:spcBef>
+              <a:buFont typeface="Arial" panose="020B0604020202020204" pitchFamily="34" charset="0"/>
+              <a:buChar char="•"/>
+              <a:defRPr sz="2800" kern="1200">
+                <a:solidFill>
+                  <a:schemeClr val="tx1"/>
+                </a:solidFill>
+                <a:latin typeface="+mn-lt"/>
+                <a:ea typeface="+mn-ea"/>
+                <a:cs typeface="+mn-cs"/>
+              </a:defRPr>
+            </a:lvl1pPr>
+            <a:lvl2pPr marL="685800" indent="-228600" algn="l" defTabSz="914400" rtl="0" eaLnBrk="1" latinLnBrk="0" hangingPunct="1">
+              <a:lnSpc>
+                <a:spcPct val="90000"/>
+              </a:lnSpc>
+              <a:spcBef>
+                <a:spcPts val="500"/>
+              </a:spcBef>
+              <a:buFont typeface="Arial" panose="020B0604020202020204" pitchFamily="34" charset="0"/>
+              <a:buChar char="•"/>
+              <a:defRPr sz="2400" kern="1200">
+                <a:solidFill>
+                  <a:schemeClr val="tx1"/>
+                </a:solidFill>
+                <a:latin typeface="+mn-lt"/>
+                <a:ea typeface="+mn-ea"/>
+                <a:cs typeface="+mn-cs"/>
+              </a:defRPr>
+            </a:lvl2pPr>
+            <a:lvl3pPr marL="1143000" indent="-228600" algn="l" defTabSz="914400" rtl="0" eaLnBrk="1" latinLnBrk="0" hangingPunct="1">
+              <a:lnSpc>
+                <a:spcPct val="90000"/>
+              </a:lnSpc>
+              <a:spcBef>
+                <a:spcPts val="500"/>
+              </a:spcBef>
+              <a:buFont typeface="Arial" panose="020B0604020202020204" pitchFamily="34" charset="0"/>
+              <a:buChar char="•"/>
+              <a:defRPr sz="2000" kern="1200">
+                <a:solidFill>
+                  <a:schemeClr val="tx1"/>
+                </a:solidFill>
+                <a:latin typeface="+mn-lt"/>
+                <a:ea typeface="+mn-ea"/>
+                <a:cs typeface="+mn-cs"/>
+              </a:defRPr>
+            </a:lvl3pPr>
+            <a:lvl4pPr marL="1600200" indent="-228600" algn="l" defTabSz="914400" rtl="0" eaLnBrk="1" latinLnBrk="0" hangingPunct="1">
+              <a:lnSpc>
+                <a:spcPct val="90000"/>
+              </a:lnSpc>
+              <a:spcBef>
+                <a:spcPts val="500"/>
+              </a:spcBef>
+              <a:buFont typeface="Arial" panose="020B0604020202020204" pitchFamily="34" charset="0"/>
+              <a:buChar char="•"/>
+              <a:defRPr sz="1800" kern="1200">
+                <a:solidFill>
+                  <a:schemeClr val="tx1"/>
+                </a:solidFill>
+                <a:latin typeface="+mn-lt"/>
+                <a:ea typeface="+mn-ea"/>
+                <a:cs typeface="+mn-cs"/>
+              </a:defRPr>
+            </a:lvl4pPr>
+            <a:lvl5pPr marL="2057400" indent="-228600" algn="l" defTabSz="914400" rtl="0" eaLnBrk="1" latinLnBrk="0" hangingPunct="1">
+              <a:lnSpc>
+                <a:spcPct val="90000"/>
+              </a:lnSpc>
+              <a:spcBef>
+                <a:spcPts val="500"/>
+              </a:spcBef>
+              <a:buFont typeface="Arial" panose="020B0604020202020204" pitchFamily="34" charset="0"/>
+              <a:buChar char="•"/>
+              <a:defRPr sz="1800" kern="1200">
+                <a:solidFill>
+                  <a:schemeClr val="tx1"/>
+                </a:solidFill>
+                <a:latin typeface="+mn-lt"/>
+                <a:ea typeface="+mn-ea"/>
+                <a:cs typeface="+mn-cs"/>
+              </a:defRPr>
+            </a:lvl5pPr>
+            <a:lvl6pPr marL="2514600" indent="-228600" algn="l" defTabSz="914400" rtl="0" eaLnBrk="1" latinLnBrk="0" hangingPunct="1">
+              <a:lnSpc>
+                <a:spcPct val="90000"/>
+              </a:lnSpc>
+              <a:spcBef>
+                <a:spcPts val="500"/>
+              </a:spcBef>
+              <a:buFont typeface="Arial" panose="020B0604020202020204" pitchFamily="34" charset="0"/>
+              <a:buChar char="•"/>
+              <a:defRPr sz="1800" kern="1200">
+                <a:solidFill>
+                  <a:schemeClr val="tx1"/>
+                </a:solidFill>
+                <a:latin typeface="+mn-lt"/>
+                <a:ea typeface="+mn-ea"/>
+                <a:cs typeface="+mn-cs"/>
+              </a:defRPr>
+            </a:lvl6pPr>
+            <a:lvl7pPr marL="2971800" indent="-228600" algn="l" defTabSz="914400" rtl="0" eaLnBrk="1" latinLnBrk="0" hangingPunct="1">
+              <a:lnSpc>
+                <a:spcPct val="90000"/>
+              </a:lnSpc>
+              <a:spcBef>
+                <a:spcPts val="500"/>
+              </a:spcBef>
+              <a:buFont typeface="Arial" panose="020B0604020202020204" pitchFamily="34" charset="0"/>
+              <a:buChar char="•"/>
+              <a:defRPr sz="1800" kern="1200">
+                <a:solidFill>
+                  <a:schemeClr val="tx1"/>
+                </a:solidFill>
+                <a:latin typeface="+mn-lt"/>
+                <a:ea typeface="+mn-ea"/>
+                <a:cs typeface="+mn-cs"/>
+              </a:defRPr>
+            </a:lvl7pPr>
+            <a:lvl8pPr marL="3429000" indent="-228600" algn="l" defTabSz="914400" rtl="0" eaLnBrk="1" latinLnBrk="0" hangingPunct="1">
+              <a:lnSpc>
+                <a:spcPct val="90000"/>
+              </a:lnSpc>
+              <a:spcBef>
+                <a:spcPts val="500"/>
+              </a:spcBef>
+              <a:buFont typeface="Arial" panose="020B0604020202020204" pitchFamily="34" charset="0"/>
+              <a:buChar char="•"/>
+              <a:defRPr sz="1800" kern="1200">
+                <a:solidFill>
+                  <a:schemeClr val="tx1"/>
+                </a:solidFill>
+                <a:latin typeface="+mn-lt"/>
+                <a:ea typeface="+mn-ea"/>
+                <a:cs typeface="+mn-cs"/>
+              </a:defRPr>
+            </a:lvl8pPr>
+            <a:lvl9pPr marL="3886200" indent="-228600" algn="l" defTabSz="914400" rtl="0" eaLnBrk="1" latinLnBrk="0" hangingPunct="1">
+              <a:lnSpc>
+                <a:spcPct val="90000"/>
+              </a:lnSpc>
+              <a:spcBef>
+                <a:spcPts val="500"/>
+              </a:spcBef>
+              <a:buFont typeface="Arial" panose="020B0604020202020204" pitchFamily="34" charset="0"/>
+              <a:buChar char="•"/>
+              <a:defRPr sz="1800" kern="1200">
+                <a:solidFill>
+                  <a:schemeClr val="tx1"/>
+                </a:solidFill>
+                <a:latin typeface="+mn-lt"/>
+                <a:ea typeface="+mn-ea"/>
+                <a:cs typeface="+mn-cs"/>
+              </a:defRPr>
+            </a:lvl9pPr>
+          </a:lstStyle>
+          <a:p>
+            <a:pPr marL="0" indent="0">
+              <a:buFont typeface="Arial" panose="020B0604020202020204" pitchFamily="34" charset="0"/>
+              <a:buNone/>
+            </a:pPr>
+            <a:r>
+              <a:rPr lang="en-US" dirty="0"/>
+              <a:t>Differential</a:t>
+            </a:r>
+            <a:endParaRPr lang="en-GB" dirty="0"/>
+          </a:p>
+        </p:txBody>
+      </p:sp>
+      <p:pic>
+        <p:nvPicPr>
+          <p:cNvPr id="9" name="Picture 8" descr="A graph with numbers and lines&#10;&#10;Description automatically generated">
+            <a:extLst>
+              <a:ext uri="{FF2B5EF4-FFF2-40B4-BE49-F238E27FC236}">
+                <a16:creationId xmlns:a16="http://schemas.microsoft.com/office/drawing/2014/main" id="{5CD9B006-59F1-39B3-C6B0-58FE0D33A8FB}"/>
+              </a:ext>
+            </a:extLst>
+          </p:cNvPr>
+          <p:cNvPicPr>
+            <a:picLocks noChangeAspect="1"/>
+          </p:cNvPicPr>
+          <p:nvPr/>
+        </p:nvPicPr>
+        <p:blipFill>
+          <a:blip r:embed="rId4">
+            <a:extLst>
+              <a:ext uri="{28A0092B-C50C-407E-A947-70E740481C1C}">
+                <a14:useLocalDpi xmlns:a14="http://schemas.microsoft.com/office/drawing/2010/main" val="0"/>
+              </a:ext>
+            </a:extLst>
+          </a:blip>
+          <a:stretch>
+            <a:fillRect/>
+          </a:stretch>
+        </p:blipFill>
+        <p:spPr>
+          <a:xfrm>
+            <a:off x="6295189" y="2443432"/>
+            <a:ext cx="5269831" cy="3127221"/>
+          </a:xfrm>
+          <a:prstGeom prst="rect">
+            <a:avLst/>
+          </a:prstGeom>
+        </p:spPr>
+      </p:pic>
+      <mc:AlternateContent xmlns:mc="http://schemas.openxmlformats.org/markup-compatibility/2006" xmlns:a14="http://schemas.microsoft.com/office/drawing/2010/main">
+        <mc:Choice Requires="a14">
+          <p:sp>
+            <p:nvSpPr>
+              <p:cNvPr id="10" name="TextBox 9">
+                <a:extLst>
+                  <a:ext uri="{FF2B5EF4-FFF2-40B4-BE49-F238E27FC236}">
+                    <a16:creationId xmlns:a16="http://schemas.microsoft.com/office/drawing/2014/main" id="{D8D0EF95-49B1-BAAD-CCBC-CE6DFF3B5CDA}"/>
+                  </a:ext>
+                </a:extLst>
+              </p:cNvPr>
+              <p:cNvSpPr txBox="1"/>
+              <p:nvPr/>
+            </p:nvSpPr>
+            <p:spPr>
+              <a:xfrm rot="16200000">
+                <a:off x="5588681" y="3580722"/>
+                <a:ext cx="924039" cy="307777"/>
+              </a:xfrm>
+              <a:prstGeom prst="rect">
+                <a:avLst/>
+              </a:prstGeom>
+              <a:noFill/>
+            </p:spPr>
+            <p:txBody>
+              <a:bodyPr wrap="square" rtlCol="0">
+                <a:spAutoFit/>
+              </a:bodyPr>
+              <a:lstStyle/>
+              <a:p>
+                <a:r>
+                  <a:rPr lang="en-GB" sz="1400" i="1" dirty="0">
+                    <a:latin typeface="Cambria Math" panose="02040503050406030204" pitchFamily="18" charset="0"/>
+                    <a:ea typeface="Cambria Math" panose="02040503050406030204" pitchFamily="18" charset="0"/>
+                  </a:rPr>
+                  <a:t>Volts(</a:t>
+                </a:r>
+                <a14:m>
+                  <m:oMath xmlns:m="http://schemas.openxmlformats.org/officeDocument/2006/math">
+                    <m:r>
+                      <a:rPr lang="en-GB" sz="1400" i="1" smtClean="0">
+                        <a:latin typeface="Cambria Math" panose="02040503050406030204" pitchFamily="18" charset="0"/>
+                        <a:ea typeface="Cambria Math" panose="02040503050406030204" pitchFamily="18" charset="0"/>
+                      </a:rPr>
+                      <m:t>𝜇</m:t>
+                    </m:r>
+                  </m:oMath>
+                </a14:m>
+                <a:r>
+                  <a:rPr lang="en-GB" sz="1400" i="1" dirty="0">
+                    <a:latin typeface="Cambria Math" panose="02040503050406030204" pitchFamily="18" charset="0"/>
+                    <a:ea typeface="Cambria Math" panose="02040503050406030204" pitchFamily="18" charset="0"/>
+                  </a:rPr>
+                  <a:t>V)</a:t>
+                </a:r>
+              </a:p>
+            </p:txBody>
+          </p:sp>
+        </mc:Choice>
+        <mc:Fallback xmlns="">
+          <p:sp>
+            <p:nvSpPr>
+              <p:cNvPr id="10" name="TextBox 9">
+                <a:extLst>
+                  <a:ext uri="{FF2B5EF4-FFF2-40B4-BE49-F238E27FC236}">
+                    <a16:creationId xmlns:a16="http://schemas.microsoft.com/office/drawing/2014/main" id="{D8D0EF95-49B1-BAAD-CCBC-CE6DFF3B5CDA}"/>
+                  </a:ext>
+                </a:extLst>
+              </p:cNvPr>
+              <p:cNvSpPr txBox="1">
+                <a:spLocks noRot="1" noChangeAspect="1" noMove="1" noResize="1" noEditPoints="1" noAdjustHandles="1" noChangeArrowheads="1" noChangeShapeType="1" noTextEdit="1"/>
+              </p:cNvSpPr>
+              <p:nvPr/>
+            </p:nvSpPr>
+            <p:spPr>
+              <a:xfrm rot="16200000">
+                <a:off x="5588681" y="3580722"/>
+                <a:ext cx="924039" cy="307777"/>
+              </a:xfrm>
+              <a:prstGeom prst="rect">
+                <a:avLst/>
+              </a:prstGeom>
+              <a:blipFill>
+                <a:blip r:embed="rId3"/>
+                <a:stretch>
+                  <a:fillRect l="-3922" t="-1325" r="-17647" b="-1987"/>
+                </a:stretch>
+              </a:blipFill>
+            </p:spPr>
+            <p:txBody>
+              <a:bodyPr/>
+              <a:lstStyle/>
+              <a:p>
+                <a:r>
+                  <a:rPr lang="en-GB">
+                    <a:noFill/>
+                  </a:rPr>
+                  <a:t> </a:t>
+                </a:r>
+              </a:p>
+            </p:txBody>
+          </p:sp>
+        </mc:Fallback>
+      </mc:AlternateContent>
+      <p:sp>
+        <p:nvSpPr>
+          <p:cNvPr id="11" name="TextBox 10">
+            <a:extLst>
+              <a:ext uri="{FF2B5EF4-FFF2-40B4-BE49-F238E27FC236}">
+                <a16:creationId xmlns:a16="http://schemas.microsoft.com/office/drawing/2014/main" id="{01BAC4F4-6E25-B0B0-2E7B-124AE5F7C117}"/>
+              </a:ext>
+            </a:extLst>
+          </p:cNvPr>
+          <p:cNvSpPr txBox="1"/>
+          <p:nvPr/>
+        </p:nvSpPr>
+        <p:spPr>
+          <a:xfrm>
+            <a:off x="2560721" y="5618781"/>
+            <a:ext cx="1462084" cy="307777"/>
+          </a:xfrm>
+          <a:prstGeom prst="rect">
+            <a:avLst/>
+          </a:prstGeom>
+          <a:noFill/>
+        </p:spPr>
+        <p:txBody>
+          <a:bodyPr wrap="square" rtlCol="0">
+            <a:spAutoFit/>
+          </a:bodyPr>
+          <a:lstStyle/>
+          <a:p>
+            <a:r>
+              <a:rPr lang="en-GB" sz="1400" i="1" dirty="0">
+                <a:latin typeface="Cambria Math" panose="02040503050406030204" pitchFamily="18" charset="0"/>
+                <a:ea typeface="Cambria Math" panose="02040503050406030204" pitchFamily="18" charset="0"/>
+              </a:rPr>
+              <a:t>Frequencies(Hz)</a:t>
+            </a:r>
+          </a:p>
+        </p:txBody>
+      </p:sp>
+      <p:sp>
+        <p:nvSpPr>
+          <p:cNvPr id="12" name="TextBox 11">
+            <a:extLst>
+              <a:ext uri="{FF2B5EF4-FFF2-40B4-BE49-F238E27FC236}">
+                <a16:creationId xmlns:a16="http://schemas.microsoft.com/office/drawing/2014/main" id="{3595EDB1-89AD-8439-FCFF-E68262FDB96E}"/>
+              </a:ext>
+            </a:extLst>
+          </p:cNvPr>
+          <p:cNvSpPr txBox="1"/>
+          <p:nvPr/>
+        </p:nvSpPr>
+        <p:spPr>
+          <a:xfrm>
+            <a:off x="8319837" y="5604260"/>
+            <a:ext cx="1462084" cy="307777"/>
+          </a:xfrm>
+          <a:prstGeom prst="rect">
+            <a:avLst/>
+          </a:prstGeom>
+          <a:noFill/>
+        </p:spPr>
+        <p:txBody>
+          <a:bodyPr wrap="square" rtlCol="0">
+            <a:spAutoFit/>
+          </a:bodyPr>
+          <a:lstStyle/>
+          <a:p>
+            <a:r>
+              <a:rPr lang="en-GB" sz="1400" i="1" dirty="0">
+                <a:latin typeface="Cambria Math" panose="02040503050406030204" pitchFamily="18" charset="0"/>
+                <a:ea typeface="Cambria Math" panose="02040503050406030204" pitchFamily="18" charset="0"/>
+              </a:rPr>
+              <a:t>Frequencies(Hz)</a:t>
+            </a:r>
+          </a:p>
+        </p:txBody>
+      </p:sp>
+      <p:sp>
+        <p:nvSpPr>
+          <p:cNvPr id="13" name="TextBox 12">
+            <a:extLst>
+              <a:ext uri="{FF2B5EF4-FFF2-40B4-BE49-F238E27FC236}">
+                <a16:creationId xmlns:a16="http://schemas.microsoft.com/office/drawing/2014/main" id="{2C404B44-9B80-AF2F-1D1A-A286A552FD1A}"/>
+              </a:ext>
+            </a:extLst>
+          </p:cNvPr>
+          <p:cNvSpPr txBox="1"/>
+          <p:nvPr/>
+        </p:nvSpPr>
+        <p:spPr>
+          <a:xfrm>
+            <a:off x="1036381" y="6270588"/>
+            <a:ext cx="9537174" cy="307777"/>
+          </a:xfrm>
+          <a:prstGeom prst="rect">
+            <a:avLst/>
+          </a:prstGeom>
+          <a:noFill/>
+        </p:spPr>
+        <p:txBody>
+          <a:bodyPr wrap="square" rtlCol="0">
+            <a:spAutoFit/>
+          </a:bodyPr>
+          <a:lstStyle/>
+          <a:p>
+            <a:r>
+              <a:rPr lang="en-US" sz="1400" dirty="0"/>
+              <a:t>I think I am doing electrical mixing because of this, because of the large voltage coming from the ultrasound. </a:t>
+            </a:r>
+            <a:endParaRPr lang="en-GB" sz="1400" dirty="0"/>
           </a:p>
         </p:txBody>
       </p:sp>
     </p:spTree>
     <p:extLst>
       <p:ext uri="{BB962C8B-B14F-4D97-AF65-F5344CB8AC3E}">
-        <p14:creationId xmlns:p14="http://schemas.microsoft.com/office/powerpoint/2010/main" val="3882319705"/>
+        <p14:creationId xmlns:p14="http://schemas.microsoft.com/office/powerpoint/2010/main" val="2019262099"/>
       </p:ext>
     </p:extLst>
   </p:cSld>
@@ -15636,7 +17168,7 @@
           <p:cNvPr id="2" name="Title 1">
             <a:extLst>
               <a:ext uri="{FF2B5EF4-FFF2-40B4-BE49-F238E27FC236}">
-                <a16:creationId xmlns:a16="http://schemas.microsoft.com/office/drawing/2014/main" id="{6C50E011-62F5-8634-E02D-745A82F14EBB}"/>
+                <a16:creationId xmlns:a16="http://schemas.microsoft.com/office/drawing/2014/main" id="{61CF7569-909B-88EA-D4CA-6EC468FC39F9}"/>
               </a:ext>
             </a:extLst>
           </p:cNvPr>
@@ -15649,14 +17181,18 @@
         </p:nvSpPr>
         <p:spPr>
           <a:xfrm>
-            <a:off x="415637" y="365125"/>
-            <a:ext cx="11447812" cy="1048039"/>
+            <a:off x="258651" y="141356"/>
+            <a:ext cx="10515600" cy="786038"/>
           </a:xfrm>
         </p:spPr>
         <p:txBody>
           <a:bodyPr/>
           <a:lstStyle/>
           <a:p>
+            <a:r>
+              <a:rPr lang="en-US" dirty="0"/>
+              <a:t>Is it a neural signal?</a:t>
+            </a:r>
             <a:endParaRPr lang="en-GB" dirty="0"/>
           </a:p>
         </p:txBody>
@@ -15666,7 +17202,7 @@
           <p:cNvPr id="3" name="Content Placeholder 2">
             <a:extLst>
               <a:ext uri="{FF2B5EF4-FFF2-40B4-BE49-F238E27FC236}">
-                <a16:creationId xmlns:a16="http://schemas.microsoft.com/office/drawing/2014/main" id="{E095113B-7336-5C13-F41C-19DC17B1C6A3}"/>
+                <a16:creationId xmlns:a16="http://schemas.microsoft.com/office/drawing/2014/main" id="{1FB2C113-698A-4A79-C35E-E8A6F5F7B01A}"/>
               </a:ext>
             </a:extLst>
           </p:cNvPr>
@@ -15679,45 +17215,152 @@
         </p:nvSpPr>
         <p:spPr>
           <a:xfrm>
-            <a:off x="415637" y="1805651"/>
-            <a:ext cx="11447812" cy="4687224"/>
+            <a:off x="577403" y="1055296"/>
+            <a:ext cx="11037193" cy="4747408"/>
           </a:xfrm>
         </p:spPr>
         <p:txBody>
           <a:bodyPr>
-            <a:normAutofit lnSpcReduction="10000"/>
+            <a:normAutofit/>
           </a:bodyPr>
           <a:lstStyle/>
           <a:p>
             <a:r>
-              <a:rPr lang="en-GB" dirty="0"/>
-              <a:t>Why did my file interpretation seem different from the files in the folder yesterday? Something weird happened? From the data analysis, mineral oil seemed like a great option. </a:t>
-            </a:r>
-          </a:p>
-          <a:p>
-            <a:r>
-              <a:rPr lang="en-GB" dirty="0"/>
-              <a:t>Can I see 10Hz acoustoelectric focality using a mineral oil filled cone? (Previously I did this with the same two stim/measure electrodes..(e97_meps t3)) – would need to work on the </a:t>
-            </a:r>
-            <a:r>
-              <a:rPr lang="en-GB" dirty="0" err="1"/>
-              <a:t>daq</a:t>
-            </a:r>
-            <a:r>
-              <a:rPr lang="en-GB" dirty="0"/>
-              <a:t> ranges here. </a:t>
-            </a:r>
-          </a:p>
-          <a:p>
-            <a:r>
-              <a:rPr lang="en-GB" dirty="0"/>
-              <a:t>What does the PRF look like using a mineral oil filled cone? Does it have focality?</a:t>
-            </a:r>
-          </a:p>
-          <a:p>
-            <a:r>
-              <a:rPr lang="en-GB" dirty="0"/>
-              <a:t>Phantom test with higher resolution voltage monitor – do I see the difference frequency appear when using a water filled cone? I will then need to apply this signal separately - </a:t>
+              <a:rPr lang="en-US" sz="2000" dirty="0"/>
+              <a:t>It looks equivalent to </a:t>
+            </a:r>
+            <a:r>
+              <a:rPr lang="en-US" sz="2000" dirty="0" err="1"/>
+              <a:t>Xiaoqi’s</a:t>
+            </a:r>
+            <a:r>
+              <a:rPr lang="en-US" sz="2000" dirty="0"/>
+              <a:t> neural signal when he does TI. </a:t>
+            </a:r>
+          </a:p>
+          <a:p>
+            <a:r>
+              <a:rPr lang="en-US" sz="2000" dirty="0"/>
+              <a:t>However, it also looks the same for phantom data. </a:t>
+            </a:r>
+          </a:p>
+          <a:p>
+            <a:pPr marL="0" indent="0">
+              <a:buNone/>
+            </a:pPr>
+            <a:r>
+              <a:rPr lang="en-GB" sz="2000" dirty="0"/>
+              <a:t>What I think is happening is that the massive common mode electrical signal from the US is causing electrical frequency mixing(non-focal). This is not neural stimulation. </a:t>
+            </a:r>
+          </a:p>
+          <a:p>
+            <a:pPr marL="0" indent="0">
+              <a:buNone/>
+            </a:pPr>
+            <a:r>
+              <a:rPr lang="en-GB" sz="2000" dirty="0"/>
+              <a:t>Test update 1: TODO: For the non-linearity test for f mixing, I need to be using a </a:t>
+            </a:r>
+            <a:r>
+              <a:rPr lang="en-GB" sz="2000" dirty="0" err="1"/>
+              <a:t>GNDed</a:t>
+            </a:r>
+            <a:r>
+              <a:rPr lang="en-GB" sz="2000" dirty="0"/>
+              <a:t> signal amplitude instead so I can reveal any common mode signal amplitudes that are present. I should be applying THIS amplitude, not the differential one. </a:t>
+            </a:r>
+          </a:p>
+          <a:p>
+            <a:pPr marL="0" indent="0">
+              <a:buNone/>
+            </a:pPr>
+            <a:r>
+              <a:rPr lang="en-GB" sz="2000" dirty="0"/>
+              <a:t>Phantom equivalent test at gain = 100 (e115 t4 f2 ) – phantom data fails the test… that is a hint.</a:t>
+            </a:r>
+          </a:p>
+        </p:txBody>
+      </p:sp>
+      <p:pic>
+        <p:nvPicPr>
+          <p:cNvPr id="5" name="Picture 4" descr="A graph of a wave&#10;&#10;Description automatically generated with medium confidence">
+            <a:extLst>
+              <a:ext uri="{FF2B5EF4-FFF2-40B4-BE49-F238E27FC236}">
+                <a16:creationId xmlns:a16="http://schemas.microsoft.com/office/drawing/2014/main" id="{9BB5B572-0B1E-BA94-8918-3D18662B751D}"/>
+              </a:ext>
+            </a:extLst>
+          </p:cNvPr>
+          <p:cNvPicPr>
+            <a:picLocks noChangeAspect="1"/>
+          </p:cNvPicPr>
+          <p:nvPr/>
+        </p:nvPicPr>
+        <p:blipFill>
+          <a:blip r:embed="rId2">
+            <a:extLst>
+              <a:ext uri="{28A0092B-C50C-407E-A947-70E740481C1C}">
+                <a14:useLocalDpi xmlns:a14="http://schemas.microsoft.com/office/drawing/2010/main" val="0"/>
+              </a:ext>
+            </a:extLst>
+          </a:blip>
+          <a:stretch>
+            <a:fillRect/>
+          </a:stretch>
+        </p:blipFill>
+        <p:spPr>
+          <a:xfrm>
+            <a:off x="577403" y="3808111"/>
+            <a:ext cx="4532492" cy="2715194"/>
+          </a:xfrm>
+          <a:prstGeom prst="rect">
+            <a:avLst/>
+          </a:prstGeom>
+        </p:spPr>
+      </p:pic>
+      <p:sp>
+        <p:nvSpPr>
+          <p:cNvPr id="6" name="TextBox 5">
+            <a:extLst>
+              <a:ext uri="{FF2B5EF4-FFF2-40B4-BE49-F238E27FC236}">
+                <a16:creationId xmlns:a16="http://schemas.microsoft.com/office/drawing/2014/main" id="{98E3B604-8B94-6F57-6642-6DC58A2AFAAF}"/>
+              </a:ext>
+            </a:extLst>
+          </p:cNvPr>
+          <p:cNvSpPr txBox="1"/>
+          <p:nvPr/>
+        </p:nvSpPr>
+        <p:spPr>
+          <a:xfrm>
+            <a:off x="5615188" y="4048379"/>
+            <a:ext cx="6297769" cy="2585323"/>
+          </a:xfrm>
+          <a:prstGeom prst="rect">
+            <a:avLst/>
+          </a:prstGeom>
+          <a:noFill/>
+        </p:spPr>
+        <p:txBody>
+          <a:bodyPr wrap="square" rtlCol="0">
+            <a:spAutoFit/>
+          </a:bodyPr>
+          <a:lstStyle/>
+          <a:p>
+            <a:r>
+              <a:rPr lang="en-GB" sz="1800" dirty="0"/>
+              <a:t>I have no proof of neural stimulation. Since the voltage applied is far higher than previously expected, it is likely the very high signal is causing non-linearity and rectification in the preamp. </a:t>
+            </a:r>
+          </a:p>
+          <a:p>
+            <a:r>
+              <a:rPr lang="en-GB" sz="1800" dirty="0"/>
+              <a:t>I did not see this with my non-linearity test before – because I WAS NOT applying the correct signal. Whilst the difference between the two points in space is correct, the overall amplitude is not. Subtle. </a:t>
+            </a:r>
+            <a:endParaRPr lang="en-GB" dirty="0"/>
+          </a:p>
+          <a:p>
+            <a:r>
+              <a:rPr lang="en-GB" sz="1800" dirty="0"/>
+              <a:t>Challenge: Can I get any form of direct neural stimulation, without upsetting the preamp? If so, what does it look like?</a:t>
             </a:r>
           </a:p>
         </p:txBody>
@@ -15725,7 +17368,7 @@
     </p:spTree>
     <p:extLst>
       <p:ext uri="{BB962C8B-B14F-4D97-AF65-F5344CB8AC3E}">
-        <p14:creationId xmlns:p14="http://schemas.microsoft.com/office/powerpoint/2010/main" val="719022803"/>
+        <p14:creationId xmlns:p14="http://schemas.microsoft.com/office/powerpoint/2010/main" val="1656277964"/>
       </p:ext>
     </p:extLst>
   </p:cSld>
@@ -15757,7 +17400,7 @@
           <p:cNvPr id="2" name="Title 1">
             <a:extLst>
               <a:ext uri="{FF2B5EF4-FFF2-40B4-BE49-F238E27FC236}">
-                <a16:creationId xmlns:a16="http://schemas.microsoft.com/office/drawing/2014/main" id="{A2E3A4E2-8D59-EAAF-910B-B89B6C418D0A}"/>
+                <a16:creationId xmlns:a16="http://schemas.microsoft.com/office/drawing/2014/main" id="{57A8DFAD-1C4F-4015-A32C-C03DA0A6B5F3}"/>
               </a:ext>
             </a:extLst>
           </p:cNvPr>
@@ -15770,30 +17413,63 @@
         </p:nvSpPr>
         <p:spPr>
           <a:xfrm>
-            <a:off x="217118" y="37578"/>
-            <a:ext cx="11497056" cy="890651"/>
-          </a:xfrm>
-        </p:spPr>
-        <p:txBody>
-          <a:bodyPr>
-            <a:normAutofit/>
-          </a:bodyPr>
-          <a:lstStyle/>
-          <a:p>
-            <a:pPr algn="ctr"/>
-            <a:r>
-              <a:rPr lang="en-GB" sz="2400" dirty="0"/>
-              <a:t>Could it be electrical mixing from the PRF of the applied ultrasound be mixing with the applied voltage? i.e. all EM mixing? </a:t>
-            </a:r>
-          </a:p>
-        </p:txBody>
-      </p:sp>
-      <p:sp>
-        <p:nvSpPr>
-          <p:cNvPr id="4" name="TextBox 3">
-            <a:extLst>
-              <a:ext uri="{FF2B5EF4-FFF2-40B4-BE49-F238E27FC236}">
-                <a16:creationId xmlns:a16="http://schemas.microsoft.com/office/drawing/2014/main" id="{379EBFB0-DEF7-0D5A-9237-4B905C8FC680}"/>
+            <a:off x="578708" y="113132"/>
+            <a:ext cx="10515600" cy="1325563"/>
+          </a:xfrm>
+        </p:spPr>
+        <p:txBody>
+          <a:bodyPr/>
+          <a:lstStyle/>
+          <a:p>
+            <a:r>
+              <a:rPr lang="en-US" dirty="0"/>
+              <a:t>Xiaoqi Data. </a:t>
+            </a:r>
+            <a:endParaRPr lang="en-GB" dirty="0"/>
+          </a:p>
+        </p:txBody>
+      </p:sp>
+      <p:pic>
+        <p:nvPicPr>
+          <p:cNvPr id="5" name="Content Placeholder 4" descr="A screenshot of a graph&#10;&#10;Description automatically generated">
+            <a:extLst>
+              <a:ext uri="{FF2B5EF4-FFF2-40B4-BE49-F238E27FC236}">
+                <a16:creationId xmlns:a16="http://schemas.microsoft.com/office/drawing/2014/main" id="{509975F8-AD6B-1E9E-C323-14A2C1D3EDB8}"/>
+              </a:ext>
+            </a:extLst>
+          </p:cNvPr>
+          <p:cNvPicPr>
+            <a:picLocks noGrp="1" noChangeAspect="1"/>
+          </p:cNvPicPr>
+          <p:nvPr>
+            <p:ph idx="1"/>
+          </p:nvPr>
+        </p:nvPicPr>
+        <p:blipFill>
+          <a:blip r:embed="rId2">
+            <a:extLst>
+              <a:ext uri="{28A0092B-C50C-407E-A947-70E740481C1C}">
+                <a14:useLocalDpi xmlns:a14="http://schemas.microsoft.com/office/drawing/2010/main" val="0"/>
+              </a:ext>
+            </a:extLst>
+          </a:blip>
+          <a:stretch>
+            <a:fillRect/>
+          </a:stretch>
+        </p:blipFill>
+        <p:spPr>
+          <a:xfrm>
+            <a:off x="46629" y="1438695"/>
+            <a:ext cx="8640876" cy="5184526"/>
+          </a:xfrm>
+        </p:spPr>
+      </p:pic>
+      <p:sp>
+        <p:nvSpPr>
+          <p:cNvPr id="6" name="TextBox 5">
+            <a:extLst>
+              <a:ext uri="{FF2B5EF4-FFF2-40B4-BE49-F238E27FC236}">
+                <a16:creationId xmlns:a16="http://schemas.microsoft.com/office/drawing/2014/main" id="{DA48E074-78E2-92A0-715C-17F159DB32EA}"/>
               </a:ext>
             </a:extLst>
           </p:cNvPr>
@@ -15802,8 +17478,8 @@
         </p:nvSpPr>
         <p:spPr>
           <a:xfrm>
-            <a:off x="365760" y="862311"/>
-            <a:ext cx="11609122" cy="5632311"/>
+            <a:off x="8180173" y="1957413"/>
+            <a:ext cx="3781168" cy="2862322"/>
           </a:xfrm>
           <a:prstGeom prst="rect">
             <a:avLst/>
@@ -15817,125 +17493,32 @@
           <a:lstStyle/>
           <a:p>
             <a:r>
+              <a:rPr lang="en-US" dirty="0"/>
+              <a:t>Suggestion:</a:t>
+            </a:r>
+          </a:p>
+          <a:p>
+            <a:r>
               <a:rPr lang="en-GB" dirty="0"/>
-              <a:t>WE KNOW MIXING IS OCCURING as there is nothing at the difference frequency from the applied signals. (Wait: it is possible I am just below the noise floor of my voltage and rf monitors so I don’t know this for sure? )</a:t>
-            </a:r>
-          </a:p>
-          <a:p>
-            <a:r>
-              <a:rPr lang="en-GB" dirty="0"/>
-              <a:t>However, we do not know if we are mixing the electric signal from the ultrasound with the applied electric signal, or the acoustic signal is mixing with the applied electric signal? </a:t>
-            </a:r>
-          </a:p>
-          <a:p>
-            <a:r>
-              <a:rPr lang="en-GB" dirty="0"/>
-              <a:t>Fill cone with mineral oil as an electrical insulator. </a:t>
-            </a:r>
-          </a:p>
-          <a:p>
-            <a:r>
-              <a:rPr lang="en-GB" dirty="0">
-                <a:solidFill>
-                  <a:srgbClr val="FF0000"/>
-                </a:solidFill>
-              </a:rPr>
-              <a:t>RESULT: though it has no conductance as measured with </a:t>
-            </a:r>
-            <a:r>
-              <a:rPr lang="en-GB" dirty="0" err="1">
-                <a:solidFill>
-                  <a:srgbClr val="FF0000"/>
-                </a:solidFill>
-              </a:rPr>
-              <a:t>multimeter</a:t>
-            </a:r>
-            <a:r>
-              <a:rPr lang="en-GB" dirty="0">
-                <a:solidFill>
-                  <a:srgbClr val="FF0000"/>
-                </a:solidFill>
-              </a:rPr>
-              <a:t>, I can still see the electrical carrier signal around 4000 microvolts. When I add the shielding back to the cable it goes down to 1400 microvolts. </a:t>
-            </a:r>
-          </a:p>
-          <a:p>
-            <a:r>
-              <a:rPr lang="en-GB" dirty="0"/>
-              <a:t>- do phantom test with it. PRF focality test. There is no focality. This is really interesting here… </a:t>
-            </a:r>
-            <a:r>
-              <a:rPr lang="en-GB" dirty="0">
-                <a:solidFill>
-                  <a:srgbClr val="FF0000"/>
-                </a:solidFill>
-              </a:rPr>
-              <a:t>Need to do a big picture plot of this. </a:t>
-            </a:r>
-          </a:p>
-          <a:p>
-            <a:r>
-              <a:rPr lang="en-GB" dirty="0"/>
-              <a:t>- </a:t>
-            </a:r>
-            <a:r>
-              <a:rPr lang="en-GB" dirty="0" err="1"/>
-              <a:t>ae_calibrate_with_ae</a:t>
-            </a:r>
-            <a:r>
-              <a:rPr lang="en-GB" dirty="0"/>
-              <a:t> 8khz… I am having trouble seeing the focality this way, I think because the current density is everywhere the pressure is. So what I need to do is have pressure, then the dual electrode has one being the current generator, the other the measurement electrode. The third is the reference. </a:t>
-            </a:r>
-          </a:p>
-          <a:p>
-            <a:r>
-              <a:rPr lang="en-GB" dirty="0">
-                <a:solidFill>
-                  <a:srgbClr val="FF0000"/>
-                </a:solidFill>
-              </a:rPr>
-              <a:t>I am currently not answering the question – is any pressure actually coming out with the mineral oil cone? To do this, I either need the hydrophone, or a different set up so I can capture the focus. </a:t>
-            </a:r>
-          </a:p>
-          <a:p>
-            <a:r>
-              <a:rPr lang="en-GB" dirty="0">
-                <a:solidFill>
-                  <a:srgbClr val="FF0000"/>
-                </a:solidFill>
-              </a:rPr>
-              <a:t>It turns out mineral oil dissolves parafilm film, so I had air bubbles… </a:t>
-            </a:r>
+              <a:t>There are several criteria to distinguish neural activities and artefacts in my data: (1) amplitudes; (2) phase; (3) dependence on stim parameters, stim I, carrier frequency, difference frequency; (3) recording outside the brain</a:t>
+            </a:r>
+            <a:r>
+              <a:rPr lang="en-US" dirty="0"/>
+              <a:t> </a:t>
+            </a:r>
+          </a:p>
+          <a:p>
+            <a:endParaRPr lang="en-US" dirty="0"/>
           </a:p>
           <a:p>
             <a:endParaRPr lang="en-GB" dirty="0"/>
-          </a:p>
-          <a:p>
-            <a:r>
-              <a:rPr lang="en-GB" dirty="0"/>
-              <a:t>- BIG NOTE:  If I ramp the voltage to surpass the charge injection limit, I get a lot of non-linearities. This is certainly causing some of my problems. Also, the voltage from the transducer was entering into my applied signal – never good. The acoustoelectric </a:t>
-            </a:r>
-            <a:r>
-              <a:rPr lang="en-GB" dirty="0" err="1"/>
-              <a:t>neuromod</a:t>
-            </a:r>
-            <a:r>
-              <a:rPr lang="en-GB" dirty="0"/>
-              <a:t> paper should be done with the mineral oil in the cone. </a:t>
-            </a:r>
-          </a:p>
-          <a:p>
-            <a:r>
-              <a:rPr lang="en-GB" dirty="0"/>
-              <a:t>- MEP dual signal. </a:t>
-            </a:r>
           </a:p>
         </p:txBody>
       </p:sp>
     </p:spTree>
     <p:extLst>
       <p:ext uri="{BB962C8B-B14F-4D97-AF65-F5344CB8AC3E}">
-        <p14:creationId xmlns:p14="http://schemas.microsoft.com/office/powerpoint/2010/main" val="805456055"/>
+        <p14:creationId xmlns:p14="http://schemas.microsoft.com/office/powerpoint/2010/main" val="2200337124"/>
       </p:ext>
     </p:extLst>
   </p:cSld>
@@ -15967,7 +17550,7 @@
           <p:cNvPr id="2" name="Title 1">
             <a:extLst>
               <a:ext uri="{FF2B5EF4-FFF2-40B4-BE49-F238E27FC236}">
-                <a16:creationId xmlns:a16="http://schemas.microsoft.com/office/drawing/2014/main" id="{B4CFEA1D-9574-0F7A-01AC-A13274C271E2}"/>
+                <a16:creationId xmlns:a16="http://schemas.microsoft.com/office/drawing/2014/main" id="{F0978DAF-9282-B3BD-2246-9D2838CD9710}"/>
               </a:ext>
             </a:extLst>
           </p:cNvPr>
@@ -15980,158 +17563,70 @@
         </p:nvSpPr>
         <p:spPr>
           <a:xfrm>
-            <a:off x="838200" y="365125"/>
-            <a:ext cx="10515600" cy="619613"/>
-          </a:xfrm>
-        </p:spPr>
-        <p:txBody>
-          <a:bodyPr>
-            <a:normAutofit/>
-          </a:bodyPr>
-          <a:lstStyle/>
-          <a:p>
-            <a:r>
-              <a:rPr lang="en-GB" sz="2800" dirty="0"/>
-              <a:t>Alternate methods for determining whether it is caused by: </a:t>
-            </a:r>
-          </a:p>
-        </p:txBody>
-      </p:sp>
-      <p:sp>
-        <p:nvSpPr>
-          <p:cNvPr id="3" name="Content Placeholder 2">
-            <a:extLst>
-              <a:ext uri="{FF2B5EF4-FFF2-40B4-BE49-F238E27FC236}">
-                <a16:creationId xmlns:a16="http://schemas.microsoft.com/office/drawing/2014/main" id="{12DD56B3-4E6F-C695-1727-A3AA6E5D8919}"/>
-              </a:ext>
-            </a:extLst>
-          </p:cNvPr>
-          <p:cNvSpPr>
-            <a:spLocks noGrp="1"/>
-          </p:cNvSpPr>
-          <p:nvPr>
-            <p:ph idx="1"/>
-          </p:nvPr>
-        </p:nvSpPr>
-        <p:spPr>
-          <a:xfrm>
-            <a:off x="445477" y="1272503"/>
-            <a:ext cx="11301045" cy="4312993"/>
-          </a:xfrm>
-        </p:spPr>
-        <p:txBody>
-          <a:bodyPr>
-            <a:normAutofit fontScale="55000" lnSpcReduction="20000"/>
-          </a:bodyPr>
-          <a:lstStyle/>
-          <a:p>
-            <a:pPr marL="514350" indent="-514350">
-              <a:buFont typeface="+mj-lt"/>
-              <a:buAutoNum type="arabicPeriod"/>
-            </a:pPr>
-            <a:r>
-              <a:rPr lang="en-GB" dirty="0"/>
-              <a:t>Electric signal mixing with acoustic signal. </a:t>
-            </a:r>
-          </a:p>
-          <a:p>
-            <a:pPr marL="0" indent="0">
-              <a:buNone/>
-            </a:pPr>
+            <a:off x="838200" y="0"/>
+            <a:ext cx="10515600" cy="870117"/>
+          </a:xfrm>
+        </p:spPr>
+        <p:txBody>
+          <a:bodyPr/>
+          <a:lstStyle/>
+          <a:p>
+            <a:r>
+              <a:rPr lang="en-US" dirty="0"/>
+              <a:t>Xiaoqi </a:t>
+            </a:r>
+            <a:r>
+              <a:rPr lang="en-US" dirty="0" err="1"/>
+              <a:t>df</a:t>
+            </a:r>
+            <a:r>
+              <a:rPr lang="en-US" dirty="0"/>
+              <a:t> data. </a:t>
+            </a:r>
             <a:endParaRPr lang="en-GB" dirty="0"/>
           </a:p>
-          <a:p>
-            <a:pPr marL="514350" indent="-514350">
-              <a:buFont typeface="+mj-lt"/>
-              <a:buAutoNum type="arabicPeriod"/>
-            </a:pPr>
-            <a:r>
-              <a:rPr lang="en-GB" dirty="0"/>
-              <a:t>Electric signal mixing with electric signal. </a:t>
-            </a:r>
-          </a:p>
-          <a:p>
-            <a:pPr marL="0" indent="0">
-              <a:buNone/>
-            </a:pPr>
-            <a:r>
-              <a:rPr lang="en-GB" dirty="0"/>
-              <a:t>If this is the case, the stimulation area would not be focal. Show that it is focal. i.e. the PRF *PRF data that I already have? </a:t>
-            </a:r>
-          </a:p>
-          <a:p>
-            <a:pPr marL="514350" indent="-514350">
-              <a:buFont typeface="+mj-lt"/>
-              <a:buAutoNum type="arabicPeriod"/>
-            </a:pPr>
-            <a:r>
-              <a:rPr lang="en-GB" dirty="0"/>
-              <a:t>Acoustic signal mixing with acoustic signal.</a:t>
-            </a:r>
-          </a:p>
-          <a:p>
-            <a:pPr marL="0" indent="0">
-              <a:buNone/>
-            </a:pPr>
-            <a:r>
-              <a:rPr lang="en-GB" dirty="0"/>
-              <a:t>Show that this doesn’t occur through the PRF test I have already done.</a:t>
-            </a:r>
-          </a:p>
-          <a:p>
-            <a:pPr marL="0" indent="0">
-              <a:buNone/>
-            </a:pPr>
-            <a:endParaRPr lang="en-GB" dirty="0"/>
-          </a:p>
-          <a:p>
-            <a:pPr marL="0" indent="0">
-              <a:buNone/>
-            </a:pPr>
-            <a:r>
-              <a:rPr lang="en-GB" dirty="0"/>
-              <a:t>What if the electric signal from the ultrasound is in solution, thus entering into the output of my signal generation? (well, that is why it is isolated…).. This… is also why it’d be better to shield the US electrically. Firstly though – prove that I am having this issue. </a:t>
-            </a:r>
-          </a:p>
-          <a:p>
-            <a:pPr marL="0" indent="0">
-              <a:buNone/>
-            </a:pPr>
-            <a:endParaRPr lang="en-GB" dirty="0"/>
-          </a:p>
-          <a:p>
-            <a:pPr marL="0" indent="0">
-              <a:buNone/>
-            </a:pPr>
-            <a:r>
-              <a:rPr lang="en-GB" dirty="0"/>
-              <a:t>TODO:   can I use F21 and measure pressure with the hydrophone? </a:t>
-            </a:r>
-          </a:p>
-          <a:p>
-            <a:pPr marL="0" indent="0">
-              <a:buNone/>
-            </a:pPr>
-            <a:r>
-              <a:rPr lang="en-GB" dirty="0"/>
-              <a:t>Can I fill cone with mineral oil, and measure pressure with the hydrophone?</a:t>
-            </a:r>
-          </a:p>
-          <a:p>
-            <a:pPr marL="0" indent="0">
-              <a:buNone/>
-            </a:pPr>
-            <a:r>
-              <a:rPr lang="en-GB" dirty="0"/>
-              <a:t>Do a focality map of the difference frequency generated at 10Hz. </a:t>
-            </a:r>
-          </a:p>
-        </p:txBody>
-      </p:sp>
+        </p:txBody>
+      </p:sp>
+      <p:pic>
+        <p:nvPicPr>
+          <p:cNvPr id="5" name="Picture 4" descr="A screenshot of a computer screen">
+            <a:extLst>
+              <a:ext uri="{FF2B5EF4-FFF2-40B4-BE49-F238E27FC236}">
+                <a16:creationId xmlns:a16="http://schemas.microsoft.com/office/drawing/2014/main" id="{B1BDA824-0DC2-A9D6-7741-BFBA19ECB576}"/>
+              </a:ext>
+            </a:extLst>
+          </p:cNvPr>
+          <p:cNvPicPr>
+            <a:picLocks noChangeAspect="1"/>
+          </p:cNvPicPr>
+          <p:nvPr/>
+        </p:nvPicPr>
+        <p:blipFill>
+          <a:blip r:embed="rId2">
+            <a:extLst>
+              <a:ext uri="{28A0092B-C50C-407E-A947-70E740481C1C}">
+                <a14:useLocalDpi xmlns:a14="http://schemas.microsoft.com/office/drawing/2010/main" val="0"/>
+              </a:ext>
+            </a:extLst>
+          </a:blip>
+          <a:stretch>
+            <a:fillRect/>
+          </a:stretch>
+        </p:blipFill>
+        <p:spPr>
+          <a:xfrm>
+            <a:off x="0" y="712120"/>
+            <a:ext cx="12192000" cy="6624281"/>
+          </a:xfrm>
+          <a:prstGeom prst="rect">
+            <a:avLst/>
+          </a:prstGeom>
+        </p:spPr>
+      </p:pic>
     </p:spTree>
     <p:extLst>
       <p:ext uri="{BB962C8B-B14F-4D97-AF65-F5344CB8AC3E}">
-        <p14:creationId xmlns:p14="http://schemas.microsoft.com/office/powerpoint/2010/main" val="620031804"/>
+        <p14:creationId xmlns:p14="http://schemas.microsoft.com/office/powerpoint/2010/main" val="2818775909"/>
       </p:ext>
     </p:extLst>
   </p:cSld>
@@ -16163,6 +17658,1039 @@
           <p:cNvPr id="2" name="Title 1">
             <a:extLst>
               <a:ext uri="{FF2B5EF4-FFF2-40B4-BE49-F238E27FC236}">
+                <a16:creationId xmlns:a16="http://schemas.microsoft.com/office/drawing/2014/main" id="{20F80758-6C78-59D8-2158-643582113A75}"/>
+              </a:ext>
+            </a:extLst>
+          </p:cNvPr>
+          <p:cNvSpPr>
+            <a:spLocks noGrp="1"/>
+          </p:cNvSpPr>
+          <p:nvPr>
+            <p:ph type="title"/>
+          </p:nvPr>
+        </p:nvSpPr>
+        <p:spPr>
+          <a:xfrm>
+            <a:off x="506628" y="154549"/>
+            <a:ext cx="11380360" cy="873166"/>
+          </a:xfrm>
+        </p:spPr>
+        <p:txBody>
+          <a:bodyPr/>
+          <a:lstStyle/>
+          <a:p>
+            <a:r>
+              <a:rPr lang="en-US" dirty="0"/>
+              <a:t>My data from e113 mouse t2</a:t>
+            </a:r>
+            <a:endParaRPr lang="en-GB" dirty="0"/>
+          </a:p>
+        </p:txBody>
+      </p:sp>
+      <p:sp>
+        <p:nvSpPr>
+          <p:cNvPr id="4" name="TextBox 3">
+            <a:extLst>
+              <a:ext uri="{FF2B5EF4-FFF2-40B4-BE49-F238E27FC236}">
+                <a16:creationId xmlns:a16="http://schemas.microsoft.com/office/drawing/2014/main" id="{D92D03D2-2891-2BBE-D69A-B51E1E629659}"/>
+              </a:ext>
+            </a:extLst>
+          </p:cNvPr>
+          <p:cNvSpPr txBox="1"/>
+          <p:nvPr/>
+        </p:nvSpPr>
+        <p:spPr>
+          <a:xfrm>
+            <a:off x="4635284" y="1536355"/>
+            <a:ext cx="2618132" cy="369332"/>
+          </a:xfrm>
+          <a:prstGeom prst="rect">
+            <a:avLst/>
+          </a:prstGeom>
+          <a:noFill/>
+        </p:spPr>
+        <p:txBody>
+          <a:bodyPr wrap="square" rtlCol="0">
+            <a:spAutoFit/>
+          </a:bodyPr>
+          <a:lstStyle/>
+          <a:p>
+            <a:r>
+              <a:rPr lang="en-US" dirty="0" err="1"/>
+              <a:t>Df</a:t>
+            </a:r>
+            <a:r>
+              <a:rPr lang="en-US" dirty="0"/>
+              <a:t> = 2 (e113 t2 f29)</a:t>
+            </a:r>
+            <a:endParaRPr lang="en-GB" dirty="0"/>
+          </a:p>
+        </p:txBody>
+      </p:sp>
+      <p:sp>
+        <p:nvSpPr>
+          <p:cNvPr id="5" name="TextBox 4">
+            <a:extLst>
+              <a:ext uri="{FF2B5EF4-FFF2-40B4-BE49-F238E27FC236}">
+                <a16:creationId xmlns:a16="http://schemas.microsoft.com/office/drawing/2014/main" id="{49554843-2CB9-D99A-3A58-B84FC1D4742A}"/>
+              </a:ext>
+            </a:extLst>
+          </p:cNvPr>
+          <p:cNvSpPr txBox="1"/>
+          <p:nvPr/>
+        </p:nvSpPr>
+        <p:spPr>
+          <a:xfrm>
+            <a:off x="1348946" y="1536355"/>
+            <a:ext cx="1606378" cy="369332"/>
+          </a:xfrm>
+          <a:prstGeom prst="rect">
+            <a:avLst/>
+          </a:prstGeom>
+          <a:noFill/>
+        </p:spPr>
+        <p:txBody>
+          <a:bodyPr wrap="square" rtlCol="0">
+            <a:spAutoFit/>
+          </a:bodyPr>
+          <a:lstStyle/>
+          <a:p>
+            <a:r>
+              <a:rPr lang="en-US" dirty="0" err="1"/>
+              <a:t>Df</a:t>
+            </a:r>
+            <a:r>
+              <a:rPr lang="en-US" dirty="0"/>
+              <a:t> = 1</a:t>
+            </a:r>
+            <a:endParaRPr lang="en-GB" dirty="0"/>
+          </a:p>
+        </p:txBody>
+      </p:sp>
+      <p:pic>
+        <p:nvPicPr>
+          <p:cNvPr id="7" name="Picture 6" descr="A graph of a graph of a graph&#10;&#10;Description automatically generated with medium confidence">
+            <a:extLst>
+              <a:ext uri="{FF2B5EF4-FFF2-40B4-BE49-F238E27FC236}">
+                <a16:creationId xmlns:a16="http://schemas.microsoft.com/office/drawing/2014/main" id="{695D2A74-F98D-3657-6B02-9CBE2C7E4847}"/>
+              </a:ext>
+            </a:extLst>
+          </p:cNvPr>
+          <p:cNvPicPr>
+            <a:picLocks noChangeAspect="1"/>
+          </p:cNvPicPr>
+          <p:nvPr/>
+        </p:nvPicPr>
+        <p:blipFill>
+          <a:blip r:embed="rId2">
+            <a:extLst>
+              <a:ext uri="{28A0092B-C50C-407E-A947-70E740481C1C}">
+                <a14:useLocalDpi xmlns:a14="http://schemas.microsoft.com/office/drawing/2010/main" val="0"/>
+              </a:ext>
+            </a:extLst>
+          </a:blip>
+          <a:stretch>
+            <a:fillRect/>
+          </a:stretch>
+        </p:blipFill>
+        <p:spPr>
+          <a:xfrm>
+            <a:off x="4254306" y="1998842"/>
+            <a:ext cx="3891489" cy="2293117"/>
+          </a:xfrm>
+          <a:prstGeom prst="rect">
+            <a:avLst/>
+          </a:prstGeom>
+        </p:spPr>
+      </p:pic>
+      <p:sp>
+        <p:nvSpPr>
+          <p:cNvPr id="8" name="TextBox 7">
+            <a:extLst>
+              <a:ext uri="{FF2B5EF4-FFF2-40B4-BE49-F238E27FC236}">
+                <a16:creationId xmlns:a16="http://schemas.microsoft.com/office/drawing/2014/main" id="{70111BBE-2B55-78CF-AE9F-EEFFE6CA9392}"/>
+              </a:ext>
+            </a:extLst>
+          </p:cNvPr>
+          <p:cNvSpPr txBox="1"/>
+          <p:nvPr/>
+        </p:nvSpPr>
+        <p:spPr>
+          <a:xfrm>
+            <a:off x="8612100" y="1567247"/>
+            <a:ext cx="2618132" cy="369332"/>
+          </a:xfrm>
+          <a:prstGeom prst="rect">
+            <a:avLst/>
+          </a:prstGeom>
+          <a:noFill/>
+        </p:spPr>
+        <p:txBody>
+          <a:bodyPr wrap="square" rtlCol="0">
+            <a:spAutoFit/>
+          </a:bodyPr>
+          <a:lstStyle/>
+          <a:p>
+            <a:r>
+              <a:rPr lang="en-US" dirty="0" err="1"/>
+              <a:t>Df</a:t>
+            </a:r>
+            <a:r>
+              <a:rPr lang="en-US" dirty="0"/>
+              <a:t> = 5 (e113 t2 f29)</a:t>
+            </a:r>
+            <a:endParaRPr lang="en-GB" dirty="0"/>
+          </a:p>
+        </p:txBody>
+      </p:sp>
+      <p:pic>
+        <p:nvPicPr>
+          <p:cNvPr id="10" name="Picture 9" descr="A screenshot of a graph&#10;&#10;Description automatically generated">
+            <a:extLst>
+              <a:ext uri="{FF2B5EF4-FFF2-40B4-BE49-F238E27FC236}">
+                <a16:creationId xmlns:a16="http://schemas.microsoft.com/office/drawing/2014/main" id="{CD401F6B-D541-52E7-C562-45CD0C02D7EB}"/>
+              </a:ext>
+            </a:extLst>
+          </p:cNvPr>
+          <p:cNvPicPr>
+            <a:picLocks noChangeAspect="1"/>
+          </p:cNvPicPr>
+          <p:nvPr/>
+        </p:nvPicPr>
+        <p:blipFill>
+          <a:blip r:embed="rId3">
+            <a:extLst>
+              <a:ext uri="{28A0092B-C50C-407E-A947-70E740481C1C}">
+                <a14:useLocalDpi xmlns:a14="http://schemas.microsoft.com/office/drawing/2010/main" val="0"/>
+              </a:ext>
+            </a:extLst>
+          </a:blip>
+          <a:stretch>
+            <a:fillRect/>
+          </a:stretch>
+        </p:blipFill>
+        <p:spPr>
+          <a:xfrm>
+            <a:off x="305013" y="1972867"/>
+            <a:ext cx="3873325" cy="2293117"/>
+          </a:xfrm>
+          <a:prstGeom prst="rect">
+            <a:avLst/>
+          </a:prstGeom>
+        </p:spPr>
+      </p:pic>
+      <p:pic>
+        <p:nvPicPr>
+          <p:cNvPr id="12" name="Picture 11" descr="A screenshot of a graph&#10;&#10;Description automatically generated">
+            <a:extLst>
+              <a:ext uri="{FF2B5EF4-FFF2-40B4-BE49-F238E27FC236}">
+                <a16:creationId xmlns:a16="http://schemas.microsoft.com/office/drawing/2014/main" id="{DAD58036-80BA-F0F3-43EE-ACD9E8C0B4C0}"/>
+              </a:ext>
+            </a:extLst>
+          </p:cNvPr>
+          <p:cNvPicPr>
+            <a:picLocks noChangeAspect="1"/>
+          </p:cNvPicPr>
+          <p:nvPr/>
+        </p:nvPicPr>
+        <p:blipFill>
+          <a:blip r:embed="rId4">
+            <a:extLst>
+              <a:ext uri="{28A0092B-C50C-407E-A947-70E740481C1C}">
+                <a14:useLocalDpi xmlns:a14="http://schemas.microsoft.com/office/drawing/2010/main" val="0"/>
+              </a:ext>
+            </a:extLst>
+          </a:blip>
+          <a:stretch>
+            <a:fillRect/>
+          </a:stretch>
+        </p:blipFill>
+        <p:spPr>
+          <a:xfrm>
+            <a:off x="8145795" y="2024819"/>
+            <a:ext cx="3741192" cy="2241165"/>
+          </a:xfrm>
+          <a:prstGeom prst="rect">
+            <a:avLst/>
+          </a:prstGeom>
+        </p:spPr>
+      </p:pic>
+      <p:sp>
+        <p:nvSpPr>
+          <p:cNvPr id="13" name="TextBox 12">
+            <a:extLst>
+              <a:ext uri="{FF2B5EF4-FFF2-40B4-BE49-F238E27FC236}">
+                <a16:creationId xmlns:a16="http://schemas.microsoft.com/office/drawing/2014/main" id="{83FFCDB3-3164-069B-F61D-C4FDD74E467E}"/>
+              </a:ext>
+            </a:extLst>
+          </p:cNvPr>
+          <p:cNvSpPr txBox="1"/>
+          <p:nvPr/>
+        </p:nvSpPr>
+        <p:spPr>
+          <a:xfrm>
+            <a:off x="999496" y="4265984"/>
+            <a:ext cx="2618132" cy="369332"/>
+          </a:xfrm>
+          <a:prstGeom prst="rect">
+            <a:avLst/>
+          </a:prstGeom>
+          <a:noFill/>
+        </p:spPr>
+        <p:txBody>
+          <a:bodyPr wrap="square" rtlCol="0">
+            <a:spAutoFit/>
+          </a:bodyPr>
+          <a:lstStyle/>
+          <a:p>
+            <a:r>
+              <a:rPr lang="en-US" dirty="0" err="1"/>
+              <a:t>Df</a:t>
+            </a:r>
+            <a:r>
+              <a:rPr lang="en-US" dirty="0"/>
+              <a:t> = 10 (e113 t2 f29)</a:t>
+            </a:r>
+            <a:endParaRPr lang="en-GB" dirty="0"/>
+          </a:p>
+        </p:txBody>
+      </p:sp>
+      <p:pic>
+        <p:nvPicPr>
+          <p:cNvPr id="15" name="Picture 14" descr="A screenshot of a graph&#10;&#10;Description automatically generated">
+            <a:extLst>
+              <a:ext uri="{FF2B5EF4-FFF2-40B4-BE49-F238E27FC236}">
+                <a16:creationId xmlns:a16="http://schemas.microsoft.com/office/drawing/2014/main" id="{A7306579-4100-50F0-C2D9-DB8A7A9C26BF}"/>
+              </a:ext>
+            </a:extLst>
+          </p:cNvPr>
+          <p:cNvPicPr>
+            <a:picLocks noChangeAspect="1"/>
+          </p:cNvPicPr>
+          <p:nvPr/>
+        </p:nvPicPr>
+        <p:blipFill>
+          <a:blip r:embed="rId5">
+            <a:extLst>
+              <a:ext uri="{28A0092B-C50C-407E-A947-70E740481C1C}">
+                <a14:useLocalDpi xmlns:a14="http://schemas.microsoft.com/office/drawing/2010/main" val="0"/>
+              </a:ext>
+            </a:extLst>
+          </a:blip>
+          <a:stretch>
+            <a:fillRect/>
+          </a:stretch>
+        </p:blipFill>
+        <p:spPr>
+          <a:xfrm>
+            <a:off x="362818" y="4635316"/>
+            <a:ext cx="3653128" cy="2162756"/>
+          </a:xfrm>
+          <a:prstGeom prst="rect">
+            <a:avLst/>
+          </a:prstGeom>
+        </p:spPr>
+      </p:pic>
+      <p:sp>
+        <p:nvSpPr>
+          <p:cNvPr id="16" name="TextBox 15">
+            <a:extLst>
+              <a:ext uri="{FF2B5EF4-FFF2-40B4-BE49-F238E27FC236}">
+                <a16:creationId xmlns:a16="http://schemas.microsoft.com/office/drawing/2014/main" id="{2B127092-E814-1083-F8A1-66A9A3127DC2}"/>
+              </a:ext>
+            </a:extLst>
+          </p:cNvPr>
+          <p:cNvSpPr txBox="1"/>
+          <p:nvPr/>
+        </p:nvSpPr>
+        <p:spPr>
+          <a:xfrm>
+            <a:off x="4399005" y="4732638"/>
+            <a:ext cx="7487982" cy="1200329"/>
+          </a:xfrm>
+          <a:prstGeom prst="rect">
+            <a:avLst/>
+          </a:prstGeom>
+          <a:noFill/>
+        </p:spPr>
+        <p:txBody>
+          <a:bodyPr wrap="square" rtlCol="0">
+            <a:spAutoFit/>
+          </a:bodyPr>
+          <a:lstStyle/>
+          <a:p>
+            <a:r>
+              <a:rPr lang="en-US" dirty="0"/>
+              <a:t>The phase does not shift. This suggests that it is artefact and not neural. </a:t>
+            </a:r>
+          </a:p>
+          <a:p>
+            <a:r>
+              <a:rPr lang="en-US" dirty="0"/>
+              <a:t>The amplitude is wrong, the phase dependence is wrong, recording outside the brain is wrong(phantom), diff frequency ramp is wrong. This result is due to mixing in the preamp at </a:t>
+            </a:r>
+            <a:r>
+              <a:rPr lang="en-US"/>
+              <a:t>high amplitude common mode. </a:t>
+            </a:r>
+            <a:endParaRPr lang="en-GB" dirty="0"/>
+          </a:p>
+        </p:txBody>
+      </p:sp>
+    </p:spTree>
+    <p:extLst>
+      <p:ext uri="{BB962C8B-B14F-4D97-AF65-F5344CB8AC3E}">
+        <p14:creationId xmlns:p14="http://schemas.microsoft.com/office/powerpoint/2010/main" val="4257811973"/>
+      </p:ext>
+    </p:extLst>
+  </p:cSld>
+  <p:clrMapOvr>
+    <a:masterClrMapping/>
+  </p:clrMapOvr>
+</p:sld>
+</file>
+
+<file path=ppt/slides/slide34.xml><?xml version="1.0" encoding="utf-8"?>
+<p:sld xmlns:a="http://schemas.openxmlformats.org/drawingml/2006/main" xmlns:r="http://schemas.openxmlformats.org/officeDocument/2006/relationships" xmlns:p="http://schemas.openxmlformats.org/presentationml/2006/main">
+  <p:cSld>
+    <p:spTree>
+      <p:nvGrpSpPr>
+        <p:cNvPr id="1" name=""/>
+        <p:cNvGrpSpPr/>
+        <p:nvPr/>
+      </p:nvGrpSpPr>
+      <p:grpSpPr>
+        <a:xfrm>
+          <a:off x="0" y="0"/>
+          <a:ext cx="0" cy="0"/>
+          <a:chOff x="0" y="0"/>
+          <a:chExt cx="0" cy="0"/>
+        </a:xfrm>
+      </p:grpSpPr>
+      <p:sp>
+        <p:nvSpPr>
+          <p:cNvPr id="2" name="Title 1">
+            <a:extLst>
+              <a:ext uri="{FF2B5EF4-FFF2-40B4-BE49-F238E27FC236}">
+                <a16:creationId xmlns:a16="http://schemas.microsoft.com/office/drawing/2014/main" id="{2B6BC075-B5C8-5B9B-5184-6605FD974A1D}"/>
+              </a:ext>
+            </a:extLst>
+          </p:cNvPr>
+          <p:cNvSpPr>
+            <a:spLocks noGrp="1"/>
+          </p:cNvSpPr>
+          <p:nvPr>
+            <p:ph type="title"/>
+          </p:nvPr>
+        </p:nvSpPr>
+        <p:spPr/>
+        <p:txBody>
+          <a:bodyPr/>
+          <a:lstStyle/>
+          <a:p>
+            <a:endParaRPr lang="en-GB"/>
+          </a:p>
+        </p:txBody>
+      </p:sp>
+      <p:sp>
+        <p:nvSpPr>
+          <p:cNvPr id="3" name="Content Placeholder 2">
+            <a:extLst>
+              <a:ext uri="{FF2B5EF4-FFF2-40B4-BE49-F238E27FC236}">
+                <a16:creationId xmlns:a16="http://schemas.microsoft.com/office/drawing/2014/main" id="{DABC9715-029D-E433-46AE-F5E41FF4BD75}"/>
+              </a:ext>
+            </a:extLst>
+          </p:cNvPr>
+          <p:cNvSpPr>
+            <a:spLocks noGrp="1"/>
+          </p:cNvSpPr>
+          <p:nvPr>
+            <p:ph idx="1"/>
+          </p:nvPr>
+        </p:nvSpPr>
+        <p:spPr/>
+        <p:txBody>
+          <a:bodyPr/>
+          <a:lstStyle/>
+          <a:p>
+            <a:r>
+              <a:rPr lang="en-US" dirty="0"/>
+              <a:t>High frequencies just go everywhere and are not focal. So we cannot expect great focality with HF TI. </a:t>
+            </a:r>
+          </a:p>
+          <a:p>
+            <a:r>
+              <a:rPr lang="en-US" dirty="0"/>
+              <a:t>I may be able to power the US from the isolation transformer and apply the e field with the rf amplifier? I could go up to higher e fields this way. </a:t>
+            </a:r>
+          </a:p>
+          <a:p>
+            <a:endParaRPr lang="en-GB" dirty="0"/>
+          </a:p>
+        </p:txBody>
+      </p:sp>
+    </p:spTree>
+    <p:extLst>
+      <p:ext uri="{BB962C8B-B14F-4D97-AF65-F5344CB8AC3E}">
+        <p14:creationId xmlns:p14="http://schemas.microsoft.com/office/powerpoint/2010/main" val="1697545966"/>
+      </p:ext>
+    </p:extLst>
+  </p:cSld>
+  <p:clrMapOvr>
+    <a:masterClrMapping/>
+  </p:clrMapOvr>
+</p:sld>
+</file>
+
+<file path=ppt/slides/slide35.xml><?xml version="1.0" encoding="utf-8"?>
+<p:sld xmlns:a="http://schemas.openxmlformats.org/drawingml/2006/main" xmlns:r="http://schemas.openxmlformats.org/officeDocument/2006/relationships" xmlns:p="http://schemas.openxmlformats.org/presentationml/2006/main">
+  <p:cSld>
+    <p:spTree>
+      <p:nvGrpSpPr>
+        <p:cNvPr id="1" name=""/>
+        <p:cNvGrpSpPr/>
+        <p:nvPr/>
+      </p:nvGrpSpPr>
+      <p:grpSpPr>
+        <a:xfrm>
+          <a:off x="0" y="0"/>
+          <a:ext cx="0" cy="0"/>
+          <a:chOff x="0" y="0"/>
+          <a:chExt cx="0" cy="0"/>
+        </a:xfrm>
+      </p:grpSpPr>
+      <p:sp>
+        <p:nvSpPr>
+          <p:cNvPr id="2" name="Title 1">
+            <a:extLst>
+              <a:ext uri="{FF2B5EF4-FFF2-40B4-BE49-F238E27FC236}">
+                <a16:creationId xmlns:a16="http://schemas.microsoft.com/office/drawing/2014/main" id="{6C50E011-62F5-8634-E02D-745A82F14EBB}"/>
+              </a:ext>
+            </a:extLst>
+          </p:cNvPr>
+          <p:cNvSpPr>
+            <a:spLocks noGrp="1"/>
+          </p:cNvSpPr>
+          <p:nvPr>
+            <p:ph type="title"/>
+          </p:nvPr>
+        </p:nvSpPr>
+        <p:spPr>
+          <a:xfrm>
+            <a:off x="415637" y="365125"/>
+            <a:ext cx="11447812" cy="1048039"/>
+          </a:xfrm>
+        </p:spPr>
+        <p:txBody>
+          <a:bodyPr/>
+          <a:lstStyle/>
+          <a:p>
+            <a:endParaRPr lang="en-GB" dirty="0"/>
+          </a:p>
+        </p:txBody>
+      </p:sp>
+      <p:sp>
+        <p:nvSpPr>
+          <p:cNvPr id="3" name="Content Placeholder 2">
+            <a:extLst>
+              <a:ext uri="{FF2B5EF4-FFF2-40B4-BE49-F238E27FC236}">
+                <a16:creationId xmlns:a16="http://schemas.microsoft.com/office/drawing/2014/main" id="{E095113B-7336-5C13-F41C-19DC17B1C6A3}"/>
+              </a:ext>
+            </a:extLst>
+          </p:cNvPr>
+          <p:cNvSpPr>
+            <a:spLocks noGrp="1"/>
+          </p:cNvSpPr>
+          <p:nvPr>
+            <p:ph idx="1"/>
+          </p:nvPr>
+        </p:nvSpPr>
+        <p:spPr>
+          <a:xfrm>
+            <a:off x="415637" y="1805651"/>
+            <a:ext cx="11447812" cy="4687224"/>
+          </a:xfrm>
+        </p:spPr>
+        <p:txBody>
+          <a:bodyPr>
+            <a:normAutofit lnSpcReduction="10000"/>
+          </a:bodyPr>
+          <a:lstStyle/>
+          <a:p>
+            <a:r>
+              <a:rPr lang="en-GB" dirty="0"/>
+              <a:t>Why did my file interpretation seem different from the files in the folder yesterday? Something weird happened? From the data analysis, mineral oil seemed like a great option. </a:t>
+            </a:r>
+          </a:p>
+          <a:p>
+            <a:r>
+              <a:rPr lang="en-GB" dirty="0"/>
+              <a:t>Can I see 10Hz acoustoelectric focality using a mineral oil filled cone? (Previously I did this with the same two stim/measure electrodes..(e97_meps t3)) – would need to work on the </a:t>
+            </a:r>
+            <a:r>
+              <a:rPr lang="en-GB" dirty="0" err="1"/>
+              <a:t>daq</a:t>
+            </a:r>
+            <a:r>
+              <a:rPr lang="en-GB" dirty="0"/>
+              <a:t> ranges here. </a:t>
+            </a:r>
+          </a:p>
+          <a:p>
+            <a:r>
+              <a:rPr lang="en-GB" dirty="0"/>
+              <a:t>What does the PRF look like using a mineral oil filled cone? Does it have focality?</a:t>
+            </a:r>
+          </a:p>
+          <a:p>
+            <a:r>
+              <a:rPr lang="en-GB" dirty="0"/>
+              <a:t>Phantom test with higher resolution voltage monitor – do I see the difference frequency appear when using a water filled cone? I will then need to apply this signal separately - </a:t>
+            </a:r>
+          </a:p>
+        </p:txBody>
+      </p:sp>
+    </p:spTree>
+    <p:extLst>
+      <p:ext uri="{BB962C8B-B14F-4D97-AF65-F5344CB8AC3E}">
+        <p14:creationId xmlns:p14="http://schemas.microsoft.com/office/powerpoint/2010/main" val="719022803"/>
+      </p:ext>
+    </p:extLst>
+  </p:cSld>
+  <p:clrMapOvr>
+    <a:masterClrMapping/>
+  </p:clrMapOvr>
+</p:sld>
+</file>
+
+<file path=ppt/slides/slide36.xml><?xml version="1.0" encoding="utf-8"?>
+<p:sld xmlns:a="http://schemas.openxmlformats.org/drawingml/2006/main" xmlns:r="http://schemas.openxmlformats.org/officeDocument/2006/relationships" xmlns:p="http://schemas.openxmlformats.org/presentationml/2006/main">
+  <p:cSld>
+    <p:spTree>
+      <p:nvGrpSpPr>
+        <p:cNvPr id="1" name=""/>
+        <p:cNvGrpSpPr/>
+        <p:nvPr/>
+      </p:nvGrpSpPr>
+      <p:grpSpPr>
+        <a:xfrm>
+          <a:off x="0" y="0"/>
+          <a:ext cx="0" cy="0"/>
+          <a:chOff x="0" y="0"/>
+          <a:chExt cx="0" cy="0"/>
+        </a:xfrm>
+      </p:grpSpPr>
+      <p:sp>
+        <p:nvSpPr>
+          <p:cNvPr id="2" name="Title 1">
+            <a:extLst>
+              <a:ext uri="{FF2B5EF4-FFF2-40B4-BE49-F238E27FC236}">
+                <a16:creationId xmlns:a16="http://schemas.microsoft.com/office/drawing/2014/main" id="{A2E3A4E2-8D59-EAAF-910B-B89B6C418D0A}"/>
+              </a:ext>
+            </a:extLst>
+          </p:cNvPr>
+          <p:cNvSpPr>
+            <a:spLocks noGrp="1"/>
+          </p:cNvSpPr>
+          <p:nvPr>
+            <p:ph type="title"/>
+          </p:nvPr>
+        </p:nvSpPr>
+        <p:spPr>
+          <a:xfrm>
+            <a:off x="217118" y="37578"/>
+            <a:ext cx="11497056" cy="890651"/>
+          </a:xfrm>
+        </p:spPr>
+        <p:txBody>
+          <a:bodyPr>
+            <a:normAutofit/>
+          </a:bodyPr>
+          <a:lstStyle/>
+          <a:p>
+            <a:pPr algn="ctr"/>
+            <a:r>
+              <a:rPr lang="en-GB" sz="2400" dirty="0"/>
+              <a:t>Could it be electrical mixing from the PRF of the applied ultrasound be mixing with the applied voltage? i.e. all EM mixing? </a:t>
+            </a:r>
+          </a:p>
+        </p:txBody>
+      </p:sp>
+      <p:sp>
+        <p:nvSpPr>
+          <p:cNvPr id="4" name="TextBox 3">
+            <a:extLst>
+              <a:ext uri="{FF2B5EF4-FFF2-40B4-BE49-F238E27FC236}">
+                <a16:creationId xmlns:a16="http://schemas.microsoft.com/office/drawing/2014/main" id="{379EBFB0-DEF7-0D5A-9237-4B905C8FC680}"/>
+              </a:ext>
+            </a:extLst>
+          </p:cNvPr>
+          <p:cNvSpPr txBox="1"/>
+          <p:nvPr/>
+        </p:nvSpPr>
+        <p:spPr>
+          <a:xfrm>
+            <a:off x="365760" y="862311"/>
+            <a:ext cx="11609122" cy="5632311"/>
+          </a:xfrm>
+          <a:prstGeom prst="rect">
+            <a:avLst/>
+          </a:prstGeom>
+          <a:noFill/>
+        </p:spPr>
+        <p:txBody>
+          <a:bodyPr wrap="square" rtlCol="0">
+            <a:spAutoFit/>
+          </a:bodyPr>
+          <a:lstStyle/>
+          <a:p>
+            <a:r>
+              <a:rPr lang="en-GB" dirty="0"/>
+              <a:t>WE KNOW MIXING IS OCCURING as there is nothing at the difference frequency from the applied signals. (Wait: it is possible I am just below the noise floor of my voltage and rf monitors so I don’t know this for sure? )</a:t>
+            </a:r>
+          </a:p>
+          <a:p>
+            <a:r>
+              <a:rPr lang="en-GB" dirty="0"/>
+              <a:t>However, we do not know if we are mixing the electric signal from the ultrasound with the applied electric signal, or the acoustic signal is mixing with the applied electric signal? </a:t>
+            </a:r>
+          </a:p>
+          <a:p>
+            <a:r>
+              <a:rPr lang="en-GB" dirty="0"/>
+              <a:t>Fill cone with mineral oil as an electrical insulator. </a:t>
+            </a:r>
+          </a:p>
+          <a:p>
+            <a:r>
+              <a:rPr lang="en-GB" dirty="0">
+                <a:solidFill>
+                  <a:srgbClr val="FF0000"/>
+                </a:solidFill>
+              </a:rPr>
+              <a:t>RESULT: though it has no conductance as measured with </a:t>
+            </a:r>
+            <a:r>
+              <a:rPr lang="en-GB" dirty="0" err="1">
+                <a:solidFill>
+                  <a:srgbClr val="FF0000"/>
+                </a:solidFill>
+              </a:rPr>
+              <a:t>multimeter</a:t>
+            </a:r>
+            <a:r>
+              <a:rPr lang="en-GB" dirty="0">
+                <a:solidFill>
+                  <a:srgbClr val="FF0000"/>
+                </a:solidFill>
+              </a:rPr>
+              <a:t>, I can still see the electrical carrier signal around 4000 microvolts. When I add the shielding back to the cable it goes down to 1400 microvolts. </a:t>
+            </a:r>
+          </a:p>
+          <a:p>
+            <a:r>
+              <a:rPr lang="en-GB" dirty="0"/>
+              <a:t>- do phantom test with it. PRF focality test. There is no focality. This is really interesting here… </a:t>
+            </a:r>
+            <a:r>
+              <a:rPr lang="en-GB" dirty="0">
+                <a:solidFill>
+                  <a:srgbClr val="FF0000"/>
+                </a:solidFill>
+              </a:rPr>
+              <a:t>Need to do a big picture plot of this. </a:t>
+            </a:r>
+          </a:p>
+          <a:p>
+            <a:r>
+              <a:rPr lang="en-GB" dirty="0"/>
+              <a:t>- </a:t>
+            </a:r>
+            <a:r>
+              <a:rPr lang="en-GB" dirty="0" err="1"/>
+              <a:t>ae_calibrate_with_ae</a:t>
+            </a:r>
+            <a:r>
+              <a:rPr lang="en-GB" dirty="0"/>
+              <a:t> 8khz… I am having trouble seeing the focality this way, I think because the current density is everywhere the pressure is. So what I need to do is have pressure, then the dual electrode has one being the current generator, the other the measurement electrode. The third is the reference. </a:t>
+            </a:r>
+          </a:p>
+          <a:p>
+            <a:r>
+              <a:rPr lang="en-GB" dirty="0">
+                <a:solidFill>
+                  <a:srgbClr val="FF0000"/>
+                </a:solidFill>
+              </a:rPr>
+              <a:t>I am currently not answering the question – is any pressure actually coming out with the mineral oil cone? To do this, I either need the hydrophone, or a different set up so I can capture the focus. </a:t>
+            </a:r>
+          </a:p>
+          <a:p>
+            <a:r>
+              <a:rPr lang="en-GB" dirty="0">
+                <a:solidFill>
+                  <a:srgbClr val="FF0000"/>
+                </a:solidFill>
+              </a:rPr>
+              <a:t>It turns out mineral oil dissolves parafilm film, so I had air bubbles… </a:t>
+            </a:r>
+          </a:p>
+          <a:p>
+            <a:endParaRPr lang="en-GB" dirty="0"/>
+          </a:p>
+          <a:p>
+            <a:r>
+              <a:rPr lang="en-GB" dirty="0"/>
+              <a:t>- BIG NOTE:  If I ramp the voltage to surpass the charge injection limit, I get a lot of non-linearities. This is certainly causing some of my problems. Also, the voltage from the transducer was entering into my applied signal – never good. The acoustoelectric </a:t>
+            </a:r>
+            <a:r>
+              <a:rPr lang="en-GB" dirty="0" err="1"/>
+              <a:t>neuromod</a:t>
+            </a:r>
+            <a:r>
+              <a:rPr lang="en-GB" dirty="0"/>
+              <a:t> paper should be done with the mineral oil in the cone. </a:t>
+            </a:r>
+          </a:p>
+          <a:p>
+            <a:r>
+              <a:rPr lang="en-GB" dirty="0"/>
+              <a:t>- MEP dual signal. </a:t>
+            </a:r>
+          </a:p>
+        </p:txBody>
+      </p:sp>
+    </p:spTree>
+    <p:extLst>
+      <p:ext uri="{BB962C8B-B14F-4D97-AF65-F5344CB8AC3E}">
+        <p14:creationId xmlns:p14="http://schemas.microsoft.com/office/powerpoint/2010/main" val="805456055"/>
+      </p:ext>
+    </p:extLst>
+  </p:cSld>
+  <p:clrMapOvr>
+    <a:masterClrMapping/>
+  </p:clrMapOvr>
+</p:sld>
+</file>
+
+<file path=ppt/slides/slide37.xml><?xml version="1.0" encoding="utf-8"?>
+<p:sld xmlns:a="http://schemas.openxmlformats.org/drawingml/2006/main" xmlns:r="http://schemas.openxmlformats.org/officeDocument/2006/relationships" xmlns:p="http://schemas.openxmlformats.org/presentationml/2006/main">
+  <p:cSld>
+    <p:spTree>
+      <p:nvGrpSpPr>
+        <p:cNvPr id="1" name=""/>
+        <p:cNvGrpSpPr/>
+        <p:nvPr/>
+      </p:nvGrpSpPr>
+      <p:grpSpPr>
+        <a:xfrm>
+          <a:off x="0" y="0"/>
+          <a:ext cx="0" cy="0"/>
+          <a:chOff x="0" y="0"/>
+          <a:chExt cx="0" cy="0"/>
+        </a:xfrm>
+      </p:grpSpPr>
+      <p:sp>
+        <p:nvSpPr>
+          <p:cNvPr id="2" name="Title 1">
+            <a:extLst>
+              <a:ext uri="{FF2B5EF4-FFF2-40B4-BE49-F238E27FC236}">
+                <a16:creationId xmlns:a16="http://schemas.microsoft.com/office/drawing/2014/main" id="{B4CFEA1D-9574-0F7A-01AC-A13274C271E2}"/>
+              </a:ext>
+            </a:extLst>
+          </p:cNvPr>
+          <p:cNvSpPr>
+            <a:spLocks noGrp="1"/>
+          </p:cNvSpPr>
+          <p:nvPr>
+            <p:ph type="title"/>
+          </p:nvPr>
+        </p:nvSpPr>
+        <p:spPr>
+          <a:xfrm>
+            <a:off x="838200" y="365125"/>
+            <a:ext cx="10515600" cy="619613"/>
+          </a:xfrm>
+        </p:spPr>
+        <p:txBody>
+          <a:bodyPr>
+            <a:normAutofit/>
+          </a:bodyPr>
+          <a:lstStyle/>
+          <a:p>
+            <a:r>
+              <a:rPr lang="en-GB" sz="2800" dirty="0"/>
+              <a:t>Alternate methods for determining whether it is caused by: </a:t>
+            </a:r>
+          </a:p>
+        </p:txBody>
+      </p:sp>
+      <p:sp>
+        <p:nvSpPr>
+          <p:cNvPr id="3" name="Content Placeholder 2">
+            <a:extLst>
+              <a:ext uri="{FF2B5EF4-FFF2-40B4-BE49-F238E27FC236}">
+                <a16:creationId xmlns:a16="http://schemas.microsoft.com/office/drawing/2014/main" id="{12DD56B3-4E6F-C695-1727-A3AA6E5D8919}"/>
+              </a:ext>
+            </a:extLst>
+          </p:cNvPr>
+          <p:cNvSpPr>
+            <a:spLocks noGrp="1"/>
+          </p:cNvSpPr>
+          <p:nvPr>
+            <p:ph idx="1"/>
+          </p:nvPr>
+        </p:nvSpPr>
+        <p:spPr>
+          <a:xfrm>
+            <a:off x="445477" y="1272503"/>
+            <a:ext cx="11301045" cy="4312993"/>
+          </a:xfrm>
+        </p:spPr>
+        <p:txBody>
+          <a:bodyPr>
+            <a:normAutofit fontScale="55000" lnSpcReduction="20000"/>
+          </a:bodyPr>
+          <a:lstStyle/>
+          <a:p>
+            <a:pPr marL="514350" indent="-514350">
+              <a:buFont typeface="+mj-lt"/>
+              <a:buAutoNum type="arabicPeriod"/>
+            </a:pPr>
+            <a:r>
+              <a:rPr lang="en-GB" dirty="0"/>
+              <a:t>Electric signal mixing with acoustic signal. </a:t>
+            </a:r>
+          </a:p>
+          <a:p>
+            <a:pPr marL="0" indent="0">
+              <a:buNone/>
+            </a:pPr>
+            <a:endParaRPr lang="en-GB" dirty="0"/>
+          </a:p>
+          <a:p>
+            <a:pPr marL="514350" indent="-514350">
+              <a:buFont typeface="+mj-lt"/>
+              <a:buAutoNum type="arabicPeriod"/>
+            </a:pPr>
+            <a:r>
+              <a:rPr lang="en-GB" dirty="0"/>
+              <a:t>Electric signal mixing with electric signal. </a:t>
+            </a:r>
+          </a:p>
+          <a:p>
+            <a:pPr marL="0" indent="0">
+              <a:buNone/>
+            </a:pPr>
+            <a:r>
+              <a:rPr lang="en-GB" dirty="0"/>
+              <a:t>If this is the case, the stimulation area would not be focal. Show that it is focal. i.e. the PRF *PRF data that I already have? </a:t>
+            </a:r>
+          </a:p>
+          <a:p>
+            <a:pPr marL="514350" indent="-514350">
+              <a:buFont typeface="+mj-lt"/>
+              <a:buAutoNum type="arabicPeriod"/>
+            </a:pPr>
+            <a:r>
+              <a:rPr lang="en-GB" dirty="0"/>
+              <a:t>Acoustic signal mixing with acoustic signal.</a:t>
+            </a:r>
+          </a:p>
+          <a:p>
+            <a:pPr marL="0" indent="0">
+              <a:buNone/>
+            </a:pPr>
+            <a:r>
+              <a:rPr lang="en-GB" dirty="0"/>
+              <a:t>Show that this doesn’t occur through the PRF test I have already done.</a:t>
+            </a:r>
+          </a:p>
+          <a:p>
+            <a:pPr marL="0" indent="0">
+              <a:buNone/>
+            </a:pPr>
+            <a:endParaRPr lang="en-GB" dirty="0"/>
+          </a:p>
+          <a:p>
+            <a:pPr marL="0" indent="0">
+              <a:buNone/>
+            </a:pPr>
+            <a:r>
+              <a:rPr lang="en-GB" dirty="0"/>
+              <a:t>What if the electric signal from the ultrasound is in solution, thus entering into the output of my signal generation? (well, that is why it is isolated…).. This… is also why it’d be better to shield the US electrically. Firstly though – prove that I am having this issue. </a:t>
+            </a:r>
+          </a:p>
+          <a:p>
+            <a:pPr marL="0" indent="0">
+              <a:buNone/>
+            </a:pPr>
+            <a:endParaRPr lang="en-GB" dirty="0"/>
+          </a:p>
+          <a:p>
+            <a:pPr marL="0" indent="0">
+              <a:buNone/>
+            </a:pPr>
+            <a:r>
+              <a:rPr lang="en-GB" dirty="0"/>
+              <a:t>TODO:   can I use F21 and measure pressure with the hydrophone? </a:t>
+            </a:r>
+          </a:p>
+          <a:p>
+            <a:pPr marL="0" indent="0">
+              <a:buNone/>
+            </a:pPr>
+            <a:r>
+              <a:rPr lang="en-GB" dirty="0"/>
+              <a:t>Can I fill cone with mineral oil, and measure pressure with the hydrophone?</a:t>
+            </a:r>
+          </a:p>
+          <a:p>
+            <a:pPr marL="0" indent="0">
+              <a:buNone/>
+            </a:pPr>
+            <a:r>
+              <a:rPr lang="en-GB" dirty="0"/>
+              <a:t>Do a focality map of the difference frequency generated at 10Hz. </a:t>
+            </a:r>
+          </a:p>
+        </p:txBody>
+      </p:sp>
+    </p:spTree>
+    <p:extLst>
+      <p:ext uri="{BB962C8B-B14F-4D97-AF65-F5344CB8AC3E}">
+        <p14:creationId xmlns:p14="http://schemas.microsoft.com/office/powerpoint/2010/main" val="620031804"/>
+      </p:ext>
+    </p:extLst>
+  </p:cSld>
+  <p:clrMapOvr>
+    <a:masterClrMapping/>
+  </p:clrMapOvr>
+</p:sld>
+</file>
+
+<file path=ppt/slides/slide38.xml><?xml version="1.0" encoding="utf-8"?>
+<p:sld xmlns:a="http://schemas.openxmlformats.org/drawingml/2006/main" xmlns:r="http://schemas.openxmlformats.org/officeDocument/2006/relationships" xmlns:p="http://schemas.openxmlformats.org/presentationml/2006/main">
+  <p:cSld>
+    <p:spTree>
+      <p:nvGrpSpPr>
+        <p:cNvPr id="1" name=""/>
+        <p:cNvGrpSpPr/>
+        <p:nvPr/>
+      </p:nvGrpSpPr>
+      <p:grpSpPr>
+        <a:xfrm>
+          <a:off x="0" y="0"/>
+          <a:ext cx="0" cy="0"/>
+          <a:chOff x="0" y="0"/>
+          <a:chExt cx="0" cy="0"/>
+        </a:xfrm>
+      </p:grpSpPr>
+      <p:sp>
+        <p:nvSpPr>
+          <p:cNvPr id="2" name="Title 1">
+            <a:extLst>
+              <a:ext uri="{FF2B5EF4-FFF2-40B4-BE49-F238E27FC236}">
                 <a16:creationId xmlns:a16="http://schemas.microsoft.com/office/drawing/2014/main" id="{313CEC42-8BEA-7763-1F60-2DE112F68480}"/>
               </a:ext>
             </a:extLst>
@@ -16280,7 +18808,7 @@
 </p:sld>
 </file>
 
-<file path=ppt/slides/slide34.xml><?xml version="1.0" encoding="utf-8"?>
+<file path=ppt/slides/slide39.xml><?xml version="1.0" encoding="utf-8"?>
 <p:sld xmlns:a="http://schemas.openxmlformats.org/drawingml/2006/main" xmlns:r="http://schemas.openxmlformats.org/officeDocument/2006/relationships" xmlns:p="http://schemas.openxmlformats.org/presentationml/2006/main">
   <p:cSld>
     <p:spTree>
@@ -16594,320 +19122,6 @@
 </p:sld>
 </file>
 
-<file path=ppt/slides/slide35.xml><?xml version="1.0" encoding="utf-8"?>
-<p:sld xmlns:a="http://schemas.openxmlformats.org/drawingml/2006/main" xmlns:r="http://schemas.openxmlformats.org/officeDocument/2006/relationships" xmlns:p="http://schemas.openxmlformats.org/presentationml/2006/main">
-  <p:cSld>
-    <p:spTree>
-      <p:nvGrpSpPr>
-        <p:cNvPr id="1" name=""/>
-        <p:cNvGrpSpPr/>
-        <p:nvPr/>
-      </p:nvGrpSpPr>
-      <p:grpSpPr>
-        <a:xfrm>
-          <a:off x="0" y="0"/>
-          <a:ext cx="0" cy="0"/>
-          <a:chOff x="0" y="0"/>
-          <a:chExt cx="0" cy="0"/>
-        </a:xfrm>
-      </p:grpSpPr>
-      <p:sp>
-        <p:nvSpPr>
-          <p:cNvPr id="2" name="Title 1">
-            <a:extLst>
-              <a:ext uri="{FF2B5EF4-FFF2-40B4-BE49-F238E27FC236}">
-                <a16:creationId xmlns:a16="http://schemas.microsoft.com/office/drawing/2014/main" id="{FD849731-DE8D-B1D7-DA58-E7E184EF80EE}"/>
-              </a:ext>
-            </a:extLst>
-          </p:cNvPr>
-          <p:cNvSpPr>
-            <a:spLocks noGrp="1"/>
-          </p:cNvSpPr>
-          <p:nvPr>
-            <p:ph type="title"/>
-          </p:nvPr>
-        </p:nvSpPr>
-        <p:spPr>
-          <a:xfrm>
-            <a:off x="838200" y="365125"/>
-            <a:ext cx="10515600" cy="695049"/>
-          </a:xfrm>
-        </p:spPr>
-        <p:txBody>
-          <a:bodyPr>
-            <a:normAutofit/>
-          </a:bodyPr>
-          <a:lstStyle/>
-          <a:p>
-            <a:r>
-              <a:rPr lang="en-GB" sz="2800" dirty="0"/>
-              <a:t>Could the difference frequency be induced in the preamp? </a:t>
-            </a:r>
-          </a:p>
-        </p:txBody>
-      </p:sp>
-      <p:sp>
-        <p:nvSpPr>
-          <p:cNvPr id="3" name="Content Placeholder 2">
-            <a:extLst>
-              <a:ext uri="{FF2B5EF4-FFF2-40B4-BE49-F238E27FC236}">
-                <a16:creationId xmlns:a16="http://schemas.microsoft.com/office/drawing/2014/main" id="{206BFE8C-BA5C-8D37-F429-C402BE4A6D27}"/>
-              </a:ext>
-            </a:extLst>
-          </p:cNvPr>
-          <p:cNvSpPr>
-            <a:spLocks noGrp="1"/>
-          </p:cNvSpPr>
-          <p:nvPr>
-            <p:ph idx="1"/>
-          </p:nvPr>
-        </p:nvSpPr>
-        <p:spPr>
-          <a:xfrm>
-            <a:off x="838200" y="1386713"/>
-            <a:ext cx="10515600" cy="5106162"/>
-          </a:xfrm>
-        </p:spPr>
-        <p:txBody>
-          <a:bodyPr>
-            <a:normAutofit/>
-          </a:bodyPr>
-          <a:lstStyle/>
-          <a:p>
-            <a:pPr marL="0" indent="0">
-              <a:buNone/>
-            </a:pPr>
-            <a:r>
-              <a:rPr lang="en-GB" sz="2400" dirty="0"/>
-              <a:t>Evidence 1: Since there are neural spikes, the difference frequency is induced before it enters the preamplifier. </a:t>
-            </a:r>
-          </a:p>
-          <a:p>
-            <a:pPr marL="0" indent="0">
-              <a:buNone/>
-            </a:pPr>
-            <a:r>
-              <a:rPr lang="en-GB" sz="2400" dirty="0"/>
-              <a:t>Evidence 2: e105 t? (I will need to redo this once I have final amplitude data anyway, so I am holding off on the post processing plots as I know I can do it without mixing in the preamp) - will do it post oil test. </a:t>
-            </a:r>
-          </a:p>
-        </p:txBody>
-      </p:sp>
-    </p:spTree>
-    <p:extLst>
-      <p:ext uri="{BB962C8B-B14F-4D97-AF65-F5344CB8AC3E}">
-        <p14:creationId xmlns:p14="http://schemas.microsoft.com/office/powerpoint/2010/main" val="1268121259"/>
-      </p:ext>
-    </p:extLst>
-  </p:cSld>
-  <p:clrMapOvr>
-    <a:masterClrMapping/>
-  </p:clrMapOvr>
-</p:sld>
-</file>
-
-<file path=ppt/slides/slide36.xml><?xml version="1.0" encoding="utf-8"?>
-<p:sld xmlns:a="http://schemas.openxmlformats.org/drawingml/2006/main" xmlns:r="http://schemas.openxmlformats.org/officeDocument/2006/relationships" xmlns:p="http://schemas.openxmlformats.org/presentationml/2006/main">
-  <p:cSld>
-    <p:spTree>
-      <p:nvGrpSpPr>
-        <p:cNvPr id="1" name=""/>
-        <p:cNvGrpSpPr/>
-        <p:nvPr/>
-      </p:nvGrpSpPr>
-      <p:grpSpPr>
-        <a:xfrm>
-          <a:off x="0" y="0"/>
-          <a:ext cx="0" cy="0"/>
-          <a:chOff x="0" y="0"/>
-          <a:chExt cx="0" cy="0"/>
-        </a:xfrm>
-      </p:grpSpPr>
-      <p:sp>
-        <p:nvSpPr>
-          <p:cNvPr id="2" name="Title 1">
-            <a:extLst>
-              <a:ext uri="{FF2B5EF4-FFF2-40B4-BE49-F238E27FC236}">
-                <a16:creationId xmlns:a16="http://schemas.microsoft.com/office/drawing/2014/main" id="{118F5C2E-E7C1-0079-87B9-12FFB7830001}"/>
-              </a:ext>
-            </a:extLst>
-          </p:cNvPr>
-          <p:cNvSpPr>
-            <a:spLocks noGrp="1"/>
-          </p:cNvSpPr>
-          <p:nvPr>
-            <p:ph type="title"/>
-          </p:nvPr>
-        </p:nvSpPr>
-        <p:spPr>
-          <a:xfrm>
-            <a:off x="838200" y="212725"/>
-            <a:ext cx="10515600" cy="805307"/>
-          </a:xfrm>
-        </p:spPr>
-        <p:txBody>
-          <a:bodyPr/>
-          <a:lstStyle/>
-          <a:p>
-            <a:r>
-              <a:rPr lang="en-GB" dirty="0"/>
-              <a:t>Phantom Focality Plot </a:t>
-            </a:r>
-          </a:p>
-        </p:txBody>
-      </p:sp>
-      <p:sp>
-        <p:nvSpPr>
-          <p:cNvPr id="4" name="TextBox 3">
-            <a:extLst>
-              <a:ext uri="{FF2B5EF4-FFF2-40B4-BE49-F238E27FC236}">
-                <a16:creationId xmlns:a16="http://schemas.microsoft.com/office/drawing/2014/main" id="{401C10F6-861B-B69D-85CF-C13A8DD50B71}"/>
-              </a:ext>
-            </a:extLst>
-          </p:cNvPr>
-          <p:cNvSpPr txBox="1"/>
-          <p:nvPr/>
-        </p:nvSpPr>
-        <p:spPr>
-          <a:xfrm>
-            <a:off x="3080512" y="1356699"/>
-            <a:ext cx="6729984" cy="1754326"/>
-          </a:xfrm>
-          <a:prstGeom prst="rect">
-            <a:avLst/>
-          </a:prstGeom>
-          <a:noFill/>
-        </p:spPr>
-        <p:txBody>
-          <a:bodyPr wrap="square" rtlCol="0">
-            <a:spAutoFit/>
-          </a:bodyPr>
-          <a:lstStyle/>
-          <a:p>
-            <a:r>
-              <a:rPr lang="en-GB" dirty="0"/>
-              <a:t>With and without F21? PRF and dual signal results? </a:t>
-            </a:r>
-          </a:p>
-          <a:p>
-            <a:endParaRPr lang="en-GB" dirty="0"/>
-          </a:p>
-          <a:p>
-            <a:endParaRPr lang="en-GB" dirty="0"/>
-          </a:p>
-          <a:p>
-            <a:endParaRPr lang="en-GB" dirty="0"/>
-          </a:p>
-          <a:p>
-            <a:endParaRPr lang="en-GB" dirty="0"/>
-          </a:p>
-          <a:p>
-            <a:endParaRPr lang="en-GB" dirty="0"/>
-          </a:p>
-        </p:txBody>
-      </p:sp>
-    </p:spTree>
-    <p:extLst>
-      <p:ext uri="{BB962C8B-B14F-4D97-AF65-F5344CB8AC3E}">
-        <p14:creationId xmlns:p14="http://schemas.microsoft.com/office/powerpoint/2010/main" val="4065025777"/>
-      </p:ext>
-    </p:extLst>
-  </p:cSld>
-  <p:clrMapOvr>
-    <a:masterClrMapping/>
-  </p:clrMapOvr>
-</p:sld>
-</file>
-
-<file path=ppt/slides/slide37.xml><?xml version="1.0" encoding="utf-8"?>
-<p:sld xmlns:a="http://schemas.openxmlformats.org/drawingml/2006/main" xmlns:r="http://schemas.openxmlformats.org/officeDocument/2006/relationships" xmlns:p="http://schemas.openxmlformats.org/presentationml/2006/main">
-  <p:cSld>
-    <p:spTree>
-      <p:nvGrpSpPr>
-        <p:cNvPr id="1" name=""/>
-        <p:cNvGrpSpPr/>
-        <p:nvPr/>
-      </p:nvGrpSpPr>
-      <p:grpSpPr>
-        <a:xfrm>
-          <a:off x="0" y="0"/>
-          <a:ext cx="0" cy="0"/>
-          <a:chOff x="0" y="0"/>
-          <a:chExt cx="0" cy="0"/>
-        </a:xfrm>
-      </p:grpSpPr>
-      <p:sp>
-        <p:nvSpPr>
-          <p:cNvPr id="2" name="Title 1">
-            <a:extLst>
-              <a:ext uri="{FF2B5EF4-FFF2-40B4-BE49-F238E27FC236}">
-                <a16:creationId xmlns:a16="http://schemas.microsoft.com/office/drawing/2014/main" id="{E74A28A2-79AA-3C9A-26A6-A90C240D7913}"/>
-              </a:ext>
-            </a:extLst>
-          </p:cNvPr>
-          <p:cNvSpPr>
-            <a:spLocks noGrp="1"/>
-          </p:cNvSpPr>
-          <p:nvPr>
-            <p:ph type="title"/>
-          </p:nvPr>
-        </p:nvSpPr>
-        <p:spPr/>
-        <p:txBody>
-          <a:bodyPr>
-            <a:normAutofit/>
-          </a:bodyPr>
-          <a:lstStyle/>
-          <a:p>
-            <a:pPr algn="ctr"/>
-            <a:r>
-              <a:rPr lang="en-GB" sz="3600" dirty="0"/>
-              <a:t>What current am I applying when I get a response? What is the E and J? </a:t>
-            </a:r>
-          </a:p>
-        </p:txBody>
-      </p:sp>
-      <p:sp>
-        <p:nvSpPr>
-          <p:cNvPr id="3" name="Content Placeholder 2">
-            <a:extLst>
-              <a:ext uri="{FF2B5EF4-FFF2-40B4-BE49-F238E27FC236}">
-                <a16:creationId xmlns:a16="http://schemas.microsoft.com/office/drawing/2014/main" id="{2748121A-A49F-34A4-9F6B-F40EBD533C0B}"/>
-              </a:ext>
-            </a:extLst>
-          </p:cNvPr>
-          <p:cNvSpPr>
-            <a:spLocks noGrp="1"/>
-          </p:cNvSpPr>
-          <p:nvPr>
-            <p:ph idx="1"/>
-          </p:nvPr>
-        </p:nvSpPr>
-        <p:spPr/>
-        <p:txBody>
-          <a:bodyPr/>
-          <a:lstStyle/>
-          <a:p>
-            <a:r>
-              <a:rPr lang="en-GB" dirty="0"/>
-              <a:t>Look at e113 to find out. </a:t>
-            </a:r>
-          </a:p>
-        </p:txBody>
-      </p:sp>
-    </p:spTree>
-    <p:extLst>
-      <p:ext uri="{BB962C8B-B14F-4D97-AF65-F5344CB8AC3E}">
-        <p14:creationId xmlns:p14="http://schemas.microsoft.com/office/powerpoint/2010/main" val="3968373312"/>
-      </p:ext>
-    </p:extLst>
-  </p:cSld>
-  <p:clrMapOvr>
-    <a:masterClrMapping/>
-  </p:clrMapOvr>
-</p:sld>
-</file>
-
 <file path=ppt/slides/slide4.xml><?xml version="1.0" encoding="utf-8"?>
 <p:sld xmlns:a="http://schemas.openxmlformats.org/drawingml/2006/main" xmlns:r="http://schemas.openxmlformats.org/officeDocument/2006/relationships" xmlns:p="http://schemas.openxmlformats.org/presentationml/2006/main">
   <p:cSld>
@@ -17771,6 +19985,728 @@
     <p:extLst>
       <p:ext uri="{BB962C8B-B14F-4D97-AF65-F5344CB8AC3E}">
         <p14:creationId xmlns:p14="http://schemas.microsoft.com/office/powerpoint/2010/main" val="1392150342"/>
+      </p:ext>
+    </p:extLst>
+  </p:cSld>
+  <p:clrMapOvr>
+    <a:masterClrMapping/>
+  </p:clrMapOvr>
+</p:sld>
+</file>
+
+<file path=ppt/slides/slide40.xml><?xml version="1.0" encoding="utf-8"?>
+<p:sld xmlns:a="http://schemas.openxmlformats.org/drawingml/2006/main" xmlns:r="http://schemas.openxmlformats.org/officeDocument/2006/relationships" xmlns:p="http://schemas.openxmlformats.org/presentationml/2006/main">
+  <p:cSld>
+    <p:spTree>
+      <p:nvGrpSpPr>
+        <p:cNvPr id="1" name=""/>
+        <p:cNvGrpSpPr/>
+        <p:nvPr/>
+      </p:nvGrpSpPr>
+      <p:grpSpPr>
+        <a:xfrm>
+          <a:off x="0" y="0"/>
+          <a:ext cx="0" cy="0"/>
+          <a:chOff x="0" y="0"/>
+          <a:chExt cx="0" cy="0"/>
+        </a:xfrm>
+      </p:grpSpPr>
+      <p:sp>
+        <p:nvSpPr>
+          <p:cNvPr id="2" name="Title 1">
+            <a:extLst>
+              <a:ext uri="{FF2B5EF4-FFF2-40B4-BE49-F238E27FC236}">
+                <a16:creationId xmlns:a16="http://schemas.microsoft.com/office/drawing/2014/main" id="{FD849731-DE8D-B1D7-DA58-E7E184EF80EE}"/>
+              </a:ext>
+            </a:extLst>
+          </p:cNvPr>
+          <p:cNvSpPr>
+            <a:spLocks noGrp="1"/>
+          </p:cNvSpPr>
+          <p:nvPr>
+            <p:ph type="title"/>
+          </p:nvPr>
+        </p:nvSpPr>
+        <p:spPr>
+          <a:xfrm>
+            <a:off x="838200" y="365125"/>
+            <a:ext cx="10515600" cy="695049"/>
+          </a:xfrm>
+        </p:spPr>
+        <p:txBody>
+          <a:bodyPr>
+            <a:normAutofit/>
+          </a:bodyPr>
+          <a:lstStyle/>
+          <a:p>
+            <a:r>
+              <a:rPr lang="en-GB" sz="2800" dirty="0"/>
+              <a:t>Could the difference frequency be induced in the preamp? </a:t>
+            </a:r>
+          </a:p>
+        </p:txBody>
+      </p:sp>
+      <p:sp>
+        <p:nvSpPr>
+          <p:cNvPr id="3" name="Content Placeholder 2">
+            <a:extLst>
+              <a:ext uri="{FF2B5EF4-FFF2-40B4-BE49-F238E27FC236}">
+                <a16:creationId xmlns:a16="http://schemas.microsoft.com/office/drawing/2014/main" id="{206BFE8C-BA5C-8D37-F429-C402BE4A6D27}"/>
+              </a:ext>
+            </a:extLst>
+          </p:cNvPr>
+          <p:cNvSpPr>
+            <a:spLocks noGrp="1"/>
+          </p:cNvSpPr>
+          <p:nvPr>
+            <p:ph idx="1"/>
+          </p:nvPr>
+        </p:nvSpPr>
+        <p:spPr>
+          <a:xfrm>
+            <a:off x="838200" y="1386713"/>
+            <a:ext cx="10515600" cy="5106162"/>
+          </a:xfrm>
+        </p:spPr>
+        <p:txBody>
+          <a:bodyPr>
+            <a:normAutofit/>
+          </a:bodyPr>
+          <a:lstStyle/>
+          <a:p>
+            <a:pPr marL="0" indent="0">
+              <a:buNone/>
+            </a:pPr>
+            <a:r>
+              <a:rPr lang="en-GB" sz="2400" dirty="0"/>
+              <a:t>Evidence 1: Since there are neural spikes, the difference frequency is induced before it enters the preamplifier. </a:t>
+            </a:r>
+          </a:p>
+          <a:p>
+            <a:pPr marL="0" indent="0">
+              <a:buNone/>
+            </a:pPr>
+            <a:r>
+              <a:rPr lang="en-GB" sz="2400" dirty="0"/>
+              <a:t>Evidence 2: e105 t? (I will need to redo this once I have final amplitude data anyway, so I am holding off on the post processing plots as I know I can do it without mixing in the preamp) - will do it post oil test. </a:t>
+            </a:r>
+          </a:p>
+        </p:txBody>
+      </p:sp>
+    </p:spTree>
+    <p:extLst>
+      <p:ext uri="{BB962C8B-B14F-4D97-AF65-F5344CB8AC3E}">
+        <p14:creationId xmlns:p14="http://schemas.microsoft.com/office/powerpoint/2010/main" val="1268121259"/>
+      </p:ext>
+    </p:extLst>
+  </p:cSld>
+  <p:clrMapOvr>
+    <a:masterClrMapping/>
+  </p:clrMapOvr>
+</p:sld>
+</file>
+
+<file path=ppt/slides/slide41.xml><?xml version="1.0" encoding="utf-8"?>
+<p:sld xmlns:a="http://schemas.openxmlformats.org/drawingml/2006/main" xmlns:r="http://schemas.openxmlformats.org/officeDocument/2006/relationships" xmlns:p="http://schemas.openxmlformats.org/presentationml/2006/main">
+  <p:cSld>
+    <p:spTree>
+      <p:nvGrpSpPr>
+        <p:cNvPr id="1" name=""/>
+        <p:cNvGrpSpPr/>
+        <p:nvPr/>
+      </p:nvGrpSpPr>
+      <p:grpSpPr>
+        <a:xfrm>
+          <a:off x="0" y="0"/>
+          <a:ext cx="0" cy="0"/>
+          <a:chOff x="0" y="0"/>
+          <a:chExt cx="0" cy="0"/>
+        </a:xfrm>
+      </p:grpSpPr>
+      <p:sp>
+        <p:nvSpPr>
+          <p:cNvPr id="2" name="Title 1">
+            <a:extLst>
+              <a:ext uri="{FF2B5EF4-FFF2-40B4-BE49-F238E27FC236}">
+                <a16:creationId xmlns:a16="http://schemas.microsoft.com/office/drawing/2014/main" id="{118F5C2E-E7C1-0079-87B9-12FFB7830001}"/>
+              </a:ext>
+            </a:extLst>
+          </p:cNvPr>
+          <p:cNvSpPr>
+            <a:spLocks noGrp="1"/>
+          </p:cNvSpPr>
+          <p:nvPr>
+            <p:ph type="title"/>
+          </p:nvPr>
+        </p:nvSpPr>
+        <p:spPr>
+          <a:xfrm>
+            <a:off x="838200" y="212725"/>
+            <a:ext cx="10515600" cy="805307"/>
+          </a:xfrm>
+        </p:spPr>
+        <p:txBody>
+          <a:bodyPr/>
+          <a:lstStyle/>
+          <a:p>
+            <a:r>
+              <a:rPr lang="en-GB" dirty="0"/>
+              <a:t>Phantom Focality Plot </a:t>
+            </a:r>
+          </a:p>
+        </p:txBody>
+      </p:sp>
+      <p:sp>
+        <p:nvSpPr>
+          <p:cNvPr id="4" name="TextBox 3">
+            <a:extLst>
+              <a:ext uri="{FF2B5EF4-FFF2-40B4-BE49-F238E27FC236}">
+                <a16:creationId xmlns:a16="http://schemas.microsoft.com/office/drawing/2014/main" id="{401C10F6-861B-B69D-85CF-C13A8DD50B71}"/>
+              </a:ext>
+            </a:extLst>
+          </p:cNvPr>
+          <p:cNvSpPr txBox="1"/>
+          <p:nvPr/>
+        </p:nvSpPr>
+        <p:spPr>
+          <a:xfrm>
+            <a:off x="3080512" y="1356699"/>
+            <a:ext cx="6729984" cy="1754326"/>
+          </a:xfrm>
+          <a:prstGeom prst="rect">
+            <a:avLst/>
+          </a:prstGeom>
+          <a:noFill/>
+        </p:spPr>
+        <p:txBody>
+          <a:bodyPr wrap="square" rtlCol="0">
+            <a:spAutoFit/>
+          </a:bodyPr>
+          <a:lstStyle/>
+          <a:p>
+            <a:r>
+              <a:rPr lang="en-GB" dirty="0"/>
+              <a:t>With and without F21? PRF and dual signal results? </a:t>
+            </a:r>
+          </a:p>
+          <a:p>
+            <a:endParaRPr lang="en-GB" dirty="0"/>
+          </a:p>
+          <a:p>
+            <a:endParaRPr lang="en-GB" dirty="0"/>
+          </a:p>
+          <a:p>
+            <a:endParaRPr lang="en-GB" dirty="0"/>
+          </a:p>
+          <a:p>
+            <a:endParaRPr lang="en-GB" dirty="0"/>
+          </a:p>
+          <a:p>
+            <a:endParaRPr lang="en-GB" dirty="0"/>
+          </a:p>
+        </p:txBody>
+      </p:sp>
+    </p:spTree>
+    <p:extLst>
+      <p:ext uri="{BB962C8B-B14F-4D97-AF65-F5344CB8AC3E}">
+        <p14:creationId xmlns:p14="http://schemas.microsoft.com/office/powerpoint/2010/main" val="4065025777"/>
+      </p:ext>
+    </p:extLst>
+  </p:cSld>
+  <p:clrMapOvr>
+    <a:masterClrMapping/>
+  </p:clrMapOvr>
+</p:sld>
+</file>
+
+<file path=ppt/slides/slide42.xml><?xml version="1.0" encoding="utf-8"?>
+<p:sld xmlns:a="http://schemas.openxmlformats.org/drawingml/2006/main" xmlns:r="http://schemas.openxmlformats.org/officeDocument/2006/relationships" xmlns:p="http://schemas.openxmlformats.org/presentationml/2006/main">
+  <p:cSld>
+    <p:spTree>
+      <p:nvGrpSpPr>
+        <p:cNvPr id="1" name=""/>
+        <p:cNvGrpSpPr/>
+        <p:nvPr/>
+      </p:nvGrpSpPr>
+      <p:grpSpPr>
+        <a:xfrm>
+          <a:off x="0" y="0"/>
+          <a:ext cx="0" cy="0"/>
+          <a:chOff x="0" y="0"/>
+          <a:chExt cx="0" cy="0"/>
+        </a:xfrm>
+      </p:grpSpPr>
+      <p:sp>
+        <p:nvSpPr>
+          <p:cNvPr id="2" name="Title 1">
+            <a:extLst>
+              <a:ext uri="{FF2B5EF4-FFF2-40B4-BE49-F238E27FC236}">
+                <a16:creationId xmlns:a16="http://schemas.microsoft.com/office/drawing/2014/main" id="{E74A28A2-79AA-3C9A-26A6-A90C240D7913}"/>
+              </a:ext>
+            </a:extLst>
+          </p:cNvPr>
+          <p:cNvSpPr>
+            <a:spLocks noGrp="1"/>
+          </p:cNvSpPr>
+          <p:nvPr>
+            <p:ph type="title"/>
+          </p:nvPr>
+        </p:nvSpPr>
+        <p:spPr/>
+        <p:txBody>
+          <a:bodyPr>
+            <a:normAutofit/>
+          </a:bodyPr>
+          <a:lstStyle/>
+          <a:p>
+            <a:pPr algn="ctr"/>
+            <a:r>
+              <a:rPr lang="en-GB" sz="3600" dirty="0"/>
+              <a:t>What current am I applying when I get a response? What is the E and J? </a:t>
+            </a:r>
+          </a:p>
+        </p:txBody>
+      </p:sp>
+      <p:sp>
+        <p:nvSpPr>
+          <p:cNvPr id="3" name="Content Placeholder 2">
+            <a:extLst>
+              <a:ext uri="{FF2B5EF4-FFF2-40B4-BE49-F238E27FC236}">
+                <a16:creationId xmlns:a16="http://schemas.microsoft.com/office/drawing/2014/main" id="{2748121A-A49F-34A4-9F6B-F40EBD533C0B}"/>
+              </a:ext>
+            </a:extLst>
+          </p:cNvPr>
+          <p:cNvSpPr>
+            <a:spLocks noGrp="1"/>
+          </p:cNvSpPr>
+          <p:nvPr>
+            <p:ph idx="1"/>
+          </p:nvPr>
+        </p:nvSpPr>
+        <p:spPr/>
+        <p:txBody>
+          <a:bodyPr/>
+          <a:lstStyle/>
+          <a:p>
+            <a:r>
+              <a:rPr lang="en-GB" dirty="0"/>
+              <a:t>Look at e113 to find out. </a:t>
+            </a:r>
+          </a:p>
+        </p:txBody>
+      </p:sp>
+    </p:spTree>
+    <p:extLst>
+      <p:ext uri="{BB962C8B-B14F-4D97-AF65-F5344CB8AC3E}">
+        <p14:creationId xmlns:p14="http://schemas.microsoft.com/office/powerpoint/2010/main" val="3968373312"/>
+      </p:ext>
+    </p:extLst>
+  </p:cSld>
+  <p:clrMapOvr>
+    <a:masterClrMapping/>
+  </p:clrMapOvr>
+</p:sld>
+</file>
+
+<file path=ppt/slides/slide43.xml><?xml version="1.0" encoding="utf-8"?>
+<p:sld xmlns:a="http://schemas.openxmlformats.org/drawingml/2006/main" xmlns:r="http://schemas.openxmlformats.org/officeDocument/2006/relationships" xmlns:p="http://schemas.openxmlformats.org/presentationml/2006/main">
+  <p:cSld>
+    <p:spTree>
+      <p:nvGrpSpPr>
+        <p:cNvPr id="1" name=""/>
+        <p:cNvGrpSpPr/>
+        <p:nvPr/>
+      </p:nvGrpSpPr>
+      <p:grpSpPr>
+        <a:xfrm>
+          <a:off x="0" y="0"/>
+          <a:ext cx="0" cy="0"/>
+          <a:chOff x="0" y="0"/>
+          <a:chExt cx="0" cy="0"/>
+        </a:xfrm>
+      </p:grpSpPr>
+      <p:pic>
+        <p:nvPicPr>
+          <p:cNvPr id="5" name="Picture 4" descr="A red and white gradient&#10;&#10;Description automatically generated">
+            <a:extLst>
+              <a:ext uri="{FF2B5EF4-FFF2-40B4-BE49-F238E27FC236}">
+                <a16:creationId xmlns:a16="http://schemas.microsoft.com/office/drawing/2014/main" id="{B5B224EF-FAC1-6228-8E45-7E3670608061}"/>
+              </a:ext>
+            </a:extLst>
+          </p:cNvPr>
+          <p:cNvPicPr>
+            <a:picLocks noChangeAspect="1"/>
+          </p:cNvPicPr>
+          <p:nvPr/>
+        </p:nvPicPr>
+        <p:blipFill>
+          <a:blip r:embed="rId2">
+            <a:extLst>
+              <a:ext uri="{28A0092B-C50C-407E-A947-70E740481C1C}">
+                <a14:useLocalDpi xmlns:a14="http://schemas.microsoft.com/office/drawing/2010/main" val="0"/>
+              </a:ext>
+            </a:extLst>
+          </a:blip>
+          <a:stretch>
+            <a:fillRect/>
+          </a:stretch>
+        </p:blipFill>
+        <p:spPr>
+          <a:xfrm>
+            <a:off x="4461349" y="2043680"/>
+            <a:ext cx="3600000" cy="3152581"/>
+          </a:xfrm>
+          <a:prstGeom prst="rect">
+            <a:avLst/>
+          </a:prstGeom>
+        </p:spPr>
+      </p:pic>
+      <p:pic>
+        <p:nvPicPr>
+          <p:cNvPr id="7" name="Picture 6" descr="A blurry image of a red object&#10;&#10;Description automatically generated">
+            <a:extLst>
+              <a:ext uri="{FF2B5EF4-FFF2-40B4-BE49-F238E27FC236}">
+                <a16:creationId xmlns:a16="http://schemas.microsoft.com/office/drawing/2014/main" id="{AF05CBEB-5700-311B-0626-AE99C8F0C073}"/>
+              </a:ext>
+            </a:extLst>
+          </p:cNvPr>
+          <p:cNvPicPr>
+            <a:picLocks noChangeAspect="1"/>
+          </p:cNvPicPr>
+          <p:nvPr/>
+        </p:nvPicPr>
+        <p:blipFill>
+          <a:blip r:embed="rId3">
+            <a:extLst>
+              <a:ext uri="{28A0092B-C50C-407E-A947-70E740481C1C}">
+                <a14:useLocalDpi xmlns:a14="http://schemas.microsoft.com/office/drawing/2010/main" val="0"/>
+              </a:ext>
+            </a:extLst>
+          </a:blip>
+          <a:stretch>
+            <a:fillRect/>
+          </a:stretch>
+        </p:blipFill>
+        <p:spPr>
+          <a:xfrm>
+            <a:off x="554419" y="2043680"/>
+            <a:ext cx="3600000" cy="3152581"/>
+          </a:xfrm>
+          <a:prstGeom prst="rect">
+            <a:avLst/>
+          </a:prstGeom>
+        </p:spPr>
+      </p:pic>
+      <p:pic>
+        <p:nvPicPr>
+          <p:cNvPr id="9" name="Picture 8" descr="A red and white blurry image&#10;&#10;Description automatically generated">
+            <a:extLst>
+              <a:ext uri="{FF2B5EF4-FFF2-40B4-BE49-F238E27FC236}">
+                <a16:creationId xmlns:a16="http://schemas.microsoft.com/office/drawing/2014/main" id="{98A1BB43-D35B-7574-420A-A92D38427EC2}"/>
+              </a:ext>
+            </a:extLst>
+          </p:cNvPr>
+          <p:cNvPicPr>
+            <a:picLocks noChangeAspect="1"/>
+          </p:cNvPicPr>
+          <p:nvPr/>
+        </p:nvPicPr>
+        <p:blipFill>
+          <a:blip r:embed="rId4">
+            <a:extLst>
+              <a:ext uri="{28A0092B-C50C-407E-A947-70E740481C1C}">
+                <a14:useLocalDpi xmlns:a14="http://schemas.microsoft.com/office/drawing/2010/main" val="0"/>
+              </a:ext>
+            </a:extLst>
+          </a:blip>
+          <a:stretch>
+            <a:fillRect/>
+          </a:stretch>
+        </p:blipFill>
+        <p:spPr>
+          <a:xfrm>
+            <a:off x="8368279" y="2043680"/>
+            <a:ext cx="3600000" cy="3152581"/>
+          </a:xfrm>
+          <a:prstGeom prst="rect">
+            <a:avLst/>
+          </a:prstGeom>
+        </p:spPr>
+      </p:pic>
+      <p:sp>
+        <p:nvSpPr>
+          <p:cNvPr id="10" name="TextBox 9">
+            <a:extLst>
+              <a:ext uri="{FF2B5EF4-FFF2-40B4-BE49-F238E27FC236}">
+                <a16:creationId xmlns:a16="http://schemas.microsoft.com/office/drawing/2014/main" id="{5D8DC744-1A25-A0CD-4BBE-C70288287ADA}"/>
+              </a:ext>
+            </a:extLst>
+          </p:cNvPr>
+          <p:cNvSpPr txBox="1"/>
+          <p:nvPr/>
+        </p:nvSpPr>
+        <p:spPr>
+          <a:xfrm>
+            <a:off x="4150447" y="5458334"/>
+            <a:ext cx="569981" cy="369332"/>
+          </a:xfrm>
+          <a:prstGeom prst="rect">
+            <a:avLst/>
+          </a:prstGeom>
+          <a:noFill/>
+        </p:spPr>
+        <p:txBody>
+          <a:bodyPr wrap="square" rtlCol="0">
+            <a:spAutoFit/>
+          </a:bodyPr>
+          <a:lstStyle/>
+          <a:p>
+            <a:r>
+              <a:rPr lang="en-US" dirty="0"/>
+              <a:t>0</a:t>
+            </a:r>
+            <a:endParaRPr lang="en-GB" dirty="0"/>
+          </a:p>
+        </p:txBody>
+      </p:sp>
+      <p:sp>
+        <p:nvSpPr>
+          <p:cNvPr id="11" name="TextBox 10">
+            <a:extLst>
+              <a:ext uri="{FF2B5EF4-FFF2-40B4-BE49-F238E27FC236}">
+                <a16:creationId xmlns:a16="http://schemas.microsoft.com/office/drawing/2014/main" id="{BCFE8DC2-32D8-33B0-866D-BFA74077F907}"/>
+              </a:ext>
+            </a:extLst>
+          </p:cNvPr>
+          <p:cNvSpPr txBox="1"/>
+          <p:nvPr/>
+        </p:nvSpPr>
+        <p:spPr>
+          <a:xfrm>
+            <a:off x="4150448" y="1706614"/>
+            <a:ext cx="569981" cy="1200329"/>
+          </a:xfrm>
+          <a:prstGeom prst="rect">
+            <a:avLst/>
+          </a:prstGeom>
+          <a:noFill/>
+        </p:spPr>
+        <p:txBody>
+          <a:bodyPr wrap="square" rtlCol="0">
+            <a:spAutoFit/>
+          </a:bodyPr>
+          <a:lstStyle/>
+          <a:p>
+            <a:r>
+              <a:rPr lang="en-US" dirty="0"/>
+              <a:t>1 </a:t>
+            </a:r>
+            <a:r>
+              <a:rPr lang="en-US" dirty="0" err="1"/>
+              <a:t>mivrovolt</a:t>
+            </a:r>
+            <a:endParaRPr lang="en-GB" dirty="0"/>
+          </a:p>
+        </p:txBody>
+      </p:sp>
+      <p:sp>
+        <p:nvSpPr>
+          <p:cNvPr id="12" name="TextBox 11">
+            <a:extLst>
+              <a:ext uri="{FF2B5EF4-FFF2-40B4-BE49-F238E27FC236}">
+                <a16:creationId xmlns:a16="http://schemas.microsoft.com/office/drawing/2014/main" id="{C08DA492-8E45-517A-D16F-8CBDDCB92FF4}"/>
+              </a:ext>
+            </a:extLst>
+          </p:cNvPr>
+          <p:cNvSpPr txBox="1"/>
+          <p:nvPr/>
+        </p:nvSpPr>
+        <p:spPr>
+          <a:xfrm>
+            <a:off x="7918699" y="5348661"/>
+            <a:ext cx="569981" cy="369332"/>
+          </a:xfrm>
+          <a:prstGeom prst="rect">
+            <a:avLst/>
+          </a:prstGeom>
+          <a:noFill/>
+        </p:spPr>
+        <p:txBody>
+          <a:bodyPr wrap="square" rtlCol="0">
+            <a:spAutoFit/>
+          </a:bodyPr>
+          <a:lstStyle/>
+          <a:p>
+            <a:r>
+              <a:rPr lang="en-US" dirty="0"/>
+              <a:t>0</a:t>
+            </a:r>
+            <a:endParaRPr lang="en-GB" dirty="0"/>
+          </a:p>
+        </p:txBody>
+      </p:sp>
+      <p:sp>
+        <p:nvSpPr>
+          <p:cNvPr id="13" name="TextBox 12">
+            <a:extLst>
+              <a:ext uri="{FF2B5EF4-FFF2-40B4-BE49-F238E27FC236}">
+                <a16:creationId xmlns:a16="http://schemas.microsoft.com/office/drawing/2014/main" id="{19ECDFA2-D6A5-18E9-9510-2670D12A4EEF}"/>
+              </a:ext>
+            </a:extLst>
+          </p:cNvPr>
+          <p:cNvSpPr txBox="1"/>
+          <p:nvPr/>
+        </p:nvSpPr>
+        <p:spPr>
+          <a:xfrm>
+            <a:off x="7644833" y="1291115"/>
+            <a:ext cx="1240087" cy="646331"/>
+          </a:xfrm>
+          <a:prstGeom prst="rect">
+            <a:avLst/>
+          </a:prstGeom>
+          <a:noFill/>
+        </p:spPr>
+        <p:txBody>
+          <a:bodyPr wrap="square" rtlCol="0">
+            <a:spAutoFit/>
+          </a:bodyPr>
+          <a:lstStyle/>
+          <a:p>
+            <a:r>
+              <a:rPr lang="en-US" dirty="0"/>
+              <a:t>1200 microvolt</a:t>
+            </a:r>
+            <a:endParaRPr lang="en-GB" dirty="0"/>
+          </a:p>
+        </p:txBody>
+      </p:sp>
+      <p:sp>
+        <p:nvSpPr>
+          <p:cNvPr id="14" name="TextBox 13">
+            <a:extLst>
+              <a:ext uri="{FF2B5EF4-FFF2-40B4-BE49-F238E27FC236}">
+                <a16:creationId xmlns:a16="http://schemas.microsoft.com/office/drawing/2014/main" id="{3EE71C68-1BB6-CE9C-8C41-7244BE23BBB4}"/>
+              </a:ext>
+            </a:extLst>
+          </p:cNvPr>
+          <p:cNvSpPr txBox="1"/>
+          <p:nvPr/>
+        </p:nvSpPr>
+        <p:spPr>
+          <a:xfrm>
+            <a:off x="11606779" y="5302495"/>
+            <a:ext cx="569981" cy="369332"/>
+          </a:xfrm>
+          <a:prstGeom prst="rect">
+            <a:avLst/>
+          </a:prstGeom>
+          <a:noFill/>
+        </p:spPr>
+        <p:txBody>
+          <a:bodyPr wrap="square" rtlCol="0">
+            <a:spAutoFit/>
+          </a:bodyPr>
+          <a:lstStyle/>
+          <a:p>
+            <a:r>
+              <a:rPr lang="en-US" dirty="0"/>
+              <a:t>0</a:t>
+            </a:r>
+            <a:endParaRPr lang="en-GB" dirty="0"/>
+          </a:p>
+        </p:txBody>
+      </p:sp>
+      <p:sp>
+        <p:nvSpPr>
+          <p:cNvPr id="15" name="TextBox 14">
+            <a:extLst>
+              <a:ext uri="{FF2B5EF4-FFF2-40B4-BE49-F238E27FC236}">
+                <a16:creationId xmlns:a16="http://schemas.microsoft.com/office/drawing/2014/main" id="{8EACC44D-AF68-922C-13A4-5F63B5A6CF29}"/>
+              </a:ext>
+            </a:extLst>
+          </p:cNvPr>
+          <p:cNvSpPr txBox="1"/>
+          <p:nvPr/>
+        </p:nvSpPr>
+        <p:spPr>
+          <a:xfrm>
+            <a:off x="11189280" y="1338573"/>
+            <a:ext cx="1240087" cy="646331"/>
+          </a:xfrm>
+          <a:prstGeom prst="rect">
+            <a:avLst/>
+          </a:prstGeom>
+          <a:noFill/>
+        </p:spPr>
+        <p:txBody>
+          <a:bodyPr wrap="square" rtlCol="0">
+            <a:spAutoFit/>
+          </a:bodyPr>
+          <a:lstStyle/>
+          <a:p>
+            <a:r>
+              <a:rPr lang="en-US" dirty="0"/>
+              <a:t>0.15</a:t>
+            </a:r>
+          </a:p>
+          <a:p>
+            <a:r>
+              <a:rPr lang="en-US" dirty="0"/>
+              <a:t>microvolt</a:t>
+            </a:r>
+            <a:endParaRPr lang="en-GB" dirty="0"/>
+          </a:p>
+        </p:txBody>
+      </p:sp>
+      <p:sp>
+        <p:nvSpPr>
+          <p:cNvPr id="16" name="TextBox 15">
+            <a:extLst>
+              <a:ext uri="{FF2B5EF4-FFF2-40B4-BE49-F238E27FC236}">
+                <a16:creationId xmlns:a16="http://schemas.microsoft.com/office/drawing/2014/main" id="{DBDBE80F-095E-8C8D-CE67-FB976ADEC44C}"/>
+              </a:ext>
+            </a:extLst>
+          </p:cNvPr>
+          <p:cNvSpPr txBox="1"/>
+          <p:nvPr/>
+        </p:nvSpPr>
+        <p:spPr>
+          <a:xfrm>
+            <a:off x="5154384" y="415243"/>
+            <a:ext cx="3012724" cy="923330"/>
+          </a:xfrm>
+          <a:prstGeom prst="rect">
+            <a:avLst/>
+          </a:prstGeom>
+          <a:noFill/>
+        </p:spPr>
+        <p:txBody>
+          <a:bodyPr wrap="square" rtlCol="0">
+            <a:spAutoFit/>
+          </a:bodyPr>
+          <a:lstStyle/>
+          <a:p>
+            <a:r>
+              <a:rPr lang="en-US" dirty="0"/>
+              <a:t>Moving an electrical source around above electrodes with </a:t>
+            </a:r>
+            <a:r>
+              <a:rPr lang="en-US" dirty="0" err="1"/>
+              <a:t>stereotax</a:t>
+            </a:r>
+            <a:r>
+              <a:rPr lang="en-US" dirty="0"/>
+              <a:t>. E115, t6</a:t>
+            </a:r>
+            <a:endParaRPr lang="en-GB" dirty="0"/>
+          </a:p>
+        </p:txBody>
+      </p:sp>
+    </p:spTree>
+    <p:extLst>
+      <p:ext uri="{BB962C8B-B14F-4D97-AF65-F5344CB8AC3E}">
+        <p14:creationId xmlns:p14="http://schemas.microsoft.com/office/powerpoint/2010/main" val="153847861"/>
       </p:ext>
     </p:extLst>
   </p:cSld>
